--- a/code/arif/diagrams/SMMSDFD (1).pptx
+++ b/code/arif/diagrams/SMMSDFD (1).pptx
@@ -2,7 +2,7 @@
 <file path=ppt/presentation.xml><?xml version="1.0" encoding="utf-8"?>
 <p:presentation xmlns:a="http://schemas.openxmlformats.org/drawingml/2006/main" xmlns:r="http://schemas.openxmlformats.org/officeDocument/2006/relationships" xmlns:p="http://schemas.openxmlformats.org/presentationml/2006/main" saveSubsetFonts="1">
   <p:sldMasterIdLst>
-    <p:sldMasterId id="2147483648" r:id="rId1"/>
+    <p:sldMasterId id="2147483672" r:id="rId1"/>
   </p:sldMasterIdLst>
   <p:sldIdLst>
     <p:sldId id="256" r:id="rId2"/>
@@ -105,6 +105,22 @@
       </a:defRPr>
     </a:lvl9pPr>
   </p:defaultTextStyle>
+  <p:extLst>
+    <p:ext uri="{EFAFB233-063F-42B5-8137-9DF3F51BA10A}">
+      <p15:sldGuideLst xmlns:p15="http://schemas.microsoft.com/office/powerpoint/2012/main">
+        <p15:guide id="1" orient="horz" pos="2160">
+          <p15:clr>
+            <a:srgbClr val="A4A3A4"/>
+          </p15:clr>
+        </p15:guide>
+        <p15:guide id="2" pos="2880">
+          <p15:clr>
+            <a:srgbClr val="A4A3A4"/>
+          </p15:clr>
+        </p15:guide>
+      </p15:sldGuideLst>
+    </p:ext>
+  </p:extLst>
 </p:presentation>
 </file>
 
@@ -137,13 +153,17 @@
         </p:nvSpPr>
         <p:spPr>
           <a:xfrm>
-            <a:off x="685800" y="2130425"/>
-            <a:ext cx="7772400" cy="1470025"/>
-          </a:xfrm>
-        </p:spPr>
-        <p:txBody>
-          <a:bodyPr/>
-          <a:lstStyle/>
+            <a:off x="1143000" y="1122363"/>
+            <a:ext cx="6858000" cy="2387600"/>
+          </a:xfrm>
+        </p:spPr>
+        <p:txBody>
+          <a:bodyPr anchor="b"/>
+          <a:lstStyle>
+            <a:lvl1pPr algn="ctr">
+              <a:defRPr sz="4500"/>
+            </a:lvl1pPr>
+          </a:lstStyle>
           <a:p>
             <a:r>
               <a:rPr lang="en-US" smtClean="0"/>
@@ -165,8 +185,8 @@
         </p:nvSpPr>
         <p:spPr>
           <a:xfrm>
-            <a:off x="1371600" y="3886200"/>
-            <a:ext cx="6400800" cy="1752600"/>
+            <a:off x="1143000" y="3602038"/>
+            <a:ext cx="6858000" cy="1655762"/>
           </a:xfrm>
         </p:spPr>
         <p:txBody>
@@ -174,93 +194,39 @@
           <a:lstStyle>
             <a:lvl1pPr marL="0" indent="0" algn="ctr">
               <a:buNone/>
-              <a:defRPr>
-                <a:solidFill>
-                  <a:schemeClr val="tx1">
-                    <a:tint val="75000"/>
-                  </a:schemeClr>
-                </a:solidFill>
-              </a:defRPr>
+              <a:defRPr sz="1800"/>
             </a:lvl1pPr>
-            <a:lvl2pPr marL="457200" indent="0" algn="ctr">
+            <a:lvl2pPr marL="342900" indent="0" algn="ctr">
               <a:buNone/>
-              <a:defRPr>
-                <a:solidFill>
-                  <a:schemeClr val="tx1">
-                    <a:tint val="75000"/>
-                  </a:schemeClr>
-                </a:solidFill>
-              </a:defRPr>
+              <a:defRPr sz="1500"/>
             </a:lvl2pPr>
-            <a:lvl3pPr marL="914400" indent="0" algn="ctr">
+            <a:lvl3pPr marL="685800" indent="0" algn="ctr">
               <a:buNone/>
-              <a:defRPr>
-                <a:solidFill>
-                  <a:schemeClr val="tx1">
-                    <a:tint val="75000"/>
-                  </a:schemeClr>
-                </a:solidFill>
-              </a:defRPr>
+              <a:defRPr sz="1350"/>
             </a:lvl3pPr>
-            <a:lvl4pPr marL="1371600" indent="0" algn="ctr">
+            <a:lvl4pPr marL="1028700" indent="0" algn="ctr">
               <a:buNone/>
-              <a:defRPr>
-                <a:solidFill>
-                  <a:schemeClr val="tx1">
-                    <a:tint val="75000"/>
-                  </a:schemeClr>
-                </a:solidFill>
-              </a:defRPr>
+              <a:defRPr sz="1200"/>
             </a:lvl4pPr>
-            <a:lvl5pPr marL="1828800" indent="0" algn="ctr">
+            <a:lvl5pPr marL="1371600" indent="0" algn="ctr">
               <a:buNone/>
-              <a:defRPr>
-                <a:solidFill>
-                  <a:schemeClr val="tx1">
-                    <a:tint val="75000"/>
-                  </a:schemeClr>
-                </a:solidFill>
-              </a:defRPr>
+              <a:defRPr sz="1200"/>
             </a:lvl5pPr>
-            <a:lvl6pPr marL="2286000" indent="0" algn="ctr">
+            <a:lvl6pPr marL="1714500" indent="0" algn="ctr">
               <a:buNone/>
-              <a:defRPr>
-                <a:solidFill>
-                  <a:schemeClr val="tx1">
-                    <a:tint val="75000"/>
-                  </a:schemeClr>
-                </a:solidFill>
-              </a:defRPr>
+              <a:defRPr sz="1200"/>
             </a:lvl6pPr>
-            <a:lvl7pPr marL="2743200" indent="0" algn="ctr">
+            <a:lvl7pPr marL="2057400" indent="0" algn="ctr">
               <a:buNone/>
-              <a:defRPr>
-                <a:solidFill>
-                  <a:schemeClr val="tx1">
-                    <a:tint val="75000"/>
-                  </a:schemeClr>
-                </a:solidFill>
-              </a:defRPr>
+              <a:defRPr sz="1200"/>
             </a:lvl7pPr>
-            <a:lvl8pPr marL="3200400" indent="0" algn="ctr">
+            <a:lvl8pPr marL="2400300" indent="0" algn="ctr">
               <a:buNone/>
-              <a:defRPr>
-                <a:solidFill>
-                  <a:schemeClr val="tx1">
-                    <a:tint val="75000"/>
-                  </a:schemeClr>
-                </a:solidFill>
-              </a:defRPr>
+              <a:defRPr sz="1200"/>
             </a:lvl8pPr>
-            <a:lvl9pPr marL="3657600" indent="0" algn="ctr">
+            <a:lvl9pPr marL="2743200" indent="0" algn="ctr">
               <a:buNone/>
-              <a:defRPr>
-                <a:solidFill>
-                  <a:schemeClr val="tx1">
-                    <a:tint val="75000"/>
-                  </a:schemeClr>
-                </a:solidFill>
-              </a:defRPr>
+              <a:defRPr sz="1200"/>
             </a:lvl9pPr>
           </a:lstStyle>
           <a:p>
@@ -290,7 +256,7 @@
             <a:fld id="{1D8BD707-D9CF-40AE-B4C6-C98DA3205C09}" type="datetimeFigureOut">
               <a:rPr lang="en-US" smtClean="0"/>
               <a:pPr/>
-              <a:t>6/23/2013</a:t>
+              <a:t>6/25/2013</a:t>
             </a:fld>
             <a:endParaRPr lang="en-US"/>
           </a:p>
@@ -340,6 +306,11 @@
         </p:txBody>
       </p:sp>
     </p:spTree>
+    <p:extLst>
+      <p:ext uri="{BB962C8B-B14F-4D97-AF65-F5344CB8AC3E}">
+        <p14:creationId xmlns:p14="http://schemas.microsoft.com/office/powerpoint/2010/main" val="3909573272"/>
+      </p:ext>
+    </p:extLst>
   </p:cSld>
   <p:clrMapOvr>
     <a:masterClrMapping/>
@@ -457,7 +428,7 @@
             <a:fld id="{1D8BD707-D9CF-40AE-B4C6-C98DA3205C09}" type="datetimeFigureOut">
               <a:rPr lang="en-US" smtClean="0"/>
               <a:pPr/>
-              <a:t>6/23/2013</a:t>
+              <a:t>6/25/2013</a:t>
             </a:fld>
             <a:endParaRPr lang="en-US"/>
           </a:p>
@@ -507,6 +478,11 @@
         </p:txBody>
       </p:sp>
     </p:spTree>
+    <p:extLst>
+      <p:ext uri="{BB962C8B-B14F-4D97-AF65-F5344CB8AC3E}">
+        <p14:creationId xmlns:p14="http://schemas.microsoft.com/office/powerpoint/2010/main" val="2411424216"/>
+      </p:ext>
+    </p:extLst>
   </p:cSld>
   <p:clrMapOvr>
     <a:masterClrMapping/>
@@ -543,8 +519,8 @@
         </p:nvSpPr>
         <p:spPr>
           <a:xfrm>
-            <a:off x="6629400" y="274638"/>
-            <a:ext cx="2057400" cy="5851525"/>
+            <a:off x="6543675" y="365125"/>
+            <a:ext cx="1971675" cy="5811838"/>
           </a:xfrm>
         </p:spPr>
         <p:txBody>
@@ -571,8 +547,8 @@
         </p:nvSpPr>
         <p:spPr>
           <a:xfrm>
-            <a:off x="457200" y="274638"/>
-            <a:ext cx="6019800" cy="5851525"/>
+            <a:off x="628650" y="365125"/>
+            <a:ext cx="5800725" cy="5811838"/>
           </a:xfrm>
         </p:spPr>
         <p:txBody>
@@ -634,7 +610,7 @@
             <a:fld id="{1D8BD707-D9CF-40AE-B4C6-C98DA3205C09}" type="datetimeFigureOut">
               <a:rPr lang="en-US" smtClean="0"/>
               <a:pPr/>
-              <a:t>6/23/2013</a:t>
+              <a:t>6/25/2013</a:t>
             </a:fld>
             <a:endParaRPr lang="en-US"/>
           </a:p>
@@ -684,6 +660,11 @@
         </p:txBody>
       </p:sp>
     </p:spTree>
+    <p:extLst>
+      <p:ext uri="{BB962C8B-B14F-4D97-AF65-F5344CB8AC3E}">
+        <p14:creationId xmlns:p14="http://schemas.microsoft.com/office/powerpoint/2010/main" val="1035180329"/>
+      </p:ext>
+    </p:extLst>
   </p:cSld>
   <p:clrMapOvr>
     <a:masterClrMapping/>
@@ -801,7 +782,7 @@
             <a:fld id="{1D8BD707-D9CF-40AE-B4C6-C98DA3205C09}" type="datetimeFigureOut">
               <a:rPr lang="en-US" smtClean="0"/>
               <a:pPr/>
-              <a:t>6/23/2013</a:t>
+              <a:t>6/25/2013</a:t>
             </a:fld>
             <a:endParaRPr lang="en-US"/>
           </a:p>
@@ -851,6 +832,11 @@
         </p:txBody>
       </p:sp>
     </p:spTree>
+    <p:extLst>
+      <p:ext uri="{BB962C8B-B14F-4D97-AF65-F5344CB8AC3E}">
+        <p14:creationId xmlns:p14="http://schemas.microsoft.com/office/powerpoint/2010/main" val="569637175"/>
+      </p:ext>
+    </p:extLst>
   </p:cSld>
   <p:clrMapOvr>
     <a:masterClrMapping/>
@@ -887,15 +873,15 @@
         </p:nvSpPr>
         <p:spPr>
           <a:xfrm>
-            <a:off x="722313" y="4406900"/>
-            <a:ext cx="7772400" cy="1362075"/>
-          </a:xfrm>
-        </p:spPr>
-        <p:txBody>
-          <a:bodyPr anchor="t"/>
+            <a:off x="623888" y="1709739"/>
+            <a:ext cx="7886700" cy="2852737"/>
+          </a:xfrm>
+        </p:spPr>
+        <p:txBody>
+          <a:bodyPr anchor="b"/>
           <a:lstStyle>
-            <a:lvl1pPr algn="l">
-              <a:defRPr sz="4000" b="1" cap="all"/>
+            <a:lvl1pPr>
+              <a:defRPr sz="4500"/>
             </a:lvl1pPr>
           </a:lstStyle>
           <a:p>
@@ -919,24 +905,14 @@
         </p:nvSpPr>
         <p:spPr>
           <a:xfrm>
-            <a:off x="722313" y="2906713"/>
-            <a:ext cx="7772400" cy="1500187"/>
-          </a:xfrm>
-        </p:spPr>
-        <p:txBody>
-          <a:bodyPr anchor="b"/>
+            <a:off x="623888" y="4589464"/>
+            <a:ext cx="7886700" cy="1500187"/>
+          </a:xfrm>
+        </p:spPr>
+        <p:txBody>
+          <a:bodyPr/>
           <a:lstStyle>
             <a:lvl1pPr marL="0" indent="0">
-              <a:buNone/>
-              <a:defRPr sz="2000">
-                <a:solidFill>
-                  <a:schemeClr val="tx1">
-                    <a:tint val="75000"/>
-                  </a:schemeClr>
-                </a:solidFill>
-              </a:defRPr>
-            </a:lvl1pPr>
-            <a:lvl2pPr marL="457200" indent="0">
               <a:buNone/>
               <a:defRPr sz="1800">
                 <a:solidFill>
@@ -945,10 +921,20 @@
                   </a:schemeClr>
                 </a:solidFill>
               </a:defRPr>
+            </a:lvl1pPr>
+            <a:lvl2pPr marL="342900" indent="0">
+              <a:buNone/>
+              <a:defRPr sz="1500">
+                <a:solidFill>
+                  <a:schemeClr val="tx1">
+                    <a:tint val="75000"/>
+                  </a:schemeClr>
+                </a:solidFill>
+              </a:defRPr>
             </a:lvl2pPr>
-            <a:lvl3pPr marL="914400" indent="0">
+            <a:lvl3pPr marL="685800" indent="0">
               <a:buNone/>
-              <a:defRPr sz="1600">
+              <a:defRPr sz="1350">
                 <a:solidFill>
                   <a:schemeClr val="tx1">
                     <a:tint val="75000"/>
@@ -956,9 +942,9 @@
                 </a:solidFill>
               </a:defRPr>
             </a:lvl3pPr>
-            <a:lvl4pPr marL="1371600" indent="0">
+            <a:lvl4pPr marL="1028700" indent="0">
               <a:buNone/>
-              <a:defRPr sz="1400">
+              <a:defRPr sz="1200">
                 <a:solidFill>
                   <a:schemeClr val="tx1">
                     <a:tint val="75000"/>
@@ -966,9 +952,9 @@
                 </a:solidFill>
               </a:defRPr>
             </a:lvl4pPr>
-            <a:lvl5pPr marL="1828800" indent="0">
+            <a:lvl5pPr marL="1371600" indent="0">
               <a:buNone/>
-              <a:defRPr sz="1400">
+              <a:defRPr sz="1200">
                 <a:solidFill>
                   <a:schemeClr val="tx1">
                     <a:tint val="75000"/>
@@ -976,9 +962,9 @@
                 </a:solidFill>
               </a:defRPr>
             </a:lvl5pPr>
-            <a:lvl6pPr marL="2286000" indent="0">
+            <a:lvl6pPr marL="1714500" indent="0">
               <a:buNone/>
-              <a:defRPr sz="1400">
+              <a:defRPr sz="1200">
                 <a:solidFill>
                   <a:schemeClr val="tx1">
                     <a:tint val="75000"/>
@@ -986,9 +972,9 @@
                 </a:solidFill>
               </a:defRPr>
             </a:lvl6pPr>
-            <a:lvl7pPr marL="2743200" indent="0">
+            <a:lvl7pPr marL="2057400" indent="0">
               <a:buNone/>
-              <a:defRPr sz="1400">
+              <a:defRPr sz="1200">
                 <a:solidFill>
                   <a:schemeClr val="tx1">
                     <a:tint val="75000"/>
@@ -996,9 +982,9 @@
                 </a:solidFill>
               </a:defRPr>
             </a:lvl7pPr>
-            <a:lvl8pPr marL="3200400" indent="0">
+            <a:lvl8pPr marL="2400300" indent="0">
               <a:buNone/>
-              <a:defRPr sz="1400">
+              <a:defRPr sz="1200">
                 <a:solidFill>
                   <a:schemeClr val="tx1">
                     <a:tint val="75000"/>
@@ -1006,9 +992,9 @@
                 </a:solidFill>
               </a:defRPr>
             </a:lvl8pPr>
-            <a:lvl9pPr marL="3657600" indent="0">
+            <a:lvl9pPr marL="2743200" indent="0">
               <a:buNone/>
-              <a:defRPr sz="1400">
+              <a:defRPr sz="1200">
                 <a:solidFill>
                   <a:schemeClr val="tx1">
                     <a:tint val="75000"/>
@@ -1044,7 +1030,7 @@
             <a:fld id="{1D8BD707-D9CF-40AE-B4C6-C98DA3205C09}" type="datetimeFigureOut">
               <a:rPr lang="en-US" smtClean="0"/>
               <a:pPr/>
-              <a:t>6/23/2013</a:t>
+              <a:t>6/25/2013</a:t>
             </a:fld>
             <a:endParaRPr lang="en-US"/>
           </a:p>
@@ -1094,6 +1080,11 @@
         </p:txBody>
       </p:sp>
     </p:spTree>
+    <p:extLst>
+      <p:ext uri="{BB962C8B-B14F-4D97-AF65-F5344CB8AC3E}">
+        <p14:creationId xmlns:p14="http://schemas.microsoft.com/office/powerpoint/2010/main" val="88948954"/>
+      </p:ext>
+    </p:extLst>
   </p:cSld>
   <p:clrMapOvr>
     <a:masterClrMapping/>
@@ -1153,41 +1144,13 @@
         </p:nvSpPr>
         <p:spPr>
           <a:xfrm>
-            <a:off x="457200" y="1600200"/>
-            <a:ext cx="4038600" cy="4525963"/>
+            <a:off x="628650" y="1825625"/>
+            <a:ext cx="3886200" cy="4351338"/>
           </a:xfrm>
         </p:spPr>
         <p:txBody>
           <a:bodyPr/>
-          <a:lstStyle>
-            <a:lvl1pPr>
-              <a:defRPr sz="2800"/>
-            </a:lvl1pPr>
-            <a:lvl2pPr>
-              <a:defRPr sz="2400"/>
-            </a:lvl2pPr>
-            <a:lvl3pPr>
-              <a:defRPr sz="2000"/>
-            </a:lvl3pPr>
-            <a:lvl4pPr>
-              <a:defRPr sz="1800"/>
-            </a:lvl4pPr>
-            <a:lvl5pPr>
-              <a:defRPr sz="1800"/>
-            </a:lvl5pPr>
-            <a:lvl6pPr>
-              <a:defRPr sz="1800"/>
-            </a:lvl6pPr>
-            <a:lvl7pPr>
-              <a:defRPr sz="1800"/>
-            </a:lvl7pPr>
-            <a:lvl8pPr>
-              <a:defRPr sz="1800"/>
-            </a:lvl8pPr>
-            <a:lvl9pPr>
-              <a:defRPr sz="1800"/>
-            </a:lvl9pPr>
-          </a:lstStyle>
+          <a:lstStyle/>
           <a:p>
             <a:pPr lvl="0"/>
             <a:r>
@@ -1238,41 +1201,13 @@
         </p:nvSpPr>
         <p:spPr>
           <a:xfrm>
-            <a:off x="4648200" y="1600200"/>
-            <a:ext cx="4038600" cy="4525963"/>
+            <a:off x="4629150" y="1825625"/>
+            <a:ext cx="3886200" cy="4351338"/>
           </a:xfrm>
         </p:spPr>
         <p:txBody>
           <a:bodyPr/>
-          <a:lstStyle>
-            <a:lvl1pPr>
-              <a:defRPr sz="2800"/>
-            </a:lvl1pPr>
-            <a:lvl2pPr>
-              <a:defRPr sz="2400"/>
-            </a:lvl2pPr>
-            <a:lvl3pPr>
-              <a:defRPr sz="2000"/>
-            </a:lvl3pPr>
-            <a:lvl4pPr>
-              <a:defRPr sz="1800"/>
-            </a:lvl4pPr>
-            <a:lvl5pPr>
-              <a:defRPr sz="1800"/>
-            </a:lvl5pPr>
-            <a:lvl6pPr>
-              <a:defRPr sz="1800"/>
-            </a:lvl6pPr>
-            <a:lvl7pPr>
-              <a:defRPr sz="1800"/>
-            </a:lvl7pPr>
-            <a:lvl8pPr>
-              <a:defRPr sz="1800"/>
-            </a:lvl8pPr>
-            <a:lvl9pPr>
-              <a:defRPr sz="1800"/>
-            </a:lvl9pPr>
-          </a:lstStyle>
+          <a:lstStyle/>
           <a:p>
             <a:pPr lvl="0"/>
             <a:r>
@@ -1329,7 +1264,7 @@
             <a:fld id="{1D8BD707-D9CF-40AE-B4C6-C98DA3205C09}" type="datetimeFigureOut">
               <a:rPr lang="en-US" smtClean="0"/>
               <a:pPr/>
-              <a:t>6/23/2013</a:t>
+              <a:t>6/25/2013</a:t>
             </a:fld>
             <a:endParaRPr lang="en-US"/>
           </a:p>
@@ -1379,6 +1314,11 @@
         </p:txBody>
       </p:sp>
     </p:spTree>
+    <p:extLst>
+      <p:ext uri="{BB962C8B-B14F-4D97-AF65-F5344CB8AC3E}">
+        <p14:creationId xmlns:p14="http://schemas.microsoft.com/office/powerpoint/2010/main" val="3843180464"/>
+      </p:ext>
+    </p:extLst>
   </p:cSld>
   <p:clrMapOvr>
     <a:masterClrMapping/>
@@ -1413,14 +1353,15 @@
             <p:ph type="title"/>
           </p:nvPr>
         </p:nvSpPr>
-        <p:spPr/>
+        <p:spPr>
+          <a:xfrm>
+            <a:off x="629841" y="365126"/>
+            <a:ext cx="7886700" cy="1325563"/>
+          </a:xfrm>
+        </p:spPr>
         <p:txBody>
           <a:bodyPr/>
-          <a:lstStyle>
-            <a:lvl1pPr>
-              <a:defRPr/>
-            </a:lvl1pPr>
-          </a:lstStyle>
+          <a:lstStyle/>
           <a:p>
             <a:r>
               <a:rPr lang="en-US" smtClean="0"/>
@@ -1442,8 +1383,8 @@
         </p:nvSpPr>
         <p:spPr>
           <a:xfrm>
-            <a:off x="457200" y="1535113"/>
-            <a:ext cx="4040188" cy="639762"/>
+            <a:off x="629842" y="1681163"/>
+            <a:ext cx="3868340" cy="823912"/>
           </a:xfrm>
         </p:spPr>
         <p:txBody>
@@ -1451,39 +1392,39 @@
           <a:lstStyle>
             <a:lvl1pPr marL="0" indent="0">
               <a:buNone/>
-              <a:defRPr sz="2400" b="1"/>
+              <a:defRPr sz="1800" b="1"/>
             </a:lvl1pPr>
-            <a:lvl2pPr marL="457200" indent="0">
+            <a:lvl2pPr marL="342900" indent="0">
               <a:buNone/>
-              <a:defRPr sz="2000" b="1"/>
+              <a:defRPr sz="1500" b="1"/>
             </a:lvl2pPr>
-            <a:lvl3pPr marL="914400" indent="0">
+            <a:lvl3pPr marL="685800" indent="0">
               <a:buNone/>
-              <a:defRPr sz="1800" b="1"/>
+              <a:defRPr sz="1350" b="1"/>
             </a:lvl3pPr>
-            <a:lvl4pPr marL="1371600" indent="0">
+            <a:lvl4pPr marL="1028700" indent="0">
               <a:buNone/>
-              <a:defRPr sz="1600" b="1"/>
+              <a:defRPr sz="1200" b="1"/>
             </a:lvl4pPr>
-            <a:lvl5pPr marL="1828800" indent="0">
+            <a:lvl5pPr marL="1371600" indent="0">
               <a:buNone/>
-              <a:defRPr sz="1600" b="1"/>
+              <a:defRPr sz="1200" b="1"/>
             </a:lvl5pPr>
-            <a:lvl6pPr marL="2286000" indent="0">
+            <a:lvl6pPr marL="1714500" indent="0">
               <a:buNone/>
-              <a:defRPr sz="1600" b="1"/>
+              <a:defRPr sz="1200" b="1"/>
             </a:lvl6pPr>
-            <a:lvl7pPr marL="2743200" indent="0">
+            <a:lvl7pPr marL="2057400" indent="0">
               <a:buNone/>
-              <a:defRPr sz="1600" b="1"/>
+              <a:defRPr sz="1200" b="1"/>
             </a:lvl7pPr>
-            <a:lvl8pPr marL="3200400" indent="0">
+            <a:lvl8pPr marL="2400300" indent="0">
               <a:buNone/>
-              <a:defRPr sz="1600" b="1"/>
+              <a:defRPr sz="1200" b="1"/>
             </a:lvl8pPr>
-            <a:lvl9pPr marL="3657600" indent="0">
+            <a:lvl9pPr marL="2743200" indent="0">
               <a:buNone/>
-              <a:defRPr sz="1600" b="1"/>
+              <a:defRPr sz="1200" b="1"/>
             </a:lvl9pPr>
           </a:lstStyle>
           <a:p>
@@ -1507,41 +1448,13 @@
         </p:nvSpPr>
         <p:spPr>
           <a:xfrm>
-            <a:off x="457200" y="2174875"/>
-            <a:ext cx="4040188" cy="3951288"/>
+            <a:off x="629842" y="2505075"/>
+            <a:ext cx="3868340" cy="3684588"/>
           </a:xfrm>
         </p:spPr>
         <p:txBody>
           <a:bodyPr/>
-          <a:lstStyle>
-            <a:lvl1pPr>
-              <a:defRPr sz="2400"/>
-            </a:lvl1pPr>
-            <a:lvl2pPr>
-              <a:defRPr sz="2000"/>
-            </a:lvl2pPr>
-            <a:lvl3pPr>
-              <a:defRPr sz="1800"/>
-            </a:lvl3pPr>
-            <a:lvl4pPr>
-              <a:defRPr sz="1600"/>
-            </a:lvl4pPr>
-            <a:lvl5pPr>
-              <a:defRPr sz="1600"/>
-            </a:lvl5pPr>
-            <a:lvl6pPr>
-              <a:defRPr sz="1600"/>
-            </a:lvl6pPr>
-            <a:lvl7pPr>
-              <a:defRPr sz="1600"/>
-            </a:lvl7pPr>
-            <a:lvl8pPr>
-              <a:defRPr sz="1600"/>
-            </a:lvl8pPr>
-            <a:lvl9pPr>
-              <a:defRPr sz="1600"/>
-            </a:lvl9pPr>
-          </a:lstStyle>
+          <a:lstStyle/>
           <a:p>
             <a:pPr lvl="0"/>
             <a:r>
@@ -1592,8 +1505,8 @@
         </p:nvSpPr>
         <p:spPr>
           <a:xfrm>
-            <a:off x="4645025" y="1535113"/>
-            <a:ext cx="4041775" cy="639762"/>
+            <a:off x="4629150" y="1681163"/>
+            <a:ext cx="3887391" cy="823912"/>
           </a:xfrm>
         </p:spPr>
         <p:txBody>
@@ -1601,39 +1514,39 @@
           <a:lstStyle>
             <a:lvl1pPr marL="0" indent="0">
               <a:buNone/>
-              <a:defRPr sz="2400" b="1"/>
+              <a:defRPr sz="1800" b="1"/>
             </a:lvl1pPr>
-            <a:lvl2pPr marL="457200" indent="0">
+            <a:lvl2pPr marL="342900" indent="0">
               <a:buNone/>
-              <a:defRPr sz="2000" b="1"/>
+              <a:defRPr sz="1500" b="1"/>
             </a:lvl2pPr>
-            <a:lvl3pPr marL="914400" indent="0">
+            <a:lvl3pPr marL="685800" indent="0">
               <a:buNone/>
-              <a:defRPr sz="1800" b="1"/>
+              <a:defRPr sz="1350" b="1"/>
             </a:lvl3pPr>
-            <a:lvl4pPr marL="1371600" indent="0">
+            <a:lvl4pPr marL="1028700" indent="0">
               <a:buNone/>
-              <a:defRPr sz="1600" b="1"/>
+              <a:defRPr sz="1200" b="1"/>
             </a:lvl4pPr>
-            <a:lvl5pPr marL="1828800" indent="0">
+            <a:lvl5pPr marL="1371600" indent="0">
               <a:buNone/>
-              <a:defRPr sz="1600" b="1"/>
+              <a:defRPr sz="1200" b="1"/>
             </a:lvl5pPr>
-            <a:lvl6pPr marL="2286000" indent="0">
+            <a:lvl6pPr marL="1714500" indent="0">
               <a:buNone/>
-              <a:defRPr sz="1600" b="1"/>
+              <a:defRPr sz="1200" b="1"/>
             </a:lvl6pPr>
-            <a:lvl7pPr marL="2743200" indent="0">
+            <a:lvl7pPr marL="2057400" indent="0">
               <a:buNone/>
-              <a:defRPr sz="1600" b="1"/>
+              <a:defRPr sz="1200" b="1"/>
             </a:lvl7pPr>
-            <a:lvl8pPr marL="3200400" indent="0">
+            <a:lvl8pPr marL="2400300" indent="0">
               <a:buNone/>
-              <a:defRPr sz="1600" b="1"/>
+              <a:defRPr sz="1200" b="1"/>
             </a:lvl8pPr>
-            <a:lvl9pPr marL="3657600" indent="0">
+            <a:lvl9pPr marL="2743200" indent="0">
               <a:buNone/>
-              <a:defRPr sz="1600" b="1"/>
+              <a:defRPr sz="1200" b="1"/>
             </a:lvl9pPr>
           </a:lstStyle>
           <a:p>
@@ -1657,41 +1570,13 @@
         </p:nvSpPr>
         <p:spPr>
           <a:xfrm>
-            <a:off x="4645025" y="2174875"/>
-            <a:ext cx="4041775" cy="3951288"/>
+            <a:off x="4629150" y="2505075"/>
+            <a:ext cx="3887391" cy="3684588"/>
           </a:xfrm>
         </p:spPr>
         <p:txBody>
           <a:bodyPr/>
-          <a:lstStyle>
-            <a:lvl1pPr>
-              <a:defRPr sz="2400"/>
-            </a:lvl1pPr>
-            <a:lvl2pPr>
-              <a:defRPr sz="2000"/>
-            </a:lvl2pPr>
-            <a:lvl3pPr>
-              <a:defRPr sz="1800"/>
-            </a:lvl3pPr>
-            <a:lvl4pPr>
-              <a:defRPr sz="1600"/>
-            </a:lvl4pPr>
-            <a:lvl5pPr>
-              <a:defRPr sz="1600"/>
-            </a:lvl5pPr>
-            <a:lvl6pPr>
-              <a:defRPr sz="1600"/>
-            </a:lvl6pPr>
-            <a:lvl7pPr>
-              <a:defRPr sz="1600"/>
-            </a:lvl7pPr>
-            <a:lvl8pPr>
-              <a:defRPr sz="1600"/>
-            </a:lvl8pPr>
-            <a:lvl9pPr>
-              <a:defRPr sz="1600"/>
-            </a:lvl9pPr>
-          </a:lstStyle>
+          <a:lstStyle/>
           <a:p>
             <a:pPr lvl="0"/>
             <a:r>
@@ -1748,7 +1633,7 @@
             <a:fld id="{1D8BD707-D9CF-40AE-B4C6-C98DA3205C09}" type="datetimeFigureOut">
               <a:rPr lang="en-US" smtClean="0"/>
               <a:pPr/>
-              <a:t>6/23/2013</a:t>
+              <a:t>6/25/2013</a:t>
             </a:fld>
             <a:endParaRPr lang="en-US"/>
           </a:p>
@@ -1798,6 +1683,11 @@
         </p:txBody>
       </p:sp>
     </p:spTree>
+    <p:extLst>
+      <p:ext uri="{BB962C8B-B14F-4D97-AF65-F5344CB8AC3E}">
+        <p14:creationId xmlns:p14="http://schemas.microsoft.com/office/powerpoint/2010/main" val="730252627"/>
+      </p:ext>
+    </p:extLst>
   </p:cSld>
   <p:clrMapOvr>
     <a:masterClrMapping/>
@@ -1863,7 +1753,7 @@
             <a:fld id="{1D8BD707-D9CF-40AE-B4C6-C98DA3205C09}" type="datetimeFigureOut">
               <a:rPr lang="en-US" smtClean="0"/>
               <a:pPr/>
-              <a:t>6/23/2013</a:t>
+              <a:t>6/25/2013</a:t>
             </a:fld>
             <a:endParaRPr lang="en-US"/>
           </a:p>
@@ -1913,6 +1803,11 @@
         </p:txBody>
       </p:sp>
     </p:spTree>
+    <p:extLst>
+      <p:ext uri="{BB962C8B-B14F-4D97-AF65-F5344CB8AC3E}">
+        <p14:creationId xmlns:p14="http://schemas.microsoft.com/office/powerpoint/2010/main" val="2352558110"/>
+      </p:ext>
+    </p:extLst>
   </p:cSld>
   <p:clrMapOvr>
     <a:masterClrMapping/>
@@ -1955,7 +1850,7 @@
             <a:fld id="{1D8BD707-D9CF-40AE-B4C6-C98DA3205C09}" type="datetimeFigureOut">
               <a:rPr lang="en-US" smtClean="0"/>
               <a:pPr/>
-              <a:t>6/23/2013</a:t>
+              <a:t>6/25/2013</a:t>
             </a:fld>
             <a:endParaRPr lang="en-US"/>
           </a:p>
@@ -2005,6 +1900,11 @@
         </p:txBody>
       </p:sp>
     </p:spTree>
+    <p:extLst>
+      <p:ext uri="{BB962C8B-B14F-4D97-AF65-F5344CB8AC3E}">
+        <p14:creationId xmlns:p14="http://schemas.microsoft.com/office/powerpoint/2010/main" val="2974611636"/>
+      </p:ext>
+    </p:extLst>
   </p:cSld>
   <p:clrMapOvr>
     <a:masterClrMapping/>
@@ -2041,15 +1941,15 @@
         </p:nvSpPr>
         <p:spPr>
           <a:xfrm>
-            <a:off x="457200" y="273050"/>
-            <a:ext cx="3008313" cy="1162050"/>
+            <a:off x="629841" y="457200"/>
+            <a:ext cx="2949178" cy="1600200"/>
           </a:xfrm>
         </p:spPr>
         <p:txBody>
           <a:bodyPr anchor="b"/>
           <a:lstStyle>
-            <a:lvl1pPr algn="l">
-              <a:defRPr sz="2000" b="1"/>
+            <a:lvl1pPr>
+              <a:defRPr sz="2400"/>
             </a:lvl1pPr>
           </a:lstStyle>
           <a:p>
@@ -2073,39 +1973,39 @@
         </p:nvSpPr>
         <p:spPr>
           <a:xfrm>
-            <a:off x="3575050" y="273050"/>
-            <a:ext cx="5111750" cy="5853113"/>
+            <a:off x="3887391" y="987426"/>
+            <a:ext cx="4629150" cy="4873625"/>
           </a:xfrm>
         </p:spPr>
         <p:txBody>
           <a:bodyPr/>
           <a:lstStyle>
             <a:lvl1pPr>
-              <a:defRPr sz="3200"/>
+              <a:defRPr sz="2400"/>
             </a:lvl1pPr>
             <a:lvl2pPr>
-              <a:defRPr sz="2800"/>
+              <a:defRPr sz="2100"/>
             </a:lvl2pPr>
             <a:lvl3pPr>
-              <a:defRPr sz="2400"/>
+              <a:defRPr sz="1800"/>
             </a:lvl3pPr>
             <a:lvl4pPr>
-              <a:defRPr sz="2000"/>
+              <a:defRPr sz="1500"/>
             </a:lvl4pPr>
             <a:lvl5pPr>
-              <a:defRPr sz="2000"/>
+              <a:defRPr sz="1500"/>
             </a:lvl5pPr>
             <a:lvl6pPr>
-              <a:defRPr sz="2000"/>
+              <a:defRPr sz="1500"/>
             </a:lvl6pPr>
             <a:lvl7pPr>
-              <a:defRPr sz="2000"/>
+              <a:defRPr sz="1500"/>
             </a:lvl7pPr>
             <a:lvl8pPr>
-              <a:defRPr sz="2000"/>
+              <a:defRPr sz="1500"/>
             </a:lvl8pPr>
             <a:lvl9pPr>
-              <a:defRPr sz="2000"/>
+              <a:defRPr sz="1500"/>
             </a:lvl9pPr>
           </a:lstStyle>
           <a:p>
@@ -2158,8 +2058,8 @@
         </p:nvSpPr>
         <p:spPr>
           <a:xfrm>
-            <a:off x="457200" y="1435100"/>
-            <a:ext cx="3008313" cy="4691063"/>
+            <a:off x="629841" y="2057400"/>
+            <a:ext cx="2949178" cy="3811588"/>
           </a:xfrm>
         </p:spPr>
         <p:txBody>
@@ -2167,39 +2067,39 @@
           <a:lstStyle>
             <a:lvl1pPr marL="0" indent="0">
               <a:buNone/>
-              <a:defRPr sz="1400"/>
+              <a:defRPr sz="1200"/>
             </a:lvl1pPr>
-            <a:lvl2pPr marL="457200" indent="0">
+            <a:lvl2pPr marL="342900" indent="0">
               <a:buNone/>
-              <a:defRPr sz="1200"/>
+              <a:defRPr sz="1050"/>
             </a:lvl2pPr>
-            <a:lvl3pPr marL="914400" indent="0">
-              <a:buNone/>
-              <a:defRPr sz="1000"/>
-            </a:lvl3pPr>
-            <a:lvl4pPr marL="1371600" indent="0">
+            <a:lvl3pPr marL="685800" indent="0">
               <a:buNone/>
               <a:defRPr sz="900"/>
+            </a:lvl3pPr>
+            <a:lvl4pPr marL="1028700" indent="0">
+              <a:buNone/>
+              <a:defRPr sz="750"/>
             </a:lvl4pPr>
-            <a:lvl5pPr marL="1828800" indent="0">
+            <a:lvl5pPr marL="1371600" indent="0">
               <a:buNone/>
-              <a:defRPr sz="900"/>
+              <a:defRPr sz="750"/>
             </a:lvl5pPr>
-            <a:lvl6pPr marL="2286000" indent="0">
+            <a:lvl6pPr marL="1714500" indent="0">
               <a:buNone/>
-              <a:defRPr sz="900"/>
+              <a:defRPr sz="750"/>
             </a:lvl6pPr>
-            <a:lvl7pPr marL="2743200" indent="0">
+            <a:lvl7pPr marL="2057400" indent="0">
               <a:buNone/>
-              <a:defRPr sz="900"/>
+              <a:defRPr sz="750"/>
             </a:lvl7pPr>
-            <a:lvl8pPr marL="3200400" indent="0">
+            <a:lvl8pPr marL="2400300" indent="0">
               <a:buNone/>
-              <a:defRPr sz="900"/>
+              <a:defRPr sz="750"/>
             </a:lvl8pPr>
-            <a:lvl9pPr marL="3657600" indent="0">
+            <a:lvl9pPr marL="2743200" indent="0">
               <a:buNone/>
-              <a:defRPr sz="900"/>
+              <a:defRPr sz="750"/>
             </a:lvl9pPr>
           </a:lstStyle>
           <a:p>
@@ -2229,7 +2129,7 @@
             <a:fld id="{1D8BD707-D9CF-40AE-B4C6-C98DA3205C09}" type="datetimeFigureOut">
               <a:rPr lang="en-US" smtClean="0"/>
               <a:pPr/>
-              <a:t>6/23/2013</a:t>
+              <a:t>6/25/2013</a:t>
             </a:fld>
             <a:endParaRPr lang="en-US"/>
           </a:p>
@@ -2279,6 +2179,11 @@
         </p:txBody>
       </p:sp>
     </p:spTree>
+    <p:extLst>
+      <p:ext uri="{BB962C8B-B14F-4D97-AF65-F5344CB8AC3E}">
+        <p14:creationId xmlns:p14="http://schemas.microsoft.com/office/powerpoint/2010/main" val="747845270"/>
+      </p:ext>
+    </p:extLst>
   </p:cSld>
   <p:clrMapOvr>
     <a:masterClrMapping/>
@@ -2315,15 +2220,15 @@
         </p:nvSpPr>
         <p:spPr>
           <a:xfrm>
-            <a:off x="1792288" y="4800600"/>
-            <a:ext cx="5486400" cy="566738"/>
+            <a:off x="629841" y="457200"/>
+            <a:ext cx="2949178" cy="1600200"/>
           </a:xfrm>
         </p:spPr>
         <p:txBody>
           <a:bodyPr anchor="b"/>
           <a:lstStyle>
-            <a:lvl1pPr algn="l">
-              <a:defRPr sz="2000" b="1"/>
+            <a:lvl1pPr>
+              <a:defRPr sz="2400"/>
             </a:lvl1pPr>
           </a:lstStyle>
           <a:p>
@@ -2347,8 +2252,8 @@
         </p:nvSpPr>
         <p:spPr>
           <a:xfrm>
-            <a:off x="1792288" y="612775"/>
-            <a:ext cx="5486400" cy="4114800"/>
+            <a:off x="3887391" y="987426"/>
+            <a:ext cx="4629150" cy="4873625"/>
           </a:xfrm>
         </p:spPr>
         <p:txBody>
@@ -2356,39 +2261,39 @@
           <a:lstStyle>
             <a:lvl1pPr marL="0" indent="0">
               <a:buNone/>
-              <a:defRPr sz="3200"/>
+              <a:defRPr sz="2400"/>
             </a:lvl1pPr>
-            <a:lvl2pPr marL="457200" indent="0">
+            <a:lvl2pPr marL="342900" indent="0">
               <a:buNone/>
-              <a:defRPr sz="2800"/>
+              <a:defRPr sz="2100"/>
             </a:lvl2pPr>
-            <a:lvl3pPr marL="914400" indent="0">
+            <a:lvl3pPr marL="685800" indent="0">
               <a:buNone/>
-              <a:defRPr sz="2400"/>
+              <a:defRPr sz="1800"/>
             </a:lvl3pPr>
-            <a:lvl4pPr marL="1371600" indent="0">
+            <a:lvl4pPr marL="1028700" indent="0">
               <a:buNone/>
-              <a:defRPr sz="2000"/>
+              <a:defRPr sz="1500"/>
             </a:lvl4pPr>
-            <a:lvl5pPr marL="1828800" indent="0">
+            <a:lvl5pPr marL="1371600" indent="0">
               <a:buNone/>
-              <a:defRPr sz="2000"/>
+              <a:defRPr sz="1500"/>
             </a:lvl5pPr>
-            <a:lvl6pPr marL="2286000" indent="0">
+            <a:lvl6pPr marL="1714500" indent="0">
               <a:buNone/>
-              <a:defRPr sz="2000"/>
+              <a:defRPr sz="1500"/>
             </a:lvl6pPr>
-            <a:lvl7pPr marL="2743200" indent="0">
+            <a:lvl7pPr marL="2057400" indent="0">
               <a:buNone/>
-              <a:defRPr sz="2000"/>
+              <a:defRPr sz="1500"/>
             </a:lvl7pPr>
-            <a:lvl8pPr marL="3200400" indent="0">
+            <a:lvl8pPr marL="2400300" indent="0">
               <a:buNone/>
-              <a:defRPr sz="2000"/>
+              <a:defRPr sz="1500"/>
             </a:lvl8pPr>
-            <a:lvl9pPr marL="3657600" indent="0">
+            <a:lvl9pPr marL="2743200" indent="0">
               <a:buNone/>
-              <a:defRPr sz="2000"/>
+              <a:defRPr sz="1500"/>
             </a:lvl9pPr>
           </a:lstStyle>
           <a:p>
@@ -2408,8 +2313,8 @@
         </p:nvSpPr>
         <p:spPr>
           <a:xfrm>
-            <a:off x="1792288" y="5367338"/>
-            <a:ext cx="5486400" cy="804862"/>
+            <a:off x="629841" y="2057400"/>
+            <a:ext cx="2949178" cy="3811588"/>
           </a:xfrm>
         </p:spPr>
         <p:txBody>
@@ -2417,39 +2322,39 @@
           <a:lstStyle>
             <a:lvl1pPr marL="0" indent="0">
               <a:buNone/>
-              <a:defRPr sz="1400"/>
+              <a:defRPr sz="1200"/>
             </a:lvl1pPr>
-            <a:lvl2pPr marL="457200" indent="0">
+            <a:lvl2pPr marL="342900" indent="0">
               <a:buNone/>
-              <a:defRPr sz="1200"/>
+              <a:defRPr sz="1050"/>
             </a:lvl2pPr>
-            <a:lvl3pPr marL="914400" indent="0">
-              <a:buNone/>
-              <a:defRPr sz="1000"/>
-            </a:lvl3pPr>
-            <a:lvl4pPr marL="1371600" indent="0">
+            <a:lvl3pPr marL="685800" indent="0">
               <a:buNone/>
               <a:defRPr sz="900"/>
+            </a:lvl3pPr>
+            <a:lvl4pPr marL="1028700" indent="0">
+              <a:buNone/>
+              <a:defRPr sz="750"/>
             </a:lvl4pPr>
-            <a:lvl5pPr marL="1828800" indent="0">
+            <a:lvl5pPr marL="1371600" indent="0">
               <a:buNone/>
-              <a:defRPr sz="900"/>
+              <a:defRPr sz="750"/>
             </a:lvl5pPr>
-            <a:lvl6pPr marL="2286000" indent="0">
+            <a:lvl6pPr marL="1714500" indent="0">
               <a:buNone/>
-              <a:defRPr sz="900"/>
+              <a:defRPr sz="750"/>
             </a:lvl6pPr>
-            <a:lvl7pPr marL="2743200" indent="0">
+            <a:lvl7pPr marL="2057400" indent="0">
               <a:buNone/>
-              <a:defRPr sz="900"/>
+              <a:defRPr sz="750"/>
             </a:lvl7pPr>
-            <a:lvl8pPr marL="3200400" indent="0">
+            <a:lvl8pPr marL="2400300" indent="0">
               <a:buNone/>
-              <a:defRPr sz="900"/>
+              <a:defRPr sz="750"/>
             </a:lvl8pPr>
-            <a:lvl9pPr marL="3657600" indent="0">
+            <a:lvl9pPr marL="2743200" indent="0">
               <a:buNone/>
-              <a:defRPr sz="900"/>
+              <a:defRPr sz="750"/>
             </a:lvl9pPr>
           </a:lstStyle>
           <a:p>
@@ -2479,7 +2384,7 @@
             <a:fld id="{1D8BD707-D9CF-40AE-B4C6-C98DA3205C09}" type="datetimeFigureOut">
               <a:rPr lang="en-US" smtClean="0"/>
               <a:pPr/>
-              <a:t>6/23/2013</a:t>
+              <a:t>6/25/2013</a:t>
             </a:fld>
             <a:endParaRPr lang="en-US"/>
           </a:p>
@@ -2529,6 +2434,11 @@
         </p:txBody>
       </p:sp>
     </p:spTree>
+    <p:extLst>
+      <p:ext uri="{BB962C8B-B14F-4D97-AF65-F5344CB8AC3E}">
+        <p14:creationId xmlns:p14="http://schemas.microsoft.com/office/powerpoint/2010/main" val="4127440860"/>
+      </p:ext>
+    </p:extLst>
   </p:cSld>
   <p:clrMapOvr>
     <a:masterClrMapping/>
@@ -2570,8 +2480,8 @@
         </p:nvSpPr>
         <p:spPr>
           <a:xfrm>
-            <a:off x="457200" y="274638"/>
-            <a:ext cx="8229600" cy="1143000"/>
+            <a:off x="628650" y="365126"/>
+            <a:ext cx="7886700" cy="1325563"/>
           </a:xfrm>
           <a:prstGeom prst="rect">
             <a:avLst/>
@@ -2603,8 +2513,8 @@
         </p:nvSpPr>
         <p:spPr>
           <a:xfrm>
-            <a:off x="457200" y="1600200"/>
-            <a:ext cx="8229600" cy="4525963"/>
+            <a:off x="628650" y="1825625"/>
+            <a:ext cx="7886700" cy="4351338"/>
           </a:xfrm>
           <a:prstGeom prst="rect">
             <a:avLst/>
@@ -2665,8 +2575,8 @@
         </p:nvSpPr>
         <p:spPr>
           <a:xfrm>
-            <a:off x="457200" y="6356350"/>
-            <a:ext cx="2133600" cy="365125"/>
+            <a:off x="628650" y="6356351"/>
+            <a:ext cx="2057400" cy="365125"/>
           </a:xfrm>
           <a:prstGeom prst="rect">
             <a:avLst/>
@@ -2676,7 +2586,7 @@
           <a:bodyPr vert="horz" lIns="91440" tIns="45720" rIns="91440" bIns="45720" rtlCol="0" anchor="ctr"/>
           <a:lstStyle>
             <a:lvl1pPr algn="l">
-              <a:defRPr sz="1200">
+              <a:defRPr sz="900">
                 <a:solidFill>
                   <a:schemeClr val="tx1">
                     <a:tint val="75000"/>
@@ -2689,7 +2599,7 @@
             <a:fld id="{1D8BD707-D9CF-40AE-B4C6-C98DA3205C09}" type="datetimeFigureOut">
               <a:rPr lang="en-US" smtClean="0"/>
               <a:pPr/>
-              <a:t>6/23/2013</a:t>
+              <a:t>6/25/2013</a:t>
             </a:fld>
             <a:endParaRPr lang="en-US"/>
           </a:p>
@@ -2707,8 +2617,8 @@
         </p:nvSpPr>
         <p:spPr>
           <a:xfrm>
-            <a:off x="3124200" y="6356350"/>
-            <a:ext cx="2895600" cy="365125"/>
+            <a:off x="3028950" y="6356351"/>
+            <a:ext cx="3086100" cy="365125"/>
           </a:xfrm>
           <a:prstGeom prst="rect">
             <a:avLst/>
@@ -2718,7 +2628,7 @@
           <a:bodyPr vert="horz" lIns="91440" tIns="45720" rIns="91440" bIns="45720" rtlCol="0" anchor="ctr"/>
           <a:lstStyle>
             <a:lvl1pPr algn="ctr">
-              <a:defRPr sz="1200">
+              <a:defRPr sz="900">
                 <a:solidFill>
                   <a:schemeClr val="tx1">
                     <a:tint val="75000"/>
@@ -2744,8 +2654,8 @@
         </p:nvSpPr>
         <p:spPr>
           <a:xfrm>
-            <a:off x="6553200" y="6356350"/>
-            <a:ext cx="2133600" cy="365125"/>
+            <a:off x="6457950" y="6356351"/>
+            <a:ext cx="2057400" cy="365125"/>
           </a:xfrm>
           <a:prstGeom prst="rect">
             <a:avLst/>
@@ -2755,7 +2665,7 @@
           <a:bodyPr vert="horz" lIns="91440" tIns="45720" rIns="91440" bIns="45720" rtlCol="0" anchor="ctr"/>
           <a:lstStyle>
             <a:lvl1pPr algn="r">
-              <a:defRPr sz="1200">
+              <a:defRPr sz="900">
                 <a:solidFill>
                   <a:schemeClr val="tx1">
                     <a:tint val="75000"/>
@@ -2775,29 +2685,37 @@
         </p:txBody>
       </p:sp>
     </p:spTree>
+    <p:extLst>
+      <p:ext uri="{BB962C8B-B14F-4D97-AF65-F5344CB8AC3E}">
+        <p14:creationId xmlns:p14="http://schemas.microsoft.com/office/powerpoint/2010/main" val="3176370633"/>
+      </p:ext>
+    </p:extLst>
   </p:cSld>
   <p:clrMap bg1="lt1" tx1="dk1" bg2="lt2" tx2="dk2" accent1="accent1" accent2="accent2" accent3="accent3" accent4="accent4" accent5="accent5" accent6="accent6" hlink="hlink" folHlink="folHlink"/>
   <p:sldLayoutIdLst>
-    <p:sldLayoutId id="2147483649" r:id="rId1"/>
-    <p:sldLayoutId id="2147483650" r:id="rId2"/>
-    <p:sldLayoutId id="2147483651" r:id="rId3"/>
-    <p:sldLayoutId id="2147483652" r:id="rId4"/>
-    <p:sldLayoutId id="2147483653" r:id="rId5"/>
-    <p:sldLayoutId id="2147483654" r:id="rId6"/>
-    <p:sldLayoutId id="2147483655" r:id="rId7"/>
-    <p:sldLayoutId id="2147483656" r:id="rId8"/>
-    <p:sldLayoutId id="2147483657" r:id="rId9"/>
-    <p:sldLayoutId id="2147483658" r:id="rId10"/>
-    <p:sldLayoutId id="2147483659" r:id="rId11"/>
+    <p:sldLayoutId id="2147483673" r:id="rId1"/>
+    <p:sldLayoutId id="2147483674" r:id="rId2"/>
+    <p:sldLayoutId id="2147483675" r:id="rId3"/>
+    <p:sldLayoutId id="2147483676" r:id="rId4"/>
+    <p:sldLayoutId id="2147483677" r:id="rId5"/>
+    <p:sldLayoutId id="2147483678" r:id="rId6"/>
+    <p:sldLayoutId id="2147483679" r:id="rId7"/>
+    <p:sldLayoutId id="2147483680" r:id="rId8"/>
+    <p:sldLayoutId id="2147483681" r:id="rId9"/>
+    <p:sldLayoutId id="2147483682" r:id="rId10"/>
+    <p:sldLayoutId id="2147483683" r:id="rId11"/>
   </p:sldLayoutIdLst>
   <p:txStyles>
     <p:titleStyle>
-      <a:lvl1pPr algn="ctr" defTabSz="914400" rtl="0" eaLnBrk="1" latinLnBrk="0" hangingPunct="1">
+      <a:lvl1pPr algn="l" defTabSz="685800" rtl="0" eaLnBrk="1" latinLnBrk="0" hangingPunct="1">
+        <a:lnSpc>
+          <a:spcPct val="90000"/>
+        </a:lnSpc>
         <a:spcBef>
           <a:spcPct val="0"/>
         </a:spcBef>
         <a:buNone/>
-        <a:defRPr sz="4400" kern="1200">
+        <a:defRPr sz="3300" kern="1200">
           <a:solidFill>
             <a:schemeClr val="tx1"/>
           </a:solidFill>
@@ -2808,13 +2726,16 @@
       </a:lvl1pPr>
     </p:titleStyle>
     <p:bodyStyle>
-      <a:lvl1pPr marL="342900" indent="-342900" algn="l" defTabSz="914400" rtl="0" eaLnBrk="1" latinLnBrk="0" hangingPunct="1">
+      <a:lvl1pPr marL="171450" indent="-171450" algn="l" defTabSz="685800" rtl="0" eaLnBrk="1" latinLnBrk="0" hangingPunct="1">
+        <a:lnSpc>
+          <a:spcPct val="90000"/>
+        </a:lnSpc>
         <a:spcBef>
-          <a:spcPct val="20000"/>
+          <a:spcPts val="750"/>
         </a:spcBef>
-        <a:buFont typeface="Arial" pitchFamily="34" charset="0"/>
+        <a:buFont typeface="Arial" panose="020B0604020202020204" pitchFamily="34" charset="0"/>
         <a:buChar char="•"/>
-        <a:defRPr sz="3200" kern="1200">
+        <a:defRPr sz="2100" kern="1200">
           <a:solidFill>
             <a:schemeClr val="tx1"/>
           </a:solidFill>
@@ -2823,13 +2744,16 @@
           <a:cs typeface="+mn-cs"/>
         </a:defRPr>
       </a:lvl1pPr>
-      <a:lvl2pPr marL="742950" indent="-285750" algn="l" defTabSz="914400" rtl="0" eaLnBrk="1" latinLnBrk="0" hangingPunct="1">
+      <a:lvl2pPr marL="514350" indent="-171450" algn="l" defTabSz="685800" rtl="0" eaLnBrk="1" latinLnBrk="0" hangingPunct="1">
+        <a:lnSpc>
+          <a:spcPct val="90000"/>
+        </a:lnSpc>
         <a:spcBef>
-          <a:spcPct val="20000"/>
+          <a:spcPts val="375"/>
         </a:spcBef>
-        <a:buFont typeface="Arial" pitchFamily="34" charset="0"/>
-        <a:buChar char="–"/>
-        <a:defRPr sz="2800" kern="1200">
+        <a:buFont typeface="Arial" panose="020B0604020202020204" pitchFamily="34" charset="0"/>
+        <a:buChar char="•"/>
+        <a:defRPr sz="1800" kern="1200">
           <a:solidFill>
             <a:schemeClr val="tx1"/>
           </a:solidFill>
@@ -2838,13 +2762,16 @@
           <a:cs typeface="+mn-cs"/>
         </a:defRPr>
       </a:lvl2pPr>
-      <a:lvl3pPr marL="1143000" indent="-228600" algn="l" defTabSz="914400" rtl="0" eaLnBrk="1" latinLnBrk="0" hangingPunct="1">
+      <a:lvl3pPr marL="857250" indent="-171450" algn="l" defTabSz="685800" rtl="0" eaLnBrk="1" latinLnBrk="0" hangingPunct="1">
+        <a:lnSpc>
+          <a:spcPct val="90000"/>
+        </a:lnSpc>
         <a:spcBef>
-          <a:spcPct val="20000"/>
+          <a:spcPts val="375"/>
         </a:spcBef>
-        <a:buFont typeface="Arial" pitchFamily="34" charset="0"/>
+        <a:buFont typeface="Arial" panose="020B0604020202020204" pitchFamily="34" charset="0"/>
         <a:buChar char="•"/>
-        <a:defRPr sz="2400" kern="1200">
+        <a:defRPr sz="1500" kern="1200">
           <a:solidFill>
             <a:schemeClr val="tx1"/>
           </a:solidFill>
@@ -2853,13 +2780,16 @@
           <a:cs typeface="+mn-cs"/>
         </a:defRPr>
       </a:lvl3pPr>
-      <a:lvl4pPr marL="1600200" indent="-228600" algn="l" defTabSz="914400" rtl="0" eaLnBrk="1" latinLnBrk="0" hangingPunct="1">
+      <a:lvl4pPr marL="1200150" indent="-171450" algn="l" defTabSz="685800" rtl="0" eaLnBrk="1" latinLnBrk="0" hangingPunct="1">
+        <a:lnSpc>
+          <a:spcPct val="90000"/>
+        </a:lnSpc>
         <a:spcBef>
-          <a:spcPct val="20000"/>
+          <a:spcPts val="375"/>
         </a:spcBef>
-        <a:buFont typeface="Arial" pitchFamily="34" charset="0"/>
-        <a:buChar char="–"/>
-        <a:defRPr sz="2000" kern="1200">
+        <a:buFont typeface="Arial" panose="020B0604020202020204" pitchFamily="34" charset="0"/>
+        <a:buChar char="•"/>
+        <a:defRPr sz="1350" kern="1200">
           <a:solidFill>
             <a:schemeClr val="tx1"/>
           </a:solidFill>
@@ -2868,13 +2798,16 @@
           <a:cs typeface="+mn-cs"/>
         </a:defRPr>
       </a:lvl4pPr>
-      <a:lvl5pPr marL="2057400" indent="-228600" algn="l" defTabSz="914400" rtl="0" eaLnBrk="1" latinLnBrk="0" hangingPunct="1">
+      <a:lvl5pPr marL="1543050" indent="-171450" algn="l" defTabSz="685800" rtl="0" eaLnBrk="1" latinLnBrk="0" hangingPunct="1">
+        <a:lnSpc>
+          <a:spcPct val="90000"/>
+        </a:lnSpc>
         <a:spcBef>
-          <a:spcPct val="20000"/>
+          <a:spcPts val="375"/>
         </a:spcBef>
-        <a:buFont typeface="Arial" pitchFamily="34" charset="0"/>
-        <a:buChar char="»"/>
-        <a:defRPr sz="2000" kern="1200">
+        <a:buFont typeface="Arial" panose="020B0604020202020204" pitchFamily="34" charset="0"/>
+        <a:buChar char="•"/>
+        <a:defRPr sz="1350" kern="1200">
           <a:solidFill>
             <a:schemeClr val="tx1"/>
           </a:solidFill>
@@ -2883,13 +2816,16 @@
           <a:cs typeface="+mn-cs"/>
         </a:defRPr>
       </a:lvl5pPr>
-      <a:lvl6pPr marL="2514600" indent="-228600" algn="l" defTabSz="914400" rtl="0" eaLnBrk="1" latinLnBrk="0" hangingPunct="1">
+      <a:lvl6pPr marL="1885950" indent="-171450" algn="l" defTabSz="685800" rtl="0" eaLnBrk="1" latinLnBrk="0" hangingPunct="1">
+        <a:lnSpc>
+          <a:spcPct val="90000"/>
+        </a:lnSpc>
         <a:spcBef>
-          <a:spcPct val="20000"/>
+          <a:spcPts val="375"/>
         </a:spcBef>
-        <a:buFont typeface="Arial" pitchFamily="34" charset="0"/>
+        <a:buFont typeface="Arial" panose="020B0604020202020204" pitchFamily="34" charset="0"/>
         <a:buChar char="•"/>
-        <a:defRPr sz="2000" kern="1200">
+        <a:defRPr sz="1350" kern="1200">
           <a:solidFill>
             <a:schemeClr val="tx1"/>
           </a:solidFill>
@@ -2898,13 +2834,16 @@
           <a:cs typeface="+mn-cs"/>
         </a:defRPr>
       </a:lvl6pPr>
-      <a:lvl7pPr marL="2971800" indent="-228600" algn="l" defTabSz="914400" rtl="0" eaLnBrk="1" latinLnBrk="0" hangingPunct="1">
+      <a:lvl7pPr marL="2228850" indent="-171450" algn="l" defTabSz="685800" rtl="0" eaLnBrk="1" latinLnBrk="0" hangingPunct="1">
+        <a:lnSpc>
+          <a:spcPct val="90000"/>
+        </a:lnSpc>
         <a:spcBef>
-          <a:spcPct val="20000"/>
+          <a:spcPts val="375"/>
         </a:spcBef>
-        <a:buFont typeface="Arial" pitchFamily="34" charset="0"/>
+        <a:buFont typeface="Arial" panose="020B0604020202020204" pitchFamily="34" charset="0"/>
         <a:buChar char="•"/>
-        <a:defRPr sz="2000" kern="1200">
+        <a:defRPr sz="1350" kern="1200">
           <a:solidFill>
             <a:schemeClr val="tx1"/>
           </a:solidFill>
@@ -2913,13 +2852,16 @@
           <a:cs typeface="+mn-cs"/>
         </a:defRPr>
       </a:lvl7pPr>
-      <a:lvl8pPr marL="3429000" indent="-228600" algn="l" defTabSz="914400" rtl="0" eaLnBrk="1" latinLnBrk="0" hangingPunct="1">
+      <a:lvl8pPr marL="2571750" indent="-171450" algn="l" defTabSz="685800" rtl="0" eaLnBrk="1" latinLnBrk="0" hangingPunct="1">
+        <a:lnSpc>
+          <a:spcPct val="90000"/>
+        </a:lnSpc>
         <a:spcBef>
-          <a:spcPct val="20000"/>
+          <a:spcPts val="375"/>
         </a:spcBef>
-        <a:buFont typeface="Arial" pitchFamily="34" charset="0"/>
+        <a:buFont typeface="Arial" panose="020B0604020202020204" pitchFamily="34" charset="0"/>
         <a:buChar char="•"/>
-        <a:defRPr sz="2000" kern="1200">
+        <a:defRPr sz="1350" kern="1200">
           <a:solidFill>
             <a:schemeClr val="tx1"/>
           </a:solidFill>
@@ -2928,13 +2870,16 @@
           <a:cs typeface="+mn-cs"/>
         </a:defRPr>
       </a:lvl8pPr>
-      <a:lvl9pPr marL="3886200" indent="-228600" algn="l" defTabSz="914400" rtl="0" eaLnBrk="1" latinLnBrk="0" hangingPunct="1">
+      <a:lvl9pPr marL="2914650" indent="-171450" algn="l" defTabSz="685800" rtl="0" eaLnBrk="1" latinLnBrk="0" hangingPunct="1">
+        <a:lnSpc>
+          <a:spcPct val="90000"/>
+        </a:lnSpc>
         <a:spcBef>
-          <a:spcPct val="20000"/>
+          <a:spcPts val="375"/>
         </a:spcBef>
-        <a:buFont typeface="Arial" pitchFamily="34" charset="0"/>
+        <a:buFont typeface="Arial" panose="020B0604020202020204" pitchFamily="34" charset="0"/>
         <a:buChar char="•"/>
-        <a:defRPr sz="2000" kern="1200">
+        <a:defRPr sz="1350" kern="1200">
           <a:solidFill>
             <a:schemeClr val="tx1"/>
           </a:solidFill>
@@ -2948,8 +2893,8 @@
       <a:defPPr>
         <a:defRPr lang="en-US"/>
       </a:defPPr>
-      <a:lvl1pPr marL="0" algn="l" defTabSz="914400" rtl="0" eaLnBrk="1" latinLnBrk="0" hangingPunct="1">
-        <a:defRPr sz="1800" kern="1200">
+      <a:lvl1pPr marL="0" algn="l" defTabSz="685800" rtl="0" eaLnBrk="1" latinLnBrk="0" hangingPunct="1">
+        <a:defRPr sz="1350" kern="1200">
           <a:solidFill>
             <a:schemeClr val="tx1"/>
           </a:solidFill>
@@ -2958,8 +2903,8 @@
           <a:cs typeface="+mn-cs"/>
         </a:defRPr>
       </a:lvl1pPr>
-      <a:lvl2pPr marL="457200" algn="l" defTabSz="914400" rtl="0" eaLnBrk="1" latinLnBrk="0" hangingPunct="1">
-        <a:defRPr sz="1800" kern="1200">
+      <a:lvl2pPr marL="342900" algn="l" defTabSz="685800" rtl="0" eaLnBrk="1" latinLnBrk="0" hangingPunct="1">
+        <a:defRPr sz="1350" kern="1200">
           <a:solidFill>
             <a:schemeClr val="tx1"/>
           </a:solidFill>
@@ -2968,8 +2913,8 @@
           <a:cs typeface="+mn-cs"/>
         </a:defRPr>
       </a:lvl2pPr>
-      <a:lvl3pPr marL="914400" algn="l" defTabSz="914400" rtl="0" eaLnBrk="1" latinLnBrk="0" hangingPunct="1">
-        <a:defRPr sz="1800" kern="1200">
+      <a:lvl3pPr marL="685800" algn="l" defTabSz="685800" rtl="0" eaLnBrk="1" latinLnBrk="0" hangingPunct="1">
+        <a:defRPr sz="1350" kern="1200">
           <a:solidFill>
             <a:schemeClr val="tx1"/>
           </a:solidFill>
@@ -2978,8 +2923,8 @@
           <a:cs typeface="+mn-cs"/>
         </a:defRPr>
       </a:lvl3pPr>
-      <a:lvl4pPr marL="1371600" algn="l" defTabSz="914400" rtl="0" eaLnBrk="1" latinLnBrk="0" hangingPunct="1">
-        <a:defRPr sz="1800" kern="1200">
+      <a:lvl4pPr marL="1028700" algn="l" defTabSz="685800" rtl="0" eaLnBrk="1" latinLnBrk="0" hangingPunct="1">
+        <a:defRPr sz="1350" kern="1200">
           <a:solidFill>
             <a:schemeClr val="tx1"/>
           </a:solidFill>
@@ -2988,8 +2933,8 @@
           <a:cs typeface="+mn-cs"/>
         </a:defRPr>
       </a:lvl4pPr>
-      <a:lvl5pPr marL="1828800" algn="l" defTabSz="914400" rtl="0" eaLnBrk="1" latinLnBrk="0" hangingPunct="1">
-        <a:defRPr sz="1800" kern="1200">
+      <a:lvl5pPr marL="1371600" algn="l" defTabSz="685800" rtl="0" eaLnBrk="1" latinLnBrk="0" hangingPunct="1">
+        <a:defRPr sz="1350" kern="1200">
           <a:solidFill>
             <a:schemeClr val="tx1"/>
           </a:solidFill>
@@ -2998,8 +2943,8 @@
           <a:cs typeface="+mn-cs"/>
         </a:defRPr>
       </a:lvl5pPr>
-      <a:lvl6pPr marL="2286000" algn="l" defTabSz="914400" rtl="0" eaLnBrk="1" latinLnBrk="0" hangingPunct="1">
-        <a:defRPr sz="1800" kern="1200">
+      <a:lvl6pPr marL="1714500" algn="l" defTabSz="685800" rtl="0" eaLnBrk="1" latinLnBrk="0" hangingPunct="1">
+        <a:defRPr sz="1350" kern="1200">
           <a:solidFill>
             <a:schemeClr val="tx1"/>
           </a:solidFill>
@@ -3008,8 +2953,8 @@
           <a:cs typeface="+mn-cs"/>
         </a:defRPr>
       </a:lvl6pPr>
-      <a:lvl7pPr marL="2743200" algn="l" defTabSz="914400" rtl="0" eaLnBrk="1" latinLnBrk="0" hangingPunct="1">
-        <a:defRPr sz="1800" kern="1200">
+      <a:lvl7pPr marL="2057400" algn="l" defTabSz="685800" rtl="0" eaLnBrk="1" latinLnBrk="0" hangingPunct="1">
+        <a:defRPr sz="1350" kern="1200">
           <a:solidFill>
             <a:schemeClr val="tx1"/>
           </a:solidFill>
@@ -3018,8 +2963,8 @@
           <a:cs typeface="+mn-cs"/>
         </a:defRPr>
       </a:lvl7pPr>
-      <a:lvl8pPr marL="3200400" algn="l" defTabSz="914400" rtl="0" eaLnBrk="1" latinLnBrk="0" hangingPunct="1">
-        <a:defRPr sz="1800" kern="1200">
+      <a:lvl8pPr marL="2400300" algn="l" defTabSz="685800" rtl="0" eaLnBrk="1" latinLnBrk="0" hangingPunct="1">
+        <a:defRPr sz="1350" kern="1200">
           <a:solidFill>
             <a:schemeClr val="tx1"/>
           </a:solidFill>
@@ -3028,8 +2973,8 @@
           <a:cs typeface="+mn-cs"/>
         </a:defRPr>
       </a:lvl8pPr>
-      <a:lvl9pPr marL="3657600" algn="l" defTabSz="914400" rtl="0" eaLnBrk="1" latinLnBrk="0" hangingPunct="1">
-        <a:defRPr sz="1800" kern="1200">
+      <a:lvl9pPr marL="2743200" algn="l" defTabSz="685800" rtl="0" eaLnBrk="1" latinLnBrk="0" hangingPunct="1">
+        <a:defRPr sz="1350" kern="1200">
           <a:solidFill>
             <a:schemeClr val="tx1"/>
           </a:solidFill>
@@ -3060,716 +3005,463 @@
           <a:chExt cx="0" cy="0"/>
         </a:xfrm>
       </p:grpSpPr>
-      <p:sp>
-        <p:nvSpPr>
-          <p:cNvPr id="4" name="Rectangle 3"/>
-          <p:cNvSpPr/>
-          <p:nvPr/>
-        </p:nvSpPr>
-        <p:spPr>
-          <a:xfrm>
-            <a:off x="3657600" y="381000"/>
-            <a:ext cx="1828800" cy="762000"/>
-          </a:xfrm>
-          <a:prstGeom prst="rect">
-            <a:avLst/>
-          </a:prstGeom>
-          <a:noFill/>
-          <a:ln>
-            <a:solidFill>
-              <a:schemeClr val="tx1"/>
-            </a:solidFill>
-          </a:ln>
-        </p:spPr>
-        <p:style>
-          <a:lnRef idx="2">
-            <a:schemeClr val="accent1">
-              <a:shade val="50000"/>
-            </a:schemeClr>
-          </a:lnRef>
-          <a:fillRef idx="1">
-            <a:schemeClr val="accent1"/>
-          </a:fillRef>
-          <a:effectRef idx="0">
-            <a:schemeClr val="accent1"/>
-          </a:effectRef>
-          <a:fontRef idx="minor">
-            <a:schemeClr val="lt1"/>
-          </a:fontRef>
-        </p:style>
-        <p:txBody>
-          <a:bodyPr rtlCol="0" anchor="ctr"/>
-          <a:lstStyle/>
-          <a:p>
-            <a:pPr algn="ctr"/>
-            <a:endParaRPr lang="en-IN"/>
-          </a:p>
-        </p:txBody>
-      </p:sp>
-      <p:sp>
-        <p:nvSpPr>
-          <p:cNvPr id="5" name="Oval 4"/>
-          <p:cNvSpPr/>
-          <p:nvPr/>
-        </p:nvSpPr>
-        <p:spPr>
-          <a:xfrm>
-            <a:off x="3657600" y="2743200"/>
-            <a:ext cx="2133600" cy="1143000"/>
-          </a:xfrm>
-          <a:prstGeom prst="ellipse">
-            <a:avLst/>
-          </a:prstGeom>
-          <a:noFill/>
-          <a:ln>
-            <a:solidFill>
-              <a:schemeClr val="tx1"/>
-            </a:solidFill>
-          </a:ln>
-        </p:spPr>
-        <p:style>
-          <a:lnRef idx="2">
-            <a:schemeClr val="accent1">
-              <a:shade val="50000"/>
-            </a:schemeClr>
-          </a:lnRef>
-          <a:fillRef idx="1">
-            <a:schemeClr val="accent1"/>
-          </a:fillRef>
-          <a:effectRef idx="0">
-            <a:schemeClr val="accent1"/>
-          </a:effectRef>
-          <a:fontRef idx="minor">
-            <a:schemeClr val="lt1"/>
-          </a:fontRef>
-        </p:style>
-        <p:txBody>
-          <a:bodyPr rtlCol="0" anchor="ctr"/>
-          <a:lstStyle/>
-          <a:p>
-            <a:pPr algn="ctr"/>
-            <a:endParaRPr lang="en-IN"/>
-          </a:p>
-        </p:txBody>
-      </p:sp>
-      <p:sp>
-        <p:nvSpPr>
-          <p:cNvPr id="6" name="Rectangle 5"/>
-          <p:cNvSpPr/>
-          <p:nvPr/>
-        </p:nvSpPr>
-        <p:spPr>
-          <a:xfrm>
-            <a:off x="6858000" y="1600200"/>
-            <a:ext cx="1828800" cy="762000"/>
-          </a:xfrm>
-          <a:prstGeom prst="rect">
-            <a:avLst/>
-          </a:prstGeom>
-          <a:noFill/>
-          <a:ln>
-            <a:solidFill>
-              <a:schemeClr val="tx1"/>
-            </a:solidFill>
-          </a:ln>
-        </p:spPr>
-        <p:style>
-          <a:lnRef idx="2">
-            <a:schemeClr val="accent1">
-              <a:shade val="50000"/>
-            </a:schemeClr>
-          </a:lnRef>
-          <a:fillRef idx="1">
-            <a:schemeClr val="accent1"/>
-          </a:fillRef>
-          <a:effectRef idx="0">
-            <a:schemeClr val="accent1"/>
-          </a:effectRef>
-          <a:fontRef idx="minor">
-            <a:schemeClr val="lt1"/>
-          </a:fontRef>
-        </p:style>
-        <p:txBody>
-          <a:bodyPr rtlCol="0" anchor="ctr"/>
-          <a:lstStyle/>
-          <a:p>
-            <a:pPr algn="ctr"/>
-            <a:endParaRPr lang="en-IN"/>
-          </a:p>
-        </p:txBody>
-      </p:sp>
-      <p:sp>
-        <p:nvSpPr>
-          <p:cNvPr id="7" name="Rectangle 6"/>
-          <p:cNvSpPr/>
-          <p:nvPr/>
-        </p:nvSpPr>
-        <p:spPr>
-          <a:xfrm>
-            <a:off x="3810000" y="5486400"/>
-            <a:ext cx="1828800" cy="762000"/>
-          </a:xfrm>
-          <a:prstGeom prst="rect">
-            <a:avLst/>
-          </a:prstGeom>
-          <a:noFill/>
-          <a:ln>
-            <a:solidFill>
-              <a:schemeClr val="tx1"/>
-            </a:solidFill>
-          </a:ln>
-        </p:spPr>
-        <p:style>
-          <a:lnRef idx="2">
-            <a:schemeClr val="accent1">
-              <a:shade val="50000"/>
-            </a:schemeClr>
-          </a:lnRef>
-          <a:fillRef idx="1">
-            <a:schemeClr val="accent1"/>
-          </a:fillRef>
-          <a:effectRef idx="0">
-            <a:schemeClr val="accent1"/>
-          </a:effectRef>
-          <a:fontRef idx="minor">
-            <a:schemeClr val="lt1"/>
-          </a:fontRef>
-        </p:style>
-        <p:txBody>
-          <a:bodyPr rtlCol="0" anchor="ctr"/>
-          <a:lstStyle/>
-          <a:p>
-            <a:pPr algn="ctr"/>
-            <a:endParaRPr lang="en-IN"/>
-          </a:p>
-        </p:txBody>
-      </p:sp>
-      <p:sp>
-        <p:nvSpPr>
-          <p:cNvPr id="8" name="Rectangle 7"/>
-          <p:cNvSpPr/>
-          <p:nvPr/>
-        </p:nvSpPr>
-        <p:spPr>
-          <a:xfrm>
-            <a:off x="6858000" y="4343400"/>
-            <a:ext cx="1828800" cy="762000"/>
-          </a:xfrm>
-          <a:prstGeom prst="rect">
-            <a:avLst/>
-          </a:prstGeom>
-          <a:noFill/>
-          <a:ln>
-            <a:solidFill>
-              <a:schemeClr val="tx1"/>
-            </a:solidFill>
-          </a:ln>
-        </p:spPr>
-        <p:style>
-          <a:lnRef idx="2">
-            <a:schemeClr val="accent1">
-              <a:shade val="50000"/>
-            </a:schemeClr>
-          </a:lnRef>
-          <a:fillRef idx="1">
-            <a:schemeClr val="accent1"/>
-          </a:fillRef>
-          <a:effectRef idx="0">
-            <a:schemeClr val="accent1"/>
-          </a:effectRef>
-          <a:fontRef idx="minor">
-            <a:schemeClr val="lt1"/>
-          </a:fontRef>
-        </p:style>
-        <p:txBody>
-          <a:bodyPr rtlCol="0" anchor="ctr"/>
-          <a:lstStyle/>
-          <a:p>
-            <a:pPr algn="ctr"/>
-            <a:endParaRPr lang="en-IN"/>
-          </a:p>
-        </p:txBody>
-      </p:sp>
-      <p:sp>
-        <p:nvSpPr>
-          <p:cNvPr id="9" name="Rectangle 8"/>
-          <p:cNvSpPr/>
-          <p:nvPr/>
-        </p:nvSpPr>
-        <p:spPr>
-          <a:xfrm>
-            <a:off x="457200" y="1600200"/>
-            <a:ext cx="1828800" cy="762000"/>
-          </a:xfrm>
-          <a:prstGeom prst="rect">
-            <a:avLst/>
-          </a:prstGeom>
-          <a:noFill/>
-          <a:ln>
-            <a:solidFill>
-              <a:schemeClr val="tx1"/>
-            </a:solidFill>
-          </a:ln>
-        </p:spPr>
-        <p:style>
-          <a:lnRef idx="2">
-            <a:schemeClr val="accent1">
-              <a:shade val="50000"/>
-            </a:schemeClr>
-          </a:lnRef>
-          <a:fillRef idx="1">
-            <a:schemeClr val="accent1"/>
-          </a:fillRef>
-          <a:effectRef idx="0">
-            <a:schemeClr val="accent1"/>
-          </a:effectRef>
-          <a:fontRef idx="minor">
-            <a:schemeClr val="lt1"/>
-          </a:fontRef>
-        </p:style>
-        <p:txBody>
-          <a:bodyPr rtlCol="0" anchor="ctr"/>
-          <a:lstStyle/>
-          <a:p>
-            <a:pPr algn="ctr"/>
-            <a:endParaRPr lang="en-IN"/>
-          </a:p>
-        </p:txBody>
-      </p:sp>
-      <p:sp>
-        <p:nvSpPr>
-          <p:cNvPr id="10" name="Rectangle 9"/>
-          <p:cNvSpPr/>
-          <p:nvPr/>
-        </p:nvSpPr>
-        <p:spPr>
-          <a:xfrm>
-            <a:off x="685800" y="4419600"/>
-            <a:ext cx="1828800" cy="762000"/>
-          </a:xfrm>
-          <a:prstGeom prst="rect">
-            <a:avLst/>
-          </a:prstGeom>
-          <a:noFill/>
-          <a:ln>
-            <a:solidFill>
-              <a:schemeClr val="tx1"/>
-            </a:solidFill>
-          </a:ln>
-        </p:spPr>
-        <p:style>
-          <a:lnRef idx="2">
-            <a:schemeClr val="accent1">
-              <a:shade val="50000"/>
-            </a:schemeClr>
-          </a:lnRef>
-          <a:fillRef idx="1">
-            <a:schemeClr val="accent1"/>
-          </a:fillRef>
-          <a:effectRef idx="0">
-            <a:schemeClr val="accent1"/>
-          </a:effectRef>
-          <a:fontRef idx="minor">
-            <a:schemeClr val="lt1"/>
-          </a:fontRef>
-        </p:style>
-        <p:txBody>
-          <a:bodyPr rtlCol="0" anchor="ctr"/>
-          <a:lstStyle/>
-          <a:p>
-            <a:pPr algn="ctr"/>
-            <a:endParaRPr lang="en-IN"/>
-          </a:p>
-        </p:txBody>
-      </p:sp>
-      <p:cxnSp>
-        <p:nvCxnSpPr>
-          <p:cNvPr id="12" name="Elbow Connector 11"/>
-          <p:cNvCxnSpPr>
-            <a:stCxn id="4" idx="3"/>
-            <a:endCxn id="5" idx="7"/>
-          </p:cNvCxnSpPr>
-          <p:nvPr/>
-        </p:nvCxnSpPr>
-        <p:spPr>
-          <a:xfrm flipH="1">
-            <a:off x="5478741" y="762000"/>
-            <a:ext cx="7659" cy="2148588"/>
-          </a:xfrm>
-          <a:prstGeom prst="bentConnector4">
-            <a:avLst>
-              <a:gd name="adj1" fmla="val -2984724"/>
-              <a:gd name="adj2" fmla="val 54971"/>
-            </a:avLst>
-          </a:prstGeom>
-          <a:ln>
-            <a:solidFill>
-              <a:schemeClr val="tx1"/>
-            </a:solidFill>
-            <a:tailEnd type="arrow"/>
-          </a:ln>
-        </p:spPr>
-        <p:style>
-          <a:lnRef idx="1">
-            <a:schemeClr val="accent1"/>
-          </a:lnRef>
-          <a:fillRef idx="0">
-            <a:schemeClr val="accent1"/>
-          </a:fillRef>
-          <a:effectRef idx="0">
-            <a:schemeClr val="accent1"/>
-          </a:effectRef>
-          <a:fontRef idx="minor">
-            <a:schemeClr val="tx1"/>
-          </a:fontRef>
-        </p:style>
-      </p:cxnSp>
-      <p:cxnSp>
-        <p:nvCxnSpPr>
-          <p:cNvPr id="19" name="Elbow Connector 11"/>
-          <p:cNvCxnSpPr>
-            <a:stCxn id="7" idx="3"/>
-          </p:cNvCxnSpPr>
-          <p:nvPr/>
-        </p:nvCxnSpPr>
-        <p:spPr>
-          <a:xfrm flipH="1" flipV="1">
-            <a:off x="5486400" y="3733800"/>
-            <a:ext cx="152400" cy="2133600"/>
-          </a:xfrm>
-          <a:prstGeom prst="bentConnector4">
-            <a:avLst>
-              <a:gd name="adj1" fmla="val -150000"/>
-              <a:gd name="adj2" fmla="val 58929"/>
-            </a:avLst>
-          </a:prstGeom>
-          <a:ln>
-            <a:solidFill>
-              <a:schemeClr val="tx1"/>
-            </a:solidFill>
-            <a:tailEnd type="arrow"/>
-          </a:ln>
-        </p:spPr>
-        <p:style>
-          <a:lnRef idx="1">
-            <a:schemeClr val="accent1"/>
-          </a:lnRef>
-          <a:fillRef idx="0">
-            <a:schemeClr val="accent1"/>
-          </a:fillRef>
-          <a:effectRef idx="0">
-            <a:schemeClr val="accent1"/>
-          </a:effectRef>
-          <a:fontRef idx="minor">
-            <a:schemeClr val="tx1"/>
-          </a:fontRef>
-        </p:style>
-      </p:cxnSp>
-      <p:cxnSp>
-        <p:nvCxnSpPr>
-          <p:cNvPr id="20" name="Elbow Connector 11"/>
-          <p:cNvCxnSpPr>
-            <a:stCxn id="5" idx="3"/>
-            <a:endCxn id="7" idx="1"/>
-          </p:cNvCxnSpPr>
-          <p:nvPr/>
-        </p:nvCxnSpPr>
-        <p:spPr>
-          <a:xfrm rot="5400000">
-            <a:off x="2815736" y="4713077"/>
-            <a:ext cx="2148588" cy="160059"/>
-          </a:xfrm>
-          <a:prstGeom prst="bentConnector4">
-            <a:avLst>
-              <a:gd name="adj1" fmla="val 37238"/>
-              <a:gd name="adj2" fmla="val 242822"/>
-            </a:avLst>
-          </a:prstGeom>
-          <a:ln>
-            <a:solidFill>
-              <a:schemeClr val="tx1"/>
-            </a:solidFill>
-            <a:tailEnd type="arrow"/>
-          </a:ln>
-        </p:spPr>
-        <p:style>
-          <a:lnRef idx="1">
-            <a:schemeClr val="accent1"/>
-          </a:lnRef>
-          <a:fillRef idx="0">
-            <a:schemeClr val="accent1"/>
-          </a:fillRef>
-          <a:effectRef idx="0">
-            <a:schemeClr val="accent1"/>
-          </a:effectRef>
-          <a:fontRef idx="minor">
-            <a:schemeClr val="tx1"/>
-          </a:fontRef>
-        </p:style>
-      </p:cxnSp>
-      <p:cxnSp>
-        <p:nvCxnSpPr>
-          <p:cNvPr id="21" name="Elbow Connector 11"/>
-          <p:cNvCxnSpPr>
-            <a:stCxn id="8" idx="0"/>
-          </p:cNvCxnSpPr>
-          <p:nvPr/>
-        </p:nvCxnSpPr>
-        <p:spPr>
-          <a:xfrm rot="16200000" flipV="1">
-            <a:off x="6324600" y="2895600"/>
-            <a:ext cx="838200" cy="2057400"/>
-          </a:xfrm>
-          <a:prstGeom prst="bentConnector2">
-            <a:avLst/>
-          </a:prstGeom>
-          <a:ln>
-            <a:solidFill>
-              <a:schemeClr val="tx1"/>
-            </a:solidFill>
-            <a:tailEnd type="arrow"/>
-          </a:ln>
-        </p:spPr>
-        <p:style>
-          <a:lnRef idx="1">
-            <a:schemeClr val="accent1"/>
-          </a:lnRef>
-          <a:fillRef idx="0">
-            <a:schemeClr val="accent1"/>
-          </a:fillRef>
-          <a:effectRef idx="0">
-            <a:schemeClr val="accent1"/>
-          </a:effectRef>
-          <a:fontRef idx="minor">
-            <a:schemeClr val="tx1"/>
-          </a:fontRef>
-        </p:style>
-      </p:cxnSp>
-      <p:cxnSp>
-        <p:nvCxnSpPr>
-          <p:cNvPr id="22" name="Elbow Connector 11"/>
-          <p:cNvCxnSpPr>
-            <a:stCxn id="9" idx="3"/>
-          </p:cNvCxnSpPr>
-          <p:nvPr/>
-        </p:nvCxnSpPr>
-        <p:spPr>
-          <a:xfrm>
-            <a:off x="2286000" y="1981200"/>
-            <a:ext cx="1447800" cy="1028700"/>
-          </a:xfrm>
-          <a:prstGeom prst="bentConnector3">
-            <a:avLst>
-              <a:gd name="adj1" fmla="val 50000"/>
-            </a:avLst>
-          </a:prstGeom>
-          <a:ln>
-            <a:solidFill>
-              <a:schemeClr val="tx1"/>
-            </a:solidFill>
-            <a:tailEnd type="arrow"/>
-          </a:ln>
-        </p:spPr>
-        <p:style>
-          <a:lnRef idx="1">
-            <a:schemeClr val="accent1"/>
-          </a:lnRef>
-          <a:fillRef idx="0">
-            <a:schemeClr val="accent1"/>
-          </a:fillRef>
-          <a:effectRef idx="0">
-            <a:schemeClr val="accent1"/>
-          </a:effectRef>
-          <a:fontRef idx="minor">
-            <a:schemeClr val="tx1"/>
-          </a:fontRef>
-        </p:style>
-      </p:cxnSp>
-      <p:cxnSp>
-        <p:nvCxnSpPr>
-          <p:cNvPr id="23" name="Elbow Connector 11"/>
-          <p:cNvCxnSpPr>
-            <a:endCxn id="4" idx="1"/>
-          </p:cNvCxnSpPr>
-          <p:nvPr/>
-        </p:nvCxnSpPr>
-        <p:spPr>
-          <a:xfrm rot="16200000" flipV="1">
-            <a:off x="2628900" y="1790700"/>
-            <a:ext cx="2209800" cy="152400"/>
-          </a:xfrm>
-          <a:prstGeom prst="bentConnector4">
-            <a:avLst>
-              <a:gd name="adj1" fmla="val 41379"/>
-              <a:gd name="adj2" fmla="val 250000"/>
-            </a:avLst>
-          </a:prstGeom>
-          <a:ln>
-            <a:solidFill>
-              <a:schemeClr val="tx1"/>
-            </a:solidFill>
-            <a:tailEnd type="arrow"/>
-          </a:ln>
-        </p:spPr>
-        <p:style>
-          <a:lnRef idx="1">
-            <a:schemeClr val="accent1"/>
-          </a:lnRef>
-          <a:fillRef idx="0">
-            <a:schemeClr val="accent1"/>
-          </a:fillRef>
-          <a:effectRef idx="0">
-            <a:schemeClr val="accent1"/>
-          </a:effectRef>
-          <a:fontRef idx="minor">
-            <a:schemeClr val="tx1"/>
-          </a:fontRef>
-        </p:style>
-      </p:cxnSp>
-      <p:cxnSp>
-        <p:nvCxnSpPr>
-          <p:cNvPr id="45" name="Elbow Connector 11"/>
-          <p:cNvCxnSpPr/>
-          <p:nvPr/>
-        </p:nvCxnSpPr>
-        <p:spPr>
-          <a:xfrm rot="10800000" flipV="1">
-            <a:off x="2514600" y="3657600"/>
-            <a:ext cx="1371600" cy="1143000"/>
-          </a:xfrm>
-          <a:prstGeom prst="bentConnector3">
-            <a:avLst>
-              <a:gd name="adj1" fmla="val 84872"/>
-            </a:avLst>
-          </a:prstGeom>
-          <a:ln>
-            <a:solidFill>
-              <a:schemeClr val="tx1"/>
-            </a:solidFill>
-            <a:tailEnd type="arrow"/>
-          </a:ln>
-        </p:spPr>
-        <p:style>
-          <a:lnRef idx="1">
-            <a:schemeClr val="accent1"/>
-          </a:lnRef>
-          <a:fillRef idx="0">
-            <a:schemeClr val="accent1"/>
-          </a:fillRef>
-          <a:effectRef idx="0">
-            <a:schemeClr val="accent1"/>
-          </a:effectRef>
-          <a:fontRef idx="minor">
-            <a:schemeClr val="tx1"/>
-          </a:fontRef>
-        </p:style>
-      </p:cxnSp>
-      <p:cxnSp>
-        <p:nvCxnSpPr>
-          <p:cNvPr id="49" name="Elbow Connector 11"/>
-          <p:cNvCxnSpPr/>
-          <p:nvPr/>
-        </p:nvCxnSpPr>
-        <p:spPr>
-          <a:xfrm flipV="1">
-            <a:off x="914400" y="3505200"/>
-            <a:ext cx="2743200" cy="914400"/>
-          </a:xfrm>
-          <a:prstGeom prst="bentConnector3">
-            <a:avLst>
-              <a:gd name="adj1" fmla="val 30000"/>
-            </a:avLst>
-          </a:prstGeom>
-          <a:ln>
-            <a:solidFill>
-              <a:schemeClr val="tx1"/>
-            </a:solidFill>
-            <a:tailEnd type="arrow"/>
-          </a:ln>
-        </p:spPr>
-        <p:style>
-          <a:lnRef idx="1">
-            <a:schemeClr val="accent1"/>
-          </a:lnRef>
-          <a:fillRef idx="0">
-            <a:schemeClr val="accent1"/>
-          </a:fillRef>
-          <a:effectRef idx="0">
-            <a:schemeClr val="accent1"/>
-          </a:effectRef>
-          <a:fontRef idx="minor">
-            <a:schemeClr val="tx1"/>
-          </a:fontRef>
-        </p:style>
-      </p:cxnSp>
-      <p:cxnSp>
-        <p:nvCxnSpPr>
-          <p:cNvPr id="55" name="Elbow Connector 11"/>
-          <p:cNvCxnSpPr>
-            <a:endCxn id="8" idx="1"/>
-          </p:cNvCxnSpPr>
-          <p:nvPr/>
-        </p:nvCxnSpPr>
-        <p:spPr>
-          <a:xfrm>
-            <a:off x="5562600" y="3657600"/>
-            <a:ext cx="1295400" cy="1066800"/>
-          </a:xfrm>
-          <a:prstGeom prst="bentConnector3">
-            <a:avLst>
-              <a:gd name="adj1" fmla="val 50000"/>
-            </a:avLst>
-          </a:prstGeom>
-          <a:ln>
-            <a:solidFill>
-              <a:schemeClr val="tx1"/>
-            </a:solidFill>
-            <a:tailEnd type="arrow"/>
-          </a:ln>
-        </p:spPr>
-        <p:style>
-          <a:lnRef idx="1">
-            <a:schemeClr val="accent1"/>
-          </a:lnRef>
-          <a:fillRef idx="0">
-            <a:schemeClr val="accent1"/>
-          </a:fillRef>
-          <a:effectRef idx="0">
-            <a:schemeClr val="accent1"/>
-          </a:effectRef>
-          <a:fontRef idx="minor">
-            <a:schemeClr val="tx1"/>
-          </a:fontRef>
-        </p:style>
-      </p:cxnSp>
       <p:grpSp>
         <p:nvGrpSpPr>
-          <p:cNvPr id="79" name="Group 78"/>
+          <p:cNvPr id="42" name="Group 41"/>
           <p:cNvGrpSpPr/>
           <p:nvPr/>
         </p:nvGrpSpPr>
         <p:grpSpPr>
           <a:xfrm>
-            <a:off x="5791200" y="2362200"/>
-            <a:ext cx="1981200" cy="914400"/>
-            <a:chOff x="5791200" y="2362200"/>
-            <a:chExt cx="1981200" cy="914400"/>
+            <a:off x="76200" y="76200"/>
+            <a:ext cx="9013705" cy="6705600"/>
+            <a:chOff x="457200" y="609600"/>
+            <a:chExt cx="8632705" cy="5638800"/>
           </a:xfrm>
         </p:grpSpPr>
+        <p:sp>
+          <p:nvSpPr>
+            <p:cNvPr id="4" name="Rectangle 3"/>
+            <p:cNvSpPr/>
+            <p:nvPr/>
+          </p:nvSpPr>
+          <p:spPr>
+            <a:xfrm>
+              <a:off x="3505200" y="609600"/>
+              <a:ext cx="1828800" cy="762000"/>
+            </a:xfrm>
+            <a:prstGeom prst="rect">
+              <a:avLst/>
+            </a:prstGeom>
+            <a:noFill/>
+            <a:ln>
+              <a:solidFill>
+                <a:schemeClr val="tx1"/>
+              </a:solidFill>
+            </a:ln>
+          </p:spPr>
+          <p:style>
+            <a:lnRef idx="2">
+              <a:schemeClr val="accent1">
+                <a:shade val="50000"/>
+              </a:schemeClr>
+            </a:lnRef>
+            <a:fillRef idx="1">
+              <a:schemeClr val="accent1"/>
+            </a:fillRef>
+            <a:effectRef idx="0">
+              <a:schemeClr val="accent1"/>
+            </a:effectRef>
+            <a:fontRef idx="minor">
+              <a:schemeClr val="lt1"/>
+            </a:fontRef>
+          </p:style>
+          <p:txBody>
+            <a:bodyPr rtlCol="0" anchor="ctr"/>
+            <a:lstStyle/>
+            <a:p>
+              <a:pPr algn="ctr"/>
+              <a:r>
+                <a:rPr lang="en-IN" dirty="0" smtClean="0">
+                  <a:solidFill>
+                    <a:schemeClr val="tx1"/>
+                  </a:solidFill>
+                </a:rPr>
+                <a:t>Product</a:t>
+              </a:r>
+              <a:endParaRPr lang="en-IN" dirty="0">
+                <a:solidFill>
+                  <a:schemeClr val="tx1"/>
+                </a:solidFill>
+              </a:endParaRPr>
+            </a:p>
+          </p:txBody>
+        </p:sp>
+        <p:sp>
+          <p:nvSpPr>
+            <p:cNvPr id="5" name="Oval 4"/>
+            <p:cNvSpPr/>
+            <p:nvPr/>
+          </p:nvSpPr>
+          <p:spPr>
+            <a:xfrm>
+              <a:off x="3657600" y="2743200"/>
+              <a:ext cx="2133600" cy="1143000"/>
+            </a:xfrm>
+            <a:prstGeom prst="ellipse">
+              <a:avLst/>
+            </a:prstGeom>
+            <a:noFill/>
+            <a:ln>
+              <a:solidFill>
+                <a:schemeClr val="tx1"/>
+              </a:solidFill>
+            </a:ln>
+          </p:spPr>
+          <p:style>
+            <a:lnRef idx="2">
+              <a:schemeClr val="accent1">
+                <a:shade val="50000"/>
+              </a:schemeClr>
+            </a:lnRef>
+            <a:fillRef idx="1">
+              <a:schemeClr val="accent1"/>
+            </a:fillRef>
+            <a:effectRef idx="0">
+              <a:schemeClr val="accent1"/>
+            </a:effectRef>
+            <a:fontRef idx="minor">
+              <a:schemeClr val="lt1"/>
+            </a:fontRef>
+          </p:style>
+          <p:txBody>
+            <a:bodyPr rtlCol="0" anchor="ctr"/>
+            <a:lstStyle/>
+            <a:p>
+              <a:pPr algn="ctr"/>
+              <a:r>
+                <a:rPr lang="en-IN" dirty="0">
+                  <a:solidFill>
+                    <a:schemeClr val="tx1"/>
+                  </a:solidFill>
+                </a:rPr>
+                <a:t>Shopping Mall </a:t>
+              </a:r>
+            </a:p>
+            <a:p>
+              <a:pPr algn="ctr"/>
+              <a:r>
+                <a:rPr lang="en-IN" dirty="0">
+                  <a:solidFill>
+                    <a:schemeClr val="tx1"/>
+                  </a:solidFill>
+                </a:rPr>
+                <a:t>Management </a:t>
+              </a:r>
+            </a:p>
+            <a:p>
+              <a:pPr algn="ctr"/>
+              <a:r>
+                <a:rPr lang="en-IN" dirty="0">
+                  <a:solidFill>
+                    <a:schemeClr val="tx1"/>
+                  </a:solidFill>
+                </a:rPr>
+                <a:t>System</a:t>
+              </a:r>
+              <a:endParaRPr lang="en-IN" dirty="0">
+                <a:solidFill>
+                  <a:schemeClr val="tx1"/>
+                </a:solidFill>
+              </a:endParaRPr>
+            </a:p>
+          </p:txBody>
+        </p:sp>
+        <p:sp>
+          <p:nvSpPr>
+            <p:cNvPr id="6" name="Rectangle 5"/>
+            <p:cNvSpPr/>
+            <p:nvPr/>
+          </p:nvSpPr>
+          <p:spPr>
+            <a:xfrm>
+              <a:off x="7086600" y="1600200"/>
+              <a:ext cx="1066800" cy="448271"/>
+            </a:xfrm>
+            <a:prstGeom prst="rect">
+              <a:avLst/>
+            </a:prstGeom>
+            <a:noFill/>
+            <a:ln>
+              <a:solidFill>
+                <a:schemeClr val="tx1"/>
+              </a:solidFill>
+            </a:ln>
+          </p:spPr>
+          <p:style>
+            <a:lnRef idx="2">
+              <a:schemeClr val="accent1">
+                <a:shade val="50000"/>
+              </a:schemeClr>
+            </a:lnRef>
+            <a:fillRef idx="1">
+              <a:schemeClr val="accent1"/>
+            </a:fillRef>
+            <a:effectRef idx="0">
+              <a:schemeClr val="accent1"/>
+            </a:effectRef>
+            <a:fontRef idx="minor">
+              <a:schemeClr val="lt1"/>
+            </a:fontRef>
+          </p:style>
+          <p:txBody>
+            <a:bodyPr rtlCol="0" anchor="ctr"/>
+            <a:lstStyle/>
+            <a:p>
+              <a:pPr algn="ctr"/>
+              <a:r>
+                <a:rPr lang="en-IN" dirty="0" smtClean="0">
+                  <a:solidFill>
+                    <a:schemeClr val="tx1"/>
+                  </a:solidFill>
+                </a:rPr>
+                <a:t>WEB</a:t>
+              </a:r>
+              <a:endParaRPr lang="en-IN" dirty="0">
+                <a:solidFill>
+                  <a:schemeClr val="tx1"/>
+                </a:solidFill>
+              </a:endParaRPr>
+            </a:p>
+          </p:txBody>
+        </p:sp>
+        <p:sp>
+          <p:nvSpPr>
+            <p:cNvPr id="7" name="Rectangle 6"/>
+            <p:cNvSpPr/>
+            <p:nvPr/>
+          </p:nvSpPr>
+          <p:spPr>
+            <a:xfrm>
+              <a:off x="3810000" y="5486400"/>
+              <a:ext cx="1828800" cy="762000"/>
+            </a:xfrm>
+            <a:prstGeom prst="rect">
+              <a:avLst/>
+            </a:prstGeom>
+            <a:noFill/>
+            <a:ln>
+              <a:solidFill>
+                <a:schemeClr val="tx1"/>
+              </a:solidFill>
+            </a:ln>
+          </p:spPr>
+          <p:style>
+            <a:lnRef idx="2">
+              <a:schemeClr val="accent1">
+                <a:shade val="50000"/>
+              </a:schemeClr>
+            </a:lnRef>
+            <a:fillRef idx="1">
+              <a:schemeClr val="accent1"/>
+            </a:fillRef>
+            <a:effectRef idx="0">
+              <a:schemeClr val="accent1"/>
+            </a:effectRef>
+            <a:fontRef idx="minor">
+              <a:schemeClr val="lt1"/>
+            </a:fontRef>
+          </p:style>
+          <p:txBody>
+            <a:bodyPr rtlCol="0" anchor="ctr"/>
+            <a:lstStyle/>
+            <a:p>
+              <a:pPr algn="ctr"/>
+              <a:r>
+                <a:rPr lang="en-IN" dirty="0" smtClean="0">
+                  <a:solidFill>
+                    <a:schemeClr val="tx1"/>
+                  </a:solidFill>
+                </a:rPr>
+                <a:t>Customer</a:t>
+              </a:r>
+              <a:endParaRPr lang="en-IN" dirty="0">
+                <a:solidFill>
+                  <a:schemeClr val="tx1"/>
+                </a:solidFill>
+              </a:endParaRPr>
+            </a:p>
+          </p:txBody>
+        </p:sp>
+        <p:sp>
+          <p:nvSpPr>
+            <p:cNvPr id="8" name="Rectangle 7"/>
+            <p:cNvSpPr/>
+            <p:nvPr/>
+          </p:nvSpPr>
+          <p:spPr>
+            <a:xfrm>
+              <a:off x="7239000" y="4114800"/>
+              <a:ext cx="1828800" cy="762000"/>
+            </a:xfrm>
+            <a:prstGeom prst="rect">
+              <a:avLst/>
+            </a:prstGeom>
+            <a:noFill/>
+            <a:ln>
+              <a:solidFill>
+                <a:schemeClr val="tx1"/>
+              </a:solidFill>
+            </a:ln>
+          </p:spPr>
+          <p:style>
+            <a:lnRef idx="2">
+              <a:schemeClr val="accent1">
+                <a:shade val="50000"/>
+              </a:schemeClr>
+            </a:lnRef>
+            <a:fillRef idx="1">
+              <a:schemeClr val="accent1"/>
+            </a:fillRef>
+            <a:effectRef idx="0">
+              <a:schemeClr val="accent1"/>
+            </a:effectRef>
+            <a:fontRef idx="minor">
+              <a:schemeClr val="lt1"/>
+            </a:fontRef>
+          </p:style>
+          <p:txBody>
+            <a:bodyPr rtlCol="0" anchor="ctr"/>
+            <a:lstStyle/>
+            <a:p>
+              <a:pPr algn="ctr"/>
+              <a:r>
+                <a:rPr lang="en-IN" dirty="0">
+                  <a:solidFill>
+                    <a:schemeClr val="tx1"/>
+                  </a:solidFill>
+                </a:rPr>
+                <a:t>Review/Rating</a:t>
+              </a:r>
+              <a:endParaRPr lang="en-IN" dirty="0">
+                <a:solidFill>
+                  <a:schemeClr val="tx1"/>
+                </a:solidFill>
+              </a:endParaRPr>
+            </a:p>
+          </p:txBody>
+        </p:sp>
+        <p:sp>
+          <p:nvSpPr>
+            <p:cNvPr id="9" name="Rectangle 8"/>
+            <p:cNvSpPr/>
+            <p:nvPr/>
+          </p:nvSpPr>
+          <p:spPr>
+            <a:xfrm>
+              <a:off x="457200" y="1600200"/>
+              <a:ext cx="1828800" cy="762000"/>
+            </a:xfrm>
+            <a:prstGeom prst="rect">
+              <a:avLst/>
+            </a:prstGeom>
+            <a:noFill/>
+            <a:ln>
+              <a:solidFill>
+                <a:schemeClr val="tx1"/>
+              </a:solidFill>
+            </a:ln>
+          </p:spPr>
+          <p:style>
+            <a:lnRef idx="2">
+              <a:schemeClr val="accent1">
+                <a:shade val="50000"/>
+              </a:schemeClr>
+            </a:lnRef>
+            <a:fillRef idx="1">
+              <a:schemeClr val="accent1"/>
+            </a:fillRef>
+            <a:effectRef idx="0">
+              <a:schemeClr val="accent1"/>
+            </a:effectRef>
+            <a:fontRef idx="minor">
+              <a:schemeClr val="lt1"/>
+            </a:fontRef>
+          </p:style>
+          <p:txBody>
+            <a:bodyPr rtlCol="0" anchor="ctr"/>
+            <a:lstStyle/>
+            <a:p>
+              <a:pPr algn="ctr"/>
+              <a:r>
+                <a:rPr lang="en-IN" dirty="0" smtClean="0">
+                  <a:solidFill>
+                    <a:schemeClr val="tx1"/>
+                  </a:solidFill>
+                </a:rPr>
+                <a:t>Shop</a:t>
+              </a:r>
+              <a:endParaRPr lang="en-IN" dirty="0">
+                <a:solidFill>
+                  <a:schemeClr val="tx1"/>
+                </a:solidFill>
+              </a:endParaRPr>
+            </a:p>
+          </p:txBody>
+        </p:sp>
+        <p:sp>
+          <p:nvSpPr>
+            <p:cNvPr id="10" name="Rectangle 9"/>
+            <p:cNvSpPr/>
+            <p:nvPr/>
+          </p:nvSpPr>
+          <p:spPr>
+            <a:xfrm>
+              <a:off x="685800" y="4419600"/>
+              <a:ext cx="1828800" cy="762000"/>
+            </a:xfrm>
+            <a:prstGeom prst="rect">
+              <a:avLst/>
+            </a:prstGeom>
+            <a:noFill/>
+            <a:ln>
+              <a:solidFill>
+                <a:schemeClr val="tx1"/>
+              </a:solidFill>
+            </a:ln>
+          </p:spPr>
+          <p:style>
+            <a:lnRef idx="2">
+              <a:schemeClr val="accent1">
+                <a:shade val="50000"/>
+              </a:schemeClr>
+            </a:lnRef>
+            <a:fillRef idx="1">
+              <a:schemeClr val="accent1"/>
+            </a:fillRef>
+            <a:effectRef idx="0">
+              <a:schemeClr val="accent1"/>
+            </a:effectRef>
+            <a:fontRef idx="minor">
+              <a:schemeClr val="lt1"/>
+            </a:fontRef>
+          </p:style>
+          <p:txBody>
+            <a:bodyPr rtlCol="0" anchor="ctr"/>
+            <a:lstStyle/>
+            <a:p>
+              <a:pPr algn="ctr"/>
+              <a:r>
+                <a:rPr lang="en-IN" dirty="0" smtClean="0">
+                  <a:solidFill>
+                    <a:schemeClr val="tx1"/>
+                  </a:solidFill>
+                </a:rPr>
+                <a:t>ADMIN</a:t>
+              </a:r>
+              <a:endParaRPr lang="en-IN" dirty="0">
+                <a:solidFill>
+                  <a:schemeClr val="tx1"/>
+                </a:solidFill>
+              </a:endParaRPr>
+            </a:p>
+          </p:txBody>
+        </p:sp>
         <p:cxnSp>
           <p:nvCxnSpPr>
-            <p:cNvPr id="67" name="Straight Arrow Connector 66"/>
+            <p:cNvPr id="12" name="Elbow Connector 11"/>
             <p:cNvCxnSpPr>
-              <a:endCxn id="6" idx="2"/>
+              <a:stCxn id="4" idx="3"/>
+              <a:endCxn id="5" idx="7"/>
             </p:cNvCxnSpPr>
             <p:nvPr/>
           </p:nvCxnSpPr>
           <p:spPr>
-            <a:xfrm flipV="1">
-              <a:off x="7772400" y="2362200"/>
-              <a:ext cx="0" cy="914400"/>
+            <a:xfrm>
+              <a:off x="5334000" y="990600"/>
+              <a:ext cx="144742" cy="1919988"/>
             </a:xfrm>
-            <a:prstGeom prst="straightConnector1">
+            <a:prstGeom prst="bentConnector2">
               <a:avLst/>
             </a:prstGeom>
             <a:ln>
@@ -3796,22 +3488,29 @@
         </p:cxnSp>
         <p:cxnSp>
           <p:nvCxnSpPr>
-            <p:cNvPr id="71" name="Straight Connector 70"/>
-            <p:cNvCxnSpPr/>
+            <p:cNvPr id="19" name="Elbow Connector 11"/>
+            <p:cNvCxnSpPr>
+              <a:stCxn id="7" idx="3"/>
+              <a:endCxn id="5" idx="4"/>
+            </p:cNvCxnSpPr>
             <p:nvPr/>
           </p:nvCxnSpPr>
           <p:spPr>
-            <a:xfrm>
-              <a:off x="5791200" y="3276600"/>
-              <a:ext cx="1981200" cy="0"/>
+            <a:xfrm flipH="1" flipV="1">
+              <a:off x="4724400" y="3886200"/>
+              <a:ext cx="914400" cy="1981200"/>
             </a:xfrm>
-            <a:prstGeom prst="line">
-              <a:avLst/>
+            <a:prstGeom prst="bentConnector4">
+              <a:avLst>
+                <a:gd name="adj1" fmla="val -25000"/>
+                <a:gd name="adj2" fmla="val 59615"/>
+              </a:avLst>
             </a:prstGeom>
             <a:ln>
               <a:solidFill>
                 <a:schemeClr val="tx1"/>
               </a:solidFill>
+              <a:tailEnd type="arrow"/>
             </a:ln>
           </p:spPr>
           <p:style>
@@ -3829,33 +3528,61 @@
             </a:fontRef>
           </p:style>
         </p:cxnSp>
-      </p:grpSp>
-      <p:grpSp>
-        <p:nvGrpSpPr>
-          <p:cNvPr id="80" name="Group 79"/>
-          <p:cNvGrpSpPr/>
-          <p:nvPr/>
-        </p:nvGrpSpPr>
-        <p:grpSpPr>
-          <a:xfrm>
-            <a:off x="1143000" y="2362200"/>
-            <a:ext cx="2514600" cy="914400"/>
-            <a:chOff x="7772400" y="2362200"/>
-            <a:chExt cx="2514600" cy="914400"/>
-          </a:xfrm>
-        </p:grpSpPr>
         <p:cxnSp>
           <p:nvCxnSpPr>
-            <p:cNvPr id="81" name="Straight Arrow Connector 80"/>
-            <p:cNvCxnSpPr/>
+            <p:cNvPr id="20" name="Elbow Connector 11"/>
+            <p:cNvCxnSpPr>
+              <a:endCxn id="7" idx="1"/>
+            </p:cNvCxnSpPr>
             <p:nvPr/>
           </p:nvCxnSpPr>
           <p:spPr>
-            <a:xfrm flipV="1">
-              <a:off x="7772400" y="2362200"/>
-              <a:ext cx="0" cy="914400"/>
+            <a:xfrm rot="5400000">
+              <a:off x="3162301" y="4533901"/>
+              <a:ext cx="1981198" cy="685800"/>
             </a:xfrm>
-            <a:prstGeom prst="straightConnector1">
+            <a:prstGeom prst="bentConnector4">
+              <a:avLst>
+                <a:gd name="adj1" fmla="val 40385"/>
+                <a:gd name="adj2" fmla="val 133333"/>
+              </a:avLst>
+            </a:prstGeom>
+            <a:ln>
+              <a:solidFill>
+                <a:schemeClr val="tx1"/>
+              </a:solidFill>
+              <a:tailEnd type="arrow"/>
+            </a:ln>
+          </p:spPr>
+          <p:style>
+            <a:lnRef idx="1">
+              <a:schemeClr val="accent1"/>
+            </a:lnRef>
+            <a:fillRef idx="0">
+              <a:schemeClr val="accent1"/>
+            </a:fillRef>
+            <a:effectRef idx="0">
+              <a:schemeClr val="accent1"/>
+            </a:effectRef>
+            <a:fontRef idx="minor">
+              <a:schemeClr val="tx1"/>
+            </a:fontRef>
+          </p:style>
+        </p:cxnSp>
+        <p:cxnSp>
+          <p:nvCxnSpPr>
+            <p:cNvPr id="21" name="Elbow Connector 11"/>
+            <p:cNvCxnSpPr>
+              <a:stCxn id="8" idx="0"/>
+            </p:cNvCxnSpPr>
+            <p:nvPr/>
+          </p:nvCxnSpPr>
+          <p:spPr>
+            <a:xfrm rot="16200000" flipV="1">
+              <a:off x="6644850" y="2606249"/>
+              <a:ext cx="609601" cy="2407501"/>
+            </a:xfrm>
+            <a:prstGeom prst="bentConnector2">
               <a:avLst/>
             </a:prstGeom>
             <a:ln>
@@ -3882,22 +3609,27 @@
         </p:cxnSp>
         <p:cxnSp>
           <p:nvCxnSpPr>
-            <p:cNvPr id="82" name="Straight Connector 81"/>
-            <p:cNvCxnSpPr/>
+            <p:cNvPr id="22" name="Elbow Connector 11"/>
+            <p:cNvCxnSpPr>
+              <a:stCxn id="9" idx="3"/>
+            </p:cNvCxnSpPr>
             <p:nvPr/>
           </p:nvCxnSpPr>
           <p:spPr>
-            <a:xfrm flipH="1">
-              <a:off x="7772400" y="3276600"/>
-              <a:ext cx="2514600" cy="0"/>
+            <a:xfrm>
+              <a:off x="2286000" y="1981200"/>
+              <a:ext cx="1447800" cy="1028700"/>
             </a:xfrm>
-            <a:prstGeom prst="line">
-              <a:avLst/>
+            <a:prstGeom prst="bentConnector3">
+              <a:avLst>
+                <a:gd name="adj1" fmla="val 50000"/>
+              </a:avLst>
             </a:prstGeom>
             <a:ln>
               <a:solidFill>
                 <a:schemeClr val="tx1"/>
               </a:solidFill>
+              <a:tailEnd type="arrow"/>
             </a:ln>
           </p:spPr>
           <p:style>
@@ -3915,640 +3647,784 @@
             </a:fontRef>
           </p:style>
         </p:cxnSp>
+        <p:cxnSp>
+          <p:nvCxnSpPr>
+            <p:cNvPr id="23" name="Elbow Connector 11"/>
+            <p:cNvCxnSpPr>
+              <a:stCxn id="5" idx="0"/>
+              <a:endCxn id="4" idx="2"/>
+            </p:cNvCxnSpPr>
+            <p:nvPr/>
+          </p:nvCxnSpPr>
+          <p:spPr>
+            <a:xfrm rot="16200000" flipV="1">
+              <a:off x="3886200" y="1905000"/>
+              <a:ext cx="1371600" cy="304800"/>
+            </a:xfrm>
+            <a:prstGeom prst="bentConnector3">
+              <a:avLst>
+                <a:gd name="adj1" fmla="val 50000"/>
+              </a:avLst>
+            </a:prstGeom>
+            <a:ln>
+              <a:solidFill>
+                <a:schemeClr val="tx1"/>
+              </a:solidFill>
+              <a:tailEnd type="arrow"/>
+            </a:ln>
+          </p:spPr>
+          <p:style>
+            <a:lnRef idx="1">
+              <a:schemeClr val="accent1"/>
+            </a:lnRef>
+            <a:fillRef idx="0">
+              <a:schemeClr val="accent1"/>
+            </a:fillRef>
+            <a:effectRef idx="0">
+              <a:schemeClr val="accent1"/>
+            </a:effectRef>
+            <a:fontRef idx="minor">
+              <a:schemeClr val="tx1"/>
+            </a:fontRef>
+          </p:style>
+        </p:cxnSp>
+        <p:cxnSp>
+          <p:nvCxnSpPr>
+            <p:cNvPr id="45" name="Elbow Connector 11"/>
+            <p:cNvCxnSpPr/>
+            <p:nvPr/>
+          </p:nvCxnSpPr>
+          <p:spPr>
+            <a:xfrm rot="10800000" flipV="1">
+              <a:off x="2514600" y="3657600"/>
+              <a:ext cx="1371600" cy="1143000"/>
+            </a:xfrm>
+            <a:prstGeom prst="bentConnector3">
+              <a:avLst>
+                <a:gd name="adj1" fmla="val 84872"/>
+              </a:avLst>
+            </a:prstGeom>
+            <a:ln>
+              <a:solidFill>
+                <a:schemeClr val="tx1"/>
+              </a:solidFill>
+              <a:tailEnd type="arrow"/>
+            </a:ln>
+          </p:spPr>
+          <p:style>
+            <a:lnRef idx="1">
+              <a:schemeClr val="accent1"/>
+            </a:lnRef>
+            <a:fillRef idx="0">
+              <a:schemeClr val="accent1"/>
+            </a:fillRef>
+            <a:effectRef idx="0">
+              <a:schemeClr val="accent1"/>
+            </a:effectRef>
+            <a:fontRef idx="minor">
+              <a:schemeClr val="tx1"/>
+            </a:fontRef>
+          </p:style>
+        </p:cxnSp>
+        <p:cxnSp>
+          <p:nvCxnSpPr>
+            <p:cNvPr id="49" name="Elbow Connector 11"/>
+            <p:cNvCxnSpPr>
+              <a:stCxn id="10" idx="0"/>
+            </p:cNvCxnSpPr>
+            <p:nvPr/>
+          </p:nvCxnSpPr>
+          <p:spPr>
+            <a:xfrm rot="5400000" flipH="1" flipV="1">
+              <a:off x="2171700" y="2933700"/>
+              <a:ext cx="914400" cy="2057400"/>
+            </a:xfrm>
+            <a:prstGeom prst="bentConnector2">
+              <a:avLst/>
+            </a:prstGeom>
+            <a:ln>
+              <a:solidFill>
+                <a:schemeClr val="tx1"/>
+              </a:solidFill>
+              <a:tailEnd type="arrow"/>
+            </a:ln>
+          </p:spPr>
+          <p:style>
+            <a:lnRef idx="1">
+              <a:schemeClr val="accent1"/>
+            </a:lnRef>
+            <a:fillRef idx="0">
+              <a:schemeClr val="accent1"/>
+            </a:fillRef>
+            <a:effectRef idx="0">
+              <a:schemeClr val="accent1"/>
+            </a:effectRef>
+            <a:fontRef idx="minor">
+              <a:schemeClr val="tx1"/>
+            </a:fontRef>
+          </p:style>
+        </p:cxnSp>
+        <p:cxnSp>
+          <p:nvCxnSpPr>
+            <p:cNvPr id="55" name="Elbow Connector 11"/>
+            <p:cNvCxnSpPr>
+              <a:stCxn id="5" idx="5"/>
+              <a:endCxn id="8" idx="1"/>
+            </p:cNvCxnSpPr>
+            <p:nvPr/>
+          </p:nvCxnSpPr>
+          <p:spPr>
+            <a:xfrm rot="16200000" flipH="1">
+              <a:off x="5970377" y="3227177"/>
+              <a:ext cx="776988" cy="1760258"/>
+            </a:xfrm>
+            <a:prstGeom prst="bentConnector2">
+              <a:avLst/>
+            </a:prstGeom>
+            <a:ln>
+              <a:solidFill>
+                <a:schemeClr val="tx1"/>
+              </a:solidFill>
+              <a:tailEnd type="arrow"/>
+            </a:ln>
+          </p:spPr>
+          <p:style>
+            <a:lnRef idx="1">
+              <a:schemeClr val="accent1"/>
+            </a:lnRef>
+            <a:fillRef idx="0">
+              <a:schemeClr val="accent1"/>
+            </a:fillRef>
+            <a:effectRef idx="0">
+              <a:schemeClr val="accent1"/>
+            </a:effectRef>
+            <a:fontRef idx="minor">
+              <a:schemeClr val="tx1"/>
+            </a:fontRef>
+          </p:style>
+        </p:cxnSp>
+        <p:grpSp>
+          <p:nvGrpSpPr>
+            <p:cNvPr id="80" name="Group 79"/>
+            <p:cNvGrpSpPr/>
+            <p:nvPr/>
+          </p:nvGrpSpPr>
+          <p:grpSpPr>
+            <a:xfrm>
+              <a:off x="1143000" y="2362200"/>
+              <a:ext cx="2514600" cy="914400"/>
+              <a:chOff x="7772400" y="2362200"/>
+              <a:chExt cx="2514600" cy="914400"/>
+            </a:xfrm>
+          </p:grpSpPr>
+          <p:cxnSp>
+            <p:nvCxnSpPr>
+              <p:cNvPr id="81" name="Straight Arrow Connector 80"/>
+              <p:cNvCxnSpPr/>
+              <p:nvPr/>
+            </p:nvCxnSpPr>
+            <p:spPr>
+              <a:xfrm flipV="1">
+                <a:off x="7772400" y="2362200"/>
+                <a:ext cx="0" cy="914400"/>
+              </a:xfrm>
+              <a:prstGeom prst="straightConnector1">
+                <a:avLst/>
+              </a:prstGeom>
+              <a:ln>
+                <a:solidFill>
+                  <a:schemeClr val="tx1"/>
+                </a:solidFill>
+                <a:tailEnd type="arrow"/>
+              </a:ln>
+            </p:spPr>
+            <p:style>
+              <a:lnRef idx="1">
+                <a:schemeClr val="accent1"/>
+              </a:lnRef>
+              <a:fillRef idx="0">
+                <a:schemeClr val="accent1"/>
+              </a:fillRef>
+              <a:effectRef idx="0">
+                <a:schemeClr val="accent1"/>
+              </a:effectRef>
+              <a:fontRef idx="minor">
+                <a:schemeClr val="tx1"/>
+              </a:fontRef>
+            </p:style>
+          </p:cxnSp>
+          <p:cxnSp>
+            <p:nvCxnSpPr>
+              <p:cNvPr id="82" name="Straight Connector 81"/>
+              <p:cNvCxnSpPr/>
+              <p:nvPr/>
+            </p:nvCxnSpPr>
+            <p:spPr>
+              <a:xfrm flipH="1">
+                <a:off x="7772400" y="3276600"/>
+                <a:ext cx="2514600" cy="0"/>
+              </a:xfrm>
+              <a:prstGeom prst="line">
+                <a:avLst/>
+              </a:prstGeom>
+              <a:ln>
+                <a:solidFill>
+                  <a:schemeClr val="tx1"/>
+                </a:solidFill>
+              </a:ln>
+            </p:spPr>
+            <p:style>
+              <a:lnRef idx="1">
+                <a:schemeClr val="accent1"/>
+              </a:lnRef>
+              <a:fillRef idx="0">
+                <a:schemeClr val="accent1"/>
+              </a:fillRef>
+              <a:effectRef idx="0">
+                <a:schemeClr val="accent1"/>
+              </a:effectRef>
+              <a:fontRef idx="minor">
+                <a:schemeClr val="tx1"/>
+              </a:fontRef>
+            </p:style>
+          </p:cxnSp>
+        </p:grpSp>
+        <p:sp>
+          <p:nvSpPr>
+            <p:cNvPr id="88" name="TextBox 87"/>
+            <p:cNvSpPr txBox="1"/>
+            <p:nvPr/>
+          </p:nvSpPr>
+          <p:spPr>
+            <a:xfrm>
+              <a:off x="7620000" y="2143034"/>
+              <a:ext cx="972830" cy="1200329"/>
+            </a:xfrm>
+            <a:prstGeom prst="rect">
+              <a:avLst/>
+            </a:prstGeom>
+            <a:noFill/>
+          </p:spPr>
+          <p:txBody>
+            <a:bodyPr wrap="none" rtlCol="0">
+              <a:spAutoFit/>
+            </a:bodyPr>
+            <a:lstStyle/>
+            <a:p>
+              <a:r>
+                <a:rPr lang="en-US" dirty="0" smtClean="0"/>
+                <a:t>Product </a:t>
+              </a:r>
+            </a:p>
+            <a:p>
+              <a:r>
+                <a:rPr lang="en-US" dirty="0" smtClean="0"/>
+                <a:t>and </a:t>
+              </a:r>
+            </a:p>
+            <a:p>
+              <a:r>
+                <a:rPr lang="en-US" dirty="0" smtClean="0"/>
+                <a:t>shop</a:t>
+              </a:r>
+            </a:p>
+            <a:p>
+              <a:r>
+                <a:rPr lang="en-US" dirty="0" smtClean="0"/>
+                <a:t> info</a:t>
+              </a:r>
+              <a:endParaRPr lang="en-IN" dirty="0"/>
+            </a:p>
+          </p:txBody>
+        </p:sp>
+        <p:sp>
+          <p:nvSpPr>
+            <p:cNvPr id="95" name="TextBox 94"/>
+            <p:cNvSpPr txBox="1"/>
+            <p:nvPr/>
+          </p:nvSpPr>
+          <p:spPr>
+            <a:xfrm rot="16200000">
+              <a:off x="3489480" y="1889280"/>
+              <a:ext cx="1338508" cy="369332"/>
+            </a:xfrm>
+            <a:prstGeom prst="rect">
+              <a:avLst/>
+            </a:prstGeom>
+            <a:noFill/>
+          </p:spPr>
+          <p:txBody>
+            <a:bodyPr wrap="none" rtlCol="0">
+              <a:spAutoFit/>
+            </a:bodyPr>
+            <a:lstStyle/>
+            <a:p>
+              <a:r>
+                <a:rPr lang="en-US" dirty="0" smtClean="0"/>
+                <a:t>Product Info</a:t>
+              </a:r>
+              <a:endParaRPr lang="en-IN" dirty="0" smtClean="0"/>
+            </a:p>
+          </p:txBody>
+        </p:sp>
+        <p:sp>
+          <p:nvSpPr>
+            <p:cNvPr id="96" name="TextBox 95"/>
+            <p:cNvSpPr txBox="1"/>
+            <p:nvPr/>
+          </p:nvSpPr>
+          <p:spPr>
+            <a:xfrm rot="5400000">
+              <a:off x="5091189" y="1625458"/>
+              <a:ext cx="1589153" cy="646331"/>
+            </a:xfrm>
+            <a:prstGeom prst="rect">
+              <a:avLst/>
+            </a:prstGeom>
+            <a:noFill/>
+          </p:spPr>
+          <p:txBody>
+            <a:bodyPr wrap="none" rtlCol="0">
+              <a:spAutoFit/>
+            </a:bodyPr>
+            <a:lstStyle/>
+            <a:p>
+              <a:r>
+                <a:rPr lang="en-US" dirty="0" smtClean="0"/>
+                <a:t>Product details</a:t>
+              </a:r>
+            </a:p>
+            <a:p>
+              <a:r>
+                <a:rPr lang="en-US" dirty="0" smtClean="0"/>
+                <a:t>availability</a:t>
+              </a:r>
+              <a:endParaRPr lang="en-IN" dirty="0" smtClean="0"/>
+            </a:p>
+          </p:txBody>
+        </p:sp>
+        <p:sp>
+          <p:nvSpPr>
+            <p:cNvPr id="97" name="TextBox 96"/>
+            <p:cNvSpPr txBox="1"/>
+            <p:nvPr/>
+          </p:nvSpPr>
+          <p:spPr>
+            <a:xfrm>
+              <a:off x="2226172" y="2057400"/>
+              <a:ext cx="821828" cy="646331"/>
+            </a:xfrm>
+            <a:prstGeom prst="rect">
+              <a:avLst/>
+            </a:prstGeom>
+            <a:noFill/>
+          </p:spPr>
+          <p:txBody>
+            <a:bodyPr wrap="none" rtlCol="0">
+              <a:spAutoFit/>
+            </a:bodyPr>
+            <a:lstStyle/>
+            <a:p>
+              <a:r>
+                <a:rPr lang="en-US" dirty="0" smtClean="0"/>
+                <a:t>Shop </a:t>
+              </a:r>
+            </a:p>
+            <a:p>
+              <a:r>
+                <a:rPr lang="en-US" dirty="0" smtClean="0"/>
+                <a:t>Details</a:t>
+              </a:r>
+              <a:endParaRPr lang="en-IN" dirty="0" smtClean="0"/>
+            </a:p>
+          </p:txBody>
+        </p:sp>
+        <p:sp>
+          <p:nvSpPr>
+            <p:cNvPr id="98" name="TextBox 97"/>
+            <p:cNvSpPr txBox="1"/>
+            <p:nvPr/>
+          </p:nvSpPr>
+          <p:spPr>
+            <a:xfrm>
+              <a:off x="1143000" y="2667000"/>
+              <a:ext cx="1459502" cy="646331"/>
+            </a:xfrm>
+            <a:prstGeom prst="rect">
+              <a:avLst/>
+            </a:prstGeom>
+            <a:noFill/>
+          </p:spPr>
+          <p:txBody>
+            <a:bodyPr wrap="none" rtlCol="0">
+              <a:spAutoFit/>
+            </a:bodyPr>
+            <a:lstStyle/>
+            <a:p>
+              <a:r>
+                <a:rPr lang="en-US" dirty="0" smtClean="0"/>
+                <a:t>Product</a:t>
+              </a:r>
+            </a:p>
+            <a:p>
+              <a:r>
+                <a:rPr lang="en-US" dirty="0" smtClean="0"/>
+                <a:t>Requirement </a:t>
+              </a:r>
+              <a:endParaRPr lang="en-IN" dirty="0" smtClean="0"/>
+            </a:p>
+          </p:txBody>
+        </p:sp>
+        <p:sp>
+          <p:nvSpPr>
+            <p:cNvPr id="99" name="TextBox 98"/>
+            <p:cNvSpPr txBox="1"/>
+            <p:nvPr/>
+          </p:nvSpPr>
+          <p:spPr>
+            <a:xfrm>
+              <a:off x="609601" y="3461266"/>
+              <a:ext cx="1371599" cy="923330"/>
+            </a:xfrm>
+            <a:prstGeom prst="rect">
+              <a:avLst/>
+            </a:prstGeom>
+            <a:noFill/>
+          </p:spPr>
+          <p:txBody>
+            <a:bodyPr wrap="square" rtlCol="0">
+              <a:spAutoFit/>
+            </a:bodyPr>
+            <a:lstStyle/>
+            <a:p>
+              <a:r>
+                <a:rPr lang="en-US" dirty="0" smtClean="0"/>
+                <a:t>Grant Or </a:t>
+              </a:r>
+            </a:p>
+            <a:p>
+              <a:r>
+                <a:rPr lang="en-US" dirty="0" smtClean="0"/>
+                <a:t>Reject Request</a:t>
+              </a:r>
+              <a:endParaRPr lang="en-IN" dirty="0" smtClean="0"/>
+            </a:p>
+          </p:txBody>
+        </p:sp>
+        <p:sp>
+          <p:nvSpPr>
+            <p:cNvPr id="100" name="TextBox 99"/>
+            <p:cNvSpPr txBox="1"/>
+            <p:nvPr/>
+          </p:nvSpPr>
+          <p:spPr>
+            <a:xfrm>
+              <a:off x="2743200" y="3733800"/>
+              <a:ext cx="1096872" cy="923330"/>
+            </a:xfrm>
+            <a:prstGeom prst="rect">
+              <a:avLst/>
+            </a:prstGeom>
+            <a:noFill/>
+          </p:spPr>
+          <p:txBody>
+            <a:bodyPr wrap="square" rtlCol="0">
+              <a:spAutoFit/>
+            </a:bodyPr>
+            <a:lstStyle/>
+            <a:p>
+              <a:r>
+                <a:rPr lang="en-US" dirty="0" smtClean="0"/>
+                <a:t>Ask for </a:t>
+              </a:r>
+            </a:p>
+            <a:p>
+              <a:r>
+                <a:rPr lang="en-US" dirty="0" err="1" smtClean="0"/>
+                <a:t>Authen</a:t>
+              </a:r>
+              <a:r>
+                <a:rPr lang="en-US" dirty="0" smtClean="0"/>
+                <a:t>-</a:t>
+              </a:r>
+            </a:p>
+            <a:p>
+              <a:r>
+                <a:rPr lang="en-US" dirty="0" err="1" smtClean="0"/>
+                <a:t>tication</a:t>
+              </a:r>
+              <a:endParaRPr lang="en-IN" dirty="0" smtClean="0"/>
+            </a:p>
+          </p:txBody>
+        </p:sp>
+        <p:sp>
+          <p:nvSpPr>
+            <p:cNvPr id="101" name="TextBox 100"/>
+            <p:cNvSpPr txBox="1"/>
+            <p:nvPr/>
+          </p:nvSpPr>
+          <p:spPr>
+            <a:xfrm>
+              <a:off x="3578843" y="4724400"/>
+              <a:ext cx="993157" cy="646331"/>
+            </a:xfrm>
+            <a:prstGeom prst="rect">
+              <a:avLst/>
+            </a:prstGeom>
+            <a:noFill/>
+          </p:spPr>
+          <p:txBody>
+            <a:bodyPr wrap="none" rtlCol="0">
+              <a:spAutoFit/>
+            </a:bodyPr>
+            <a:lstStyle/>
+            <a:p>
+              <a:r>
+                <a:rPr lang="en-US" dirty="0" smtClean="0"/>
+                <a:t>Get Info </a:t>
+              </a:r>
+            </a:p>
+            <a:p>
+              <a:r>
+                <a:rPr lang="en-US" dirty="0" smtClean="0"/>
+                <a:t>Product</a:t>
+              </a:r>
+              <a:endParaRPr lang="en-IN" dirty="0" smtClean="0"/>
+            </a:p>
+          </p:txBody>
+        </p:sp>
+        <p:sp>
+          <p:nvSpPr>
+            <p:cNvPr id="102" name="TextBox 101"/>
+            <p:cNvSpPr txBox="1"/>
+            <p:nvPr/>
+          </p:nvSpPr>
+          <p:spPr>
+            <a:xfrm>
+              <a:off x="5791200" y="5064202"/>
+              <a:ext cx="1074140" cy="646331"/>
+            </a:xfrm>
+            <a:prstGeom prst="rect">
+              <a:avLst/>
+            </a:prstGeom>
+            <a:noFill/>
+          </p:spPr>
+          <p:txBody>
+            <a:bodyPr wrap="none" rtlCol="0">
+              <a:spAutoFit/>
+            </a:bodyPr>
+            <a:lstStyle/>
+            <a:p>
+              <a:r>
+                <a:rPr lang="en-US" dirty="0" smtClean="0"/>
+                <a:t>Provide </a:t>
+              </a:r>
+            </a:p>
+            <a:p>
+              <a:r>
+                <a:rPr lang="en-US" dirty="0" smtClean="0"/>
+                <a:t>Feedback</a:t>
+              </a:r>
+              <a:endParaRPr lang="en-IN" dirty="0" smtClean="0"/>
+            </a:p>
+          </p:txBody>
+        </p:sp>
+        <p:sp>
+          <p:nvSpPr>
+            <p:cNvPr id="103" name="TextBox 102"/>
+            <p:cNvSpPr txBox="1"/>
+            <p:nvPr/>
+          </p:nvSpPr>
+          <p:spPr>
+            <a:xfrm>
+              <a:off x="5638800" y="3880004"/>
+              <a:ext cx="1493101" cy="646331"/>
+            </a:xfrm>
+            <a:prstGeom prst="rect">
+              <a:avLst/>
+            </a:prstGeom>
+            <a:noFill/>
+          </p:spPr>
+          <p:txBody>
+            <a:bodyPr wrap="none" rtlCol="0">
+              <a:spAutoFit/>
+            </a:bodyPr>
+            <a:lstStyle/>
+            <a:p>
+              <a:r>
+                <a:rPr lang="en-US" dirty="0" smtClean="0"/>
+                <a:t>Acknowledge </a:t>
+              </a:r>
+            </a:p>
+            <a:p>
+              <a:r>
+                <a:rPr lang="en-US" dirty="0" smtClean="0"/>
+                <a:t>Feedback</a:t>
+              </a:r>
+              <a:endParaRPr lang="en-IN" dirty="0" smtClean="0"/>
+            </a:p>
+          </p:txBody>
+        </p:sp>
+        <p:sp>
+          <p:nvSpPr>
+            <p:cNvPr id="104" name="TextBox 103"/>
+            <p:cNvSpPr txBox="1"/>
+            <p:nvPr/>
+          </p:nvSpPr>
+          <p:spPr>
+            <a:xfrm>
+              <a:off x="8187607" y="3395645"/>
+              <a:ext cx="902298" cy="646331"/>
+            </a:xfrm>
+            <a:prstGeom prst="rect">
+              <a:avLst/>
+            </a:prstGeom>
+            <a:noFill/>
+          </p:spPr>
+          <p:txBody>
+            <a:bodyPr wrap="none" rtlCol="0">
+              <a:spAutoFit/>
+            </a:bodyPr>
+            <a:lstStyle/>
+            <a:p>
+              <a:r>
+                <a:rPr lang="en-US" dirty="0" smtClean="0"/>
+                <a:t>review</a:t>
+              </a:r>
+              <a:r>
+                <a:rPr lang="en-US" dirty="0" smtClean="0"/>
+                <a:t>/</a:t>
+              </a:r>
+            </a:p>
+            <a:p>
+              <a:r>
+                <a:rPr lang="en-US" dirty="0" smtClean="0"/>
+                <a:t>rating</a:t>
+              </a:r>
+              <a:endParaRPr lang="en-IN" dirty="0" smtClean="0"/>
+            </a:p>
+          </p:txBody>
+        </p:sp>
+        <p:cxnSp>
+          <p:nvCxnSpPr>
+            <p:cNvPr id="24" name="Elbow Connector 23"/>
+            <p:cNvCxnSpPr>
+              <a:endCxn id="6" idx="1"/>
+            </p:cNvCxnSpPr>
+            <p:nvPr/>
+          </p:nvCxnSpPr>
+          <p:spPr>
+            <a:xfrm flipV="1">
+              <a:off x="5730229" y="1824336"/>
+              <a:ext cx="1356371" cy="1263132"/>
+            </a:xfrm>
+            <a:prstGeom prst="bentConnector3">
+              <a:avLst/>
+            </a:prstGeom>
+            <a:ln>
+              <a:tailEnd type="triangle"/>
+            </a:ln>
+          </p:spPr>
+          <p:style>
+            <a:lnRef idx="1">
+              <a:schemeClr val="dk1"/>
+            </a:lnRef>
+            <a:fillRef idx="0">
+              <a:schemeClr val="dk1"/>
+            </a:fillRef>
+            <a:effectRef idx="0">
+              <a:schemeClr val="dk1"/>
+            </a:effectRef>
+            <a:fontRef idx="minor">
+              <a:schemeClr val="tx1"/>
+            </a:fontRef>
+          </p:style>
+        </p:cxnSp>
+        <p:cxnSp>
+          <p:nvCxnSpPr>
+            <p:cNvPr id="52" name="Elbow Connector 51"/>
+            <p:cNvCxnSpPr>
+              <a:stCxn id="6" idx="2"/>
+              <a:endCxn id="5" idx="6"/>
+            </p:cNvCxnSpPr>
+            <p:nvPr/>
+          </p:nvCxnSpPr>
+          <p:spPr>
+            <a:xfrm rot="5400000">
+              <a:off x="6072486" y="1767185"/>
+              <a:ext cx="1266229" cy="1828800"/>
+            </a:xfrm>
+            <a:prstGeom prst="bentConnector2">
+              <a:avLst/>
+            </a:prstGeom>
+            <a:ln>
+              <a:tailEnd type="triangle"/>
+            </a:ln>
+          </p:spPr>
+          <p:style>
+            <a:lnRef idx="1">
+              <a:schemeClr val="dk1"/>
+            </a:lnRef>
+            <a:fillRef idx="0">
+              <a:schemeClr val="dk1"/>
+            </a:fillRef>
+            <a:effectRef idx="0">
+              <a:schemeClr val="dk1"/>
+            </a:effectRef>
+            <a:fontRef idx="minor">
+              <a:schemeClr val="tx1"/>
+            </a:fontRef>
+          </p:style>
+        </p:cxnSp>
+        <p:sp>
+          <p:nvSpPr>
+            <p:cNvPr id="62" name="TextBox 61"/>
+            <p:cNvSpPr txBox="1"/>
+            <p:nvPr/>
+          </p:nvSpPr>
+          <p:spPr>
+            <a:xfrm>
+              <a:off x="6447786" y="2111273"/>
+              <a:ext cx="972830" cy="1200329"/>
+            </a:xfrm>
+            <a:prstGeom prst="rect">
+              <a:avLst/>
+            </a:prstGeom>
+            <a:noFill/>
+          </p:spPr>
+          <p:txBody>
+            <a:bodyPr wrap="none" rtlCol="0">
+              <a:spAutoFit/>
+            </a:bodyPr>
+            <a:lstStyle/>
+            <a:p>
+              <a:r>
+                <a:rPr lang="en-US" dirty="0" smtClean="0"/>
+                <a:t>Product </a:t>
+              </a:r>
+            </a:p>
+            <a:p>
+              <a:r>
+                <a:rPr lang="en-US" dirty="0" smtClean="0"/>
+                <a:t>and </a:t>
+              </a:r>
+            </a:p>
+            <a:p>
+              <a:r>
+                <a:rPr lang="en-US" dirty="0" smtClean="0"/>
+                <a:t>shop</a:t>
+              </a:r>
+            </a:p>
+            <a:p>
+              <a:r>
+                <a:rPr lang="en-US" dirty="0" smtClean="0"/>
+                <a:t> Update</a:t>
+              </a:r>
+              <a:endParaRPr lang="en-IN" dirty="0"/>
+            </a:p>
+          </p:txBody>
+        </p:sp>
       </p:grpSp>
-      <p:sp>
-        <p:nvSpPr>
-          <p:cNvPr id="87" name="TextBox 86"/>
-          <p:cNvSpPr txBox="1"/>
-          <p:nvPr/>
-        </p:nvSpPr>
-        <p:spPr>
-          <a:xfrm>
-            <a:off x="7239000" y="1752600"/>
-            <a:ext cx="1133837" cy="369332"/>
-          </a:xfrm>
-          <a:prstGeom prst="rect">
-            <a:avLst/>
-          </a:prstGeom>
-          <a:noFill/>
-        </p:spPr>
-        <p:txBody>
-          <a:bodyPr wrap="none" rtlCol="0">
-            <a:spAutoFit/>
-          </a:bodyPr>
-          <a:lstStyle/>
-          <a:p>
-            <a:r>
-              <a:rPr lang="en-US" dirty="0" smtClean="0"/>
-              <a:t>Web sync </a:t>
-            </a:r>
-            <a:endParaRPr lang="en-IN" dirty="0" smtClean="0"/>
-          </a:p>
-        </p:txBody>
-      </p:sp>
-      <p:sp>
-        <p:nvSpPr>
-          <p:cNvPr id="88" name="TextBox 87"/>
-          <p:cNvSpPr txBox="1"/>
-          <p:nvPr/>
-        </p:nvSpPr>
-        <p:spPr>
-          <a:xfrm>
-            <a:off x="7772400" y="2514600"/>
-            <a:ext cx="790986" cy="646331"/>
-          </a:xfrm>
-          <a:prstGeom prst="rect">
-            <a:avLst/>
-          </a:prstGeom>
-          <a:noFill/>
-        </p:spPr>
-        <p:txBody>
-          <a:bodyPr wrap="none" rtlCol="0">
-            <a:spAutoFit/>
-          </a:bodyPr>
-          <a:lstStyle/>
-          <a:p>
-            <a:r>
-              <a:rPr lang="en-US" dirty="0" smtClean="0"/>
-              <a:t>Get </a:t>
-            </a:r>
-            <a:r>
-              <a:rPr lang="en-US" dirty="0" smtClean="0"/>
-              <a:t>all</a:t>
-            </a:r>
-          </a:p>
-          <a:p>
-            <a:r>
-              <a:rPr lang="en-US" dirty="0" smtClean="0"/>
-              <a:t>info</a:t>
-            </a:r>
-            <a:endParaRPr lang="en-IN" dirty="0"/>
-          </a:p>
-        </p:txBody>
-      </p:sp>
-      <p:sp>
-        <p:nvSpPr>
-          <p:cNvPr id="89" name="TextBox 88"/>
-          <p:cNvSpPr txBox="1"/>
-          <p:nvPr/>
-        </p:nvSpPr>
-        <p:spPr>
-          <a:xfrm>
-            <a:off x="4114800" y="533400"/>
-            <a:ext cx="919932" cy="369332"/>
-          </a:xfrm>
-          <a:prstGeom prst="rect">
-            <a:avLst/>
-          </a:prstGeom>
-          <a:noFill/>
-        </p:spPr>
-        <p:txBody>
-          <a:bodyPr wrap="none" rtlCol="0">
-            <a:spAutoFit/>
-          </a:bodyPr>
-          <a:lstStyle/>
-          <a:p>
-            <a:r>
-              <a:rPr lang="en-US" dirty="0" smtClean="0"/>
-              <a:t>Product</a:t>
-            </a:r>
-            <a:endParaRPr lang="en-IN" dirty="0" smtClean="0"/>
-          </a:p>
-        </p:txBody>
-      </p:sp>
-      <p:sp>
-        <p:nvSpPr>
-          <p:cNvPr id="90" name="TextBox 89"/>
-          <p:cNvSpPr txBox="1"/>
-          <p:nvPr/>
-        </p:nvSpPr>
-        <p:spPr>
-          <a:xfrm>
-            <a:off x="1066800" y="1752600"/>
-            <a:ext cx="655949" cy="369332"/>
-          </a:xfrm>
-          <a:prstGeom prst="rect">
-            <a:avLst/>
-          </a:prstGeom>
-          <a:noFill/>
-        </p:spPr>
-        <p:txBody>
-          <a:bodyPr wrap="none" rtlCol="0">
-            <a:spAutoFit/>
-          </a:bodyPr>
-          <a:lstStyle/>
-          <a:p>
-            <a:r>
-              <a:rPr lang="en-US" dirty="0" smtClean="0"/>
-              <a:t>Shop</a:t>
-            </a:r>
-            <a:endParaRPr lang="en-IN" dirty="0" smtClean="0"/>
-          </a:p>
-        </p:txBody>
-      </p:sp>
-      <p:sp>
-        <p:nvSpPr>
-          <p:cNvPr id="91" name="TextBox 90"/>
-          <p:cNvSpPr txBox="1"/>
-          <p:nvPr/>
-        </p:nvSpPr>
-        <p:spPr>
-          <a:xfrm>
-            <a:off x="1219200" y="4572000"/>
-            <a:ext cx="798617" cy="369332"/>
-          </a:xfrm>
-          <a:prstGeom prst="rect">
-            <a:avLst/>
-          </a:prstGeom>
-          <a:noFill/>
-        </p:spPr>
-        <p:txBody>
-          <a:bodyPr wrap="none" rtlCol="0">
-            <a:spAutoFit/>
-          </a:bodyPr>
-          <a:lstStyle/>
-          <a:p>
-            <a:r>
-              <a:rPr lang="en-US" dirty="0" smtClean="0"/>
-              <a:t>Admin</a:t>
-            </a:r>
-            <a:endParaRPr lang="en-IN" dirty="0" smtClean="0"/>
-          </a:p>
-        </p:txBody>
-      </p:sp>
-      <p:sp>
-        <p:nvSpPr>
-          <p:cNvPr id="92" name="TextBox 91"/>
-          <p:cNvSpPr txBox="1"/>
-          <p:nvPr/>
-        </p:nvSpPr>
-        <p:spPr>
-          <a:xfrm>
-            <a:off x="3947171" y="2886670"/>
-            <a:ext cx="1624164" cy="923330"/>
-          </a:xfrm>
-          <a:prstGeom prst="rect">
-            <a:avLst/>
-          </a:prstGeom>
-          <a:noFill/>
-        </p:spPr>
-        <p:txBody>
-          <a:bodyPr wrap="none" rtlCol="0">
-            <a:spAutoFit/>
-          </a:bodyPr>
-          <a:lstStyle/>
-          <a:p>
-            <a:pPr algn="ctr"/>
-            <a:r>
-              <a:rPr lang="en-US" b="1" dirty="0" smtClean="0"/>
-              <a:t>Shopping Mall </a:t>
-            </a:r>
-          </a:p>
-          <a:p>
-            <a:pPr algn="ctr"/>
-            <a:r>
-              <a:rPr lang="en-US" b="1" dirty="0" smtClean="0"/>
-              <a:t>Management </a:t>
-            </a:r>
-          </a:p>
-          <a:p>
-            <a:pPr algn="ctr"/>
-            <a:r>
-              <a:rPr lang="en-US" b="1" dirty="0" smtClean="0"/>
-              <a:t>System</a:t>
-            </a:r>
-            <a:endParaRPr lang="en-IN" b="1" dirty="0" smtClean="0"/>
-          </a:p>
-        </p:txBody>
-      </p:sp>
-      <p:sp>
-        <p:nvSpPr>
-          <p:cNvPr id="93" name="TextBox 92"/>
-          <p:cNvSpPr txBox="1"/>
-          <p:nvPr/>
-        </p:nvSpPr>
-        <p:spPr>
-          <a:xfrm>
-            <a:off x="4191000" y="5638800"/>
-            <a:ext cx="1093569" cy="369332"/>
-          </a:xfrm>
-          <a:prstGeom prst="rect">
-            <a:avLst/>
-          </a:prstGeom>
-          <a:noFill/>
-        </p:spPr>
-        <p:txBody>
-          <a:bodyPr wrap="none" rtlCol="0">
-            <a:spAutoFit/>
-          </a:bodyPr>
-          <a:lstStyle/>
-          <a:p>
-            <a:r>
-              <a:rPr lang="en-US" dirty="0" smtClean="0"/>
-              <a:t>Customer</a:t>
-            </a:r>
-            <a:endParaRPr lang="en-IN" dirty="0" smtClean="0"/>
-          </a:p>
-        </p:txBody>
-      </p:sp>
-      <p:sp>
-        <p:nvSpPr>
-          <p:cNvPr id="94" name="TextBox 93"/>
-          <p:cNvSpPr txBox="1"/>
-          <p:nvPr/>
-        </p:nvSpPr>
-        <p:spPr>
-          <a:xfrm>
-            <a:off x="7010400" y="4495800"/>
-            <a:ext cx="1540358" cy="369332"/>
-          </a:xfrm>
-          <a:prstGeom prst="rect">
-            <a:avLst/>
-          </a:prstGeom>
-          <a:noFill/>
-        </p:spPr>
-        <p:txBody>
-          <a:bodyPr wrap="none" rtlCol="0">
-            <a:spAutoFit/>
-          </a:bodyPr>
-          <a:lstStyle/>
-          <a:p>
-            <a:r>
-              <a:rPr lang="en-US" dirty="0" smtClean="0"/>
-              <a:t>Review/Rating</a:t>
-            </a:r>
-            <a:endParaRPr lang="en-IN" dirty="0" smtClean="0"/>
-          </a:p>
-        </p:txBody>
-      </p:sp>
-      <p:sp>
-        <p:nvSpPr>
-          <p:cNvPr id="95" name="TextBox 94"/>
-          <p:cNvSpPr txBox="1"/>
-          <p:nvPr/>
-        </p:nvSpPr>
-        <p:spPr>
-          <a:xfrm>
-            <a:off x="2133600" y="914400"/>
-            <a:ext cx="1338508" cy="369332"/>
-          </a:xfrm>
-          <a:prstGeom prst="rect">
-            <a:avLst/>
-          </a:prstGeom>
-          <a:noFill/>
-        </p:spPr>
-        <p:txBody>
-          <a:bodyPr wrap="none" rtlCol="0">
-            <a:spAutoFit/>
-          </a:bodyPr>
-          <a:lstStyle/>
-          <a:p>
-            <a:r>
-              <a:rPr lang="en-US" dirty="0" smtClean="0"/>
-              <a:t>Product Info</a:t>
-            </a:r>
-            <a:endParaRPr lang="en-IN" dirty="0" smtClean="0"/>
-          </a:p>
-        </p:txBody>
-      </p:sp>
-      <p:sp>
-        <p:nvSpPr>
-          <p:cNvPr id="96" name="TextBox 95"/>
-          <p:cNvSpPr txBox="1"/>
-          <p:nvPr/>
-        </p:nvSpPr>
-        <p:spPr>
-          <a:xfrm>
-            <a:off x="5726047" y="801469"/>
-            <a:ext cx="1589153" cy="646331"/>
-          </a:xfrm>
-          <a:prstGeom prst="rect">
-            <a:avLst/>
-          </a:prstGeom>
-          <a:noFill/>
-        </p:spPr>
-        <p:txBody>
-          <a:bodyPr wrap="none" rtlCol="0">
-            <a:spAutoFit/>
-          </a:bodyPr>
-          <a:lstStyle/>
-          <a:p>
-            <a:r>
-              <a:rPr lang="en-US" dirty="0" smtClean="0"/>
-              <a:t>Product details</a:t>
-            </a:r>
-          </a:p>
-          <a:p>
-            <a:r>
-              <a:rPr lang="en-US" dirty="0" smtClean="0"/>
-              <a:t>availability</a:t>
-            </a:r>
-            <a:endParaRPr lang="en-IN" dirty="0" smtClean="0"/>
-          </a:p>
-        </p:txBody>
-      </p:sp>
-      <p:sp>
-        <p:nvSpPr>
-          <p:cNvPr id="97" name="TextBox 96"/>
-          <p:cNvSpPr txBox="1"/>
-          <p:nvPr/>
-        </p:nvSpPr>
-        <p:spPr>
-          <a:xfrm>
-            <a:off x="2226172" y="2057400"/>
-            <a:ext cx="821828" cy="646331"/>
-          </a:xfrm>
-          <a:prstGeom prst="rect">
-            <a:avLst/>
-          </a:prstGeom>
-          <a:noFill/>
-        </p:spPr>
-        <p:txBody>
-          <a:bodyPr wrap="none" rtlCol="0">
-            <a:spAutoFit/>
-          </a:bodyPr>
-          <a:lstStyle/>
-          <a:p>
-            <a:r>
-              <a:rPr lang="en-US" dirty="0" smtClean="0"/>
-              <a:t>Shop </a:t>
-            </a:r>
-          </a:p>
-          <a:p>
-            <a:r>
-              <a:rPr lang="en-US" dirty="0" smtClean="0"/>
-              <a:t>Details</a:t>
-            </a:r>
-            <a:endParaRPr lang="en-IN" dirty="0" smtClean="0"/>
-          </a:p>
-        </p:txBody>
-      </p:sp>
-      <p:sp>
-        <p:nvSpPr>
-          <p:cNvPr id="98" name="TextBox 97"/>
-          <p:cNvSpPr txBox="1"/>
-          <p:nvPr/>
-        </p:nvSpPr>
-        <p:spPr>
-          <a:xfrm>
-            <a:off x="1143000" y="2667000"/>
-            <a:ext cx="1459502" cy="646331"/>
-          </a:xfrm>
-          <a:prstGeom prst="rect">
-            <a:avLst/>
-          </a:prstGeom>
-          <a:noFill/>
-        </p:spPr>
-        <p:txBody>
-          <a:bodyPr wrap="none" rtlCol="0">
-            <a:spAutoFit/>
-          </a:bodyPr>
-          <a:lstStyle/>
-          <a:p>
-            <a:r>
-              <a:rPr lang="en-US" dirty="0" smtClean="0"/>
-              <a:t>Product</a:t>
-            </a:r>
-          </a:p>
-          <a:p>
-            <a:r>
-              <a:rPr lang="en-US" dirty="0" smtClean="0"/>
-              <a:t>Requirement </a:t>
-            </a:r>
-            <a:endParaRPr lang="en-IN" dirty="0" smtClean="0"/>
-          </a:p>
-        </p:txBody>
-      </p:sp>
-      <p:sp>
-        <p:nvSpPr>
-          <p:cNvPr id="99" name="TextBox 98"/>
-          <p:cNvSpPr txBox="1"/>
-          <p:nvPr/>
-        </p:nvSpPr>
-        <p:spPr>
-          <a:xfrm>
-            <a:off x="228600" y="3581400"/>
-            <a:ext cx="1578253" cy="646331"/>
-          </a:xfrm>
-          <a:prstGeom prst="rect">
-            <a:avLst/>
-          </a:prstGeom>
-          <a:noFill/>
-        </p:spPr>
-        <p:txBody>
-          <a:bodyPr wrap="none" rtlCol="0">
-            <a:spAutoFit/>
-          </a:bodyPr>
-          <a:lstStyle/>
-          <a:p>
-            <a:r>
-              <a:rPr lang="en-US" dirty="0" smtClean="0"/>
-              <a:t>Grant Or </a:t>
-            </a:r>
-          </a:p>
-          <a:p>
-            <a:r>
-              <a:rPr lang="en-US" dirty="0" smtClean="0"/>
-              <a:t>R</a:t>
-            </a:r>
-            <a:r>
-              <a:rPr lang="en-US" dirty="0" smtClean="0"/>
-              <a:t>eject Request</a:t>
-            </a:r>
-            <a:endParaRPr lang="en-IN" dirty="0" smtClean="0"/>
-          </a:p>
-        </p:txBody>
-      </p:sp>
-      <p:sp>
-        <p:nvSpPr>
-          <p:cNvPr id="100" name="TextBox 99"/>
-          <p:cNvSpPr txBox="1"/>
-          <p:nvPr/>
-        </p:nvSpPr>
-        <p:spPr>
-          <a:xfrm>
-            <a:off x="2743200" y="3733800"/>
-            <a:ext cx="2286000" cy="923330"/>
-          </a:xfrm>
-          <a:prstGeom prst="rect">
-            <a:avLst/>
-          </a:prstGeom>
-          <a:noFill/>
-        </p:spPr>
-        <p:txBody>
-          <a:bodyPr wrap="square" rtlCol="0">
-            <a:spAutoFit/>
-          </a:bodyPr>
-          <a:lstStyle/>
-          <a:p>
-            <a:r>
-              <a:rPr lang="en-US" dirty="0" smtClean="0"/>
-              <a:t>Ask for </a:t>
-            </a:r>
-          </a:p>
-          <a:p>
-            <a:r>
-              <a:rPr lang="en-US" dirty="0" err="1" smtClean="0"/>
-              <a:t>Authen</a:t>
-            </a:r>
-            <a:r>
-              <a:rPr lang="en-US" dirty="0" smtClean="0"/>
-              <a:t>-</a:t>
-            </a:r>
-          </a:p>
-          <a:p>
-            <a:r>
-              <a:rPr lang="en-US" dirty="0" err="1" smtClean="0"/>
-              <a:t>tication</a:t>
-            </a:r>
-            <a:endParaRPr lang="en-IN" dirty="0" smtClean="0"/>
-          </a:p>
-        </p:txBody>
-      </p:sp>
-      <p:sp>
-        <p:nvSpPr>
-          <p:cNvPr id="101" name="TextBox 100"/>
-          <p:cNvSpPr txBox="1"/>
-          <p:nvPr/>
-        </p:nvSpPr>
-        <p:spPr>
-          <a:xfrm>
-            <a:off x="3578843" y="4724400"/>
-            <a:ext cx="993157" cy="646331"/>
-          </a:xfrm>
-          <a:prstGeom prst="rect">
-            <a:avLst/>
-          </a:prstGeom>
-          <a:noFill/>
-        </p:spPr>
-        <p:txBody>
-          <a:bodyPr wrap="none" rtlCol="0">
-            <a:spAutoFit/>
-          </a:bodyPr>
-          <a:lstStyle/>
-          <a:p>
-            <a:r>
-              <a:rPr lang="en-US" dirty="0" smtClean="0"/>
-              <a:t>Get Info </a:t>
-            </a:r>
-          </a:p>
-          <a:p>
-            <a:r>
-              <a:rPr lang="en-US" dirty="0" smtClean="0"/>
-              <a:t>Product</a:t>
-            </a:r>
-            <a:endParaRPr lang="en-IN" dirty="0" smtClean="0"/>
-          </a:p>
-        </p:txBody>
-      </p:sp>
-      <p:sp>
-        <p:nvSpPr>
-          <p:cNvPr id="102" name="TextBox 101"/>
-          <p:cNvSpPr txBox="1"/>
-          <p:nvPr/>
-        </p:nvSpPr>
-        <p:spPr>
-          <a:xfrm>
-            <a:off x="4648200" y="4267200"/>
-            <a:ext cx="1074140" cy="646331"/>
-          </a:xfrm>
-          <a:prstGeom prst="rect">
-            <a:avLst/>
-          </a:prstGeom>
-          <a:noFill/>
-        </p:spPr>
-        <p:txBody>
-          <a:bodyPr wrap="none" rtlCol="0">
-            <a:spAutoFit/>
-          </a:bodyPr>
-          <a:lstStyle/>
-          <a:p>
-            <a:r>
-              <a:rPr lang="en-US" dirty="0" smtClean="0"/>
-              <a:t>Provide </a:t>
-            </a:r>
-          </a:p>
-          <a:p>
-            <a:r>
-              <a:rPr lang="en-US" dirty="0" smtClean="0"/>
-              <a:t>Feedback</a:t>
-            </a:r>
-            <a:endParaRPr lang="en-IN" dirty="0" smtClean="0"/>
-          </a:p>
-        </p:txBody>
-      </p:sp>
-      <p:sp>
-        <p:nvSpPr>
-          <p:cNvPr id="103" name="TextBox 102"/>
-          <p:cNvSpPr txBox="1"/>
-          <p:nvPr/>
-        </p:nvSpPr>
-        <p:spPr>
-          <a:xfrm>
-            <a:off x="6172200" y="3733800"/>
-            <a:ext cx="1493101" cy="646331"/>
-          </a:xfrm>
-          <a:prstGeom prst="rect">
-            <a:avLst/>
-          </a:prstGeom>
-          <a:noFill/>
-        </p:spPr>
-        <p:txBody>
-          <a:bodyPr wrap="none" rtlCol="0">
-            <a:spAutoFit/>
-          </a:bodyPr>
-          <a:lstStyle/>
-          <a:p>
-            <a:r>
-              <a:rPr lang="en-US" dirty="0" smtClean="0"/>
-              <a:t>Acknowledge </a:t>
-            </a:r>
-          </a:p>
-          <a:p>
-            <a:r>
-              <a:rPr lang="en-US" dirty="0" smtClean="0"/>
-              <a:t>Feedback</a:t>
-            </a:r>
-            <a:endParaRPr lang="en-IN" dirty="0" smtClean="0"/>
-          </a:p>
-        </p:txBody>
-      </p:sp>
-      <p:sp>
-        <p:nvSpPr>
-          <p:cNvPr id="104" name="TextBox 103"/>
-          <p:cNvSpPr txBox="1"/>
-          <p:nvPr/>
-        </p:nvSpPr>
-        <p:spPr>
-          <a:xfrm>
-            <a:off x="7772400" y="3505200"/>
-            <a:ext cx="1355179" cy="646331"/>
-          </a:xfrm>
-          <a:prstGeom prst="rect">
-            <a:avLst/>
-          </a:prstGeom>
-          <a:noFill/>
-        </p:spPr>
-        <p:txBody>
-          <a:bodyPr wrap="none" rtlCol="0">
-            <a:spAutoFit/>
-          </a:bodyPr>
-          <a:lstStyle/>
-          <a:p>
-            <a:r>
-              <a:rPr lang="en-US" dirty="0" smtClean="0"/>
-              <a:t>Post review/</a:t>
-            </a:r>
-          </a:p>
-          <a:p>
-            <a:r>
-              <a:rPr lang="en-US" dirty="0" smtClean="0"/>
-              <a:t>rating</a:t>
-            </a:r>
-            <a:endParaRPr lang="en-IN" dirty="0" smtClean="0"/>
-          </a:p>
-        </p:txBody>
-      </p:sp>
     </p:spTree>
   </p:cSld>
   <p:clrMapOvr>
@@ -4685,7 +4561,6 @@
               <a:rPr lang="en-US" dirty="0" smtClean="0"/>
               <a:t>Admin</a:t>
             </a:r>
-            <a:endParaRPr lang="en-US" dirty="0" smtClean="0"/>
           </a:p>
           <a:p>
             <a:pPr algn="ctr"/>
@@ -4777,7 +4652,6 @@
               <a:rPr lang="en-US" dirty="0" smtClean="0"/>
               <a:t>Shop</a:t>
             </a:r>
-            <a:endParaRPr lang="en-US" dirty="0" smtClean="0"/>
           </a:p>
           <a:p>
             <a:pPr algn="ctr"/>
@@ -4869,7 +4743,6 @@
               <a:rPr lang="en-US" dirty="0" smtClean="0"/>
               <a:t>Customer</a:t>
             </a:r>
-            <a:endParaRPr lang="en-US" dirty="0" smtClean="0"/>
           </a:p>
           <a:p>
             <a:pPr algn="ctr"/>
@@ -4896,7 +4769,7 @@
         </p:nvSpPr>
         <p:spPr>
           <a:xfrm>
-            <a:off x="467544" y="1484784"/>
+            <a:off x="467544" y="1895872"/>
             <a:ext cx="1728192" cy="1152128"/>
           </a:xfrm>
           <a:prstGeom prst="ellipse">
@@ -4961,7 +4834,6 @@
               <a:rPr lang="en-US" dirty="0" smtClean="0"/>
               <a:t>Product</a:t>
             </a:r>
-            <a:endParaRPr lang="en-US" dirty="0" smtClean="0"/>
           </a:p>
           <a:p>
             <a:pPr algn="ctr"/>
@@ -5034,8 +4906,8 @@
         </p:nvSpPr>
         <p:spPr>
           <a:xfrm>
-            <a:off x="762000" y="1676400"/>
-            <a:ext cx="1212833" cy="1200329"/>
+            <a:off x="803562" y="1875472"/>
+            <a:ext cx="1171271" cy="1477328"/>
           </a:xfrm>
           <a:prstGeom prst="rect">
             <a:avLst/>
@@ -5043,7 +4915,7 @@
           <a:noFill/>
         </p:spPr>
         <p:txBody>
-          <a:bodyPr wrap="none" rtlCol="0">
+          <a:bodyPr wrap="square" rtlCol="0">
             <a:spAutoFit/>
           </a:bodyPr>
           <a:lstStyle/>
@@ -5051,13 +4923,8 @@
             <a:pPr algn="ctr"/>
             <a:r>
               <a:rPr lang="en-US" dirty="0" smtClean="0"/>
-              <a:t>Web </a:t>
-            </a:r>
-            <a:r>
-              <a:rPr lang="en-US" dirty="0" smtClean="0"/>
-              <a:t>Client</a:t>
-            </a:r>
-            <a:endParaRPr lang="en-US" dirty="0" smtClean="0"/>
+              <a:t>Web Client</a:t>
+            </a:r>
           </a:p>
           <a:p>
             <a:pPr algn="ctr"/>
@@ -5152,7 +5019,6 @@
               <a:rPr lang="en-US" dirty="0" smtClean="0"/>
               <a:t>Feedback</a:t>
             </a:r>
-            <a:endParaRPr lang="en-US" dirty="0" smtClean="0"/>
           </a:p>
           <a:p>
             <a:pPr algn="ctr"/>
@@ -5179,8 +5045,8 @@
         </p:nvSpPr>
         <p:spPr>
           <a:xfrm>
-            <a:off x="3491880" y="476672"/>
-            <a:ext cx="1728192" cy="1152128"/>
+            <a:off x="3545818" y="457200"/>
+            <a:ext cx="1635782" cy="1175792"/>
           </a:xfrm>
           <a:prstGeom prst="ellipse">
             <a:avLst/>
@@ -5219,15 +5085,15 @@
       </p:sp>
       <p:grpSp>
         <p:nvGrpSpPr>
-          <p:cNvPr id="12" name="Group 89"/>
+          <p:cNvPr id="5" name="Group 4"/>
           <p:cNvGrpSpPr/>
           <p:nvPr/>
         </p:nvGrpSpPr>
         <p:grpSpPr>
           <a:xfrm>
-            <a:off x="762000" y="381000"/>
+            <a:off x="896144" y="181744"/>
             <a:ext cx="2304256" cy="504056"/>
-            <a:chOff x="6228184" y="188640"/>
+            <a:chOff x="762000" y="381000"/>
             <a:chExt cx="2304256" cy="504056"/>
           </a:xfrm>
         </p:grpSpPr>
@@ -5239,7 +5105,7 @@
           </p:nvSpPr>
           <p:spPr>
             <a:xfrm>
-              <a:off x="6228184" y="188640"/>
+              <a:off x="762000" y="381000"/>
               <a:ext cx="2304256" cy="504056"/>
             </a:xfrm>
             <a:prstGeom prst="rect">
@@ -5285,7 +5151,7 @@
           </p:nvCxnSpPr>
           <p:spPr>
             <a:xfrm>
-              <a:off x="7956376" y="188640"/>
+              <a:off x="2490192" y="381000"/>
               <a:ext cx="0" cy="504056"/>
             </a:xfrm>
             <a:prstGeom prst="line">
@@ -5320,7 +5186,7 @@
           </p:nvSpPr>
           <p:spPr>
             <a:xfrm>
-              <a:off x="6372200" y="251356"/>
+              <a:off x="906016" y="443716"/>
               <a:ext cx="1589153" cy="369332"/>
             </a:xfrm>
             <a:prstGeom prst="rect">
@@ -5350,7 +5216,7 @@
           </p:nvSpPr>
           <p:spPr>
             <a:xfrm>
-              <a:off x="8028384" y="260648"/>
+              <a:off x="2562200" y="453008"/>
               <a:ext cx="444352" cy="369332"/>
             </a:xfrm>
             <a:prstGeom prst="rect">
@@ -5478,11 +5344,7 @@
           <a:p>
             <a:r>
               <a:rPr lang="en-US" dirty="0" smtClean="0"/>
-              <a:t> </a:t>
-            </a:r>
-            <a:r>
-              <a:rPr lang="en-US" dirty="0" smtClean="0"/>
-              <a:t>Product Rating</a:t>
+              <a:t> Product Rating</a:t>
             </a:r>
             <a:endParaRPr lang="en-IN" dirty="0"/>
           </a:p>
@@ -5526,7 +5388,7 @@
         </p:nvGrpSpPr>
         <p:grpSpPr>
           <a:xfrm>
-            <a:off x="6629400" y="2971800"/>
+            <a:off x="6477000" y="2971800"/>
             <a:ext cx="2380456" cy="504056"/>
             <a:chOff x="6151984" y="188640"/>
             <a:chExt cx="2380456" cy="504056"/>
@@ -5682,7 +5544,7 @@
         </p:nvGrpSpPr>
         <p:grpSpPr>
           <a:xfrm>
-            <a:off x="6534944" y="5867400"/>
+            <a:off x="6172200" y="6049144"/>
             <a:ext cx="2304256" cy="504056"/>
             <a:chOff x="6228184" y="188640"/>
             <a:chExt cx="2304256" cy="504056"/>
@@ -5838,7 +5700,7 @@
         </p:nvGrpSpPr>
         <p:grpSpPr>
           <a:xfrm>
-            <a:off x="395537" y="3861048"/>
+            <a:off x="66507" y="3682752"/>
             <a:ext cx="2143293" cy="432048"/>
             <a:chOff x="6228184" y="188640"/>
             <a:chExt cx="2304256" cy="504056"/>
@@ -5994,8 +5856,8 @@
         </p:nvGrpSpPr>
         <p:grpSpPr>
           <a:xfrm>
-            <a:off x="76200" y="3140968"/>
-            <a:ext cx="2590800" cy="504056"/>
+            <a:off x="304800" y="762000"/>
+            <a:ext cx="1880988" cy="413170"/>
             <a:chOff x="6196880" y="188640"/>
             <a:chExt cx="2590800" cy="504056"/>
           </a:xfrm>
@@ -6090,7 +5952,7 @@
           <p:spPr>
             <a:xfrm>
               <a:off x="6196880" y="251356"/>
-              <a:ext cx="2590800" cy="369332"/>
+              <a:ext cx="2590800" cy="337931"/>
             </a:xfrm>
             <a:prstGeom prst="rect">
               <a:avLst/>
@@ -6104,14 +5966,10 @@
             <a:lstStyle/>
             <a:p>
               <a:r>
-                <a:rPr lang="en-US" dirty="0" smtClean="0"/>
-                <a:t>Web </a:t>
+                <a:rPr lang="en-US" sz="1200" dirty="0" smtClean="0"/>
+                <a:t>Web client details</a:t>
               </a:r>
-              <a:r>
-                <a:rPr lang="en-US" dirty="0" smtClean="0"/>
-                <a:t>client details</a:t>
-              </a:r>
-              <a:endParaRPr lang="en-IN" dirty="0"/>
+              <a:endParaRPr lang="en-IN" sz="1200" dirty="0"/>
             </a:p>
           </p:txBody>
         </p:sp>
@@ -6149,13 +6007,16 @@
       <p:cxnSp>
         <p:nvCxnSpPr>
           <p:cNvPr id="176" name="Elbow Connector 139"/>
-          <p:cNvCxnSpPr/>
+          <p:cNvCxnSpPr>
+            <a:stCxn id="49" idx="4"/>
+            <a:endCxn id="108" idx="0"/>
+          </p:cNvCxnSpPr>
           <p:nvPr/>
         </p:nvCxnSpPr>
         <p:spPr>
           <a:xfrm rot="16200000" flipH="1">
-            <a:off x="7810500" y="2476500"/>
-            <a:ext cx="685800" cy="304800"/>
+            <a:off x="7303368" y="2569840"/>
+            <a:ext cx="406896" cy="397024"/>
           </a:xfrm>
           <a:prstGeom prst="bentConnector3">
             <a:avLst>
@@ -6233,8 +6094,8 @@
         </p:nvCxnSpPr>
         <p:spPr>
           <a:xfrm rot="16200000" flipH="1">
-            <a:off x="2619164" y="180020"/>
-            <a:ext cx="167680" cy="1577752"/>
+            <a:off x="2617397" y="116675"/>
+            <a:ext cx="359296" cy="1497546"/>
           </a:xfrm>
           <a:prstGeom prst="bentConnector2">
             <a:avLst/>
@@ -6264,24 +6125,28 @@
       <p:cxnSp>
         <p:nvCxnSpPr>
           <p:cNvPr id="208" name="Elbow Connector 139"/>
-          <p:cNvCxnSpPr/>
+          <p:cNvCxnSpPr>
+            <a:stCxn id="47" idx="0"/>
+            <a:endCxn id="127" idx="2"/>
+          </p:cNvCxnSpPr>
           <p:nvPr/>
         </p:nvCxnSpPr>
         <p:spPr>
-          <a:xfrm rot="5400000">
-            <a:off x="-180528" y="2492896"/>
-            <a:ext cx="1152128" cy="144016"/>
+          <a:xfrm rot="16200000" flipV="1">
+            <a:off x="887471" y="1451702"/>
+            <a:ext cx="720702" cy="167637"/>
           </a:xfrm>
           <a:prstGeom prst="bentConnector3">
             <a:avLst>
-              <a:gd name="adj1" fmla="val -431"/>
+              <a:gd name="adj1" fmla="val 50000"/>
             </a:avLst>
           </a:prstGeom>
           <a:ln>
             <a:solidFill>
               <a:schemeClr val="tx1"/>
             </a:solidFill>
-            <a:tailEnd type="arrow"/>
+            <a:headEnd type="arrow"/>
+            <a:tailEnd type="triangle"/>
           </a:ln>
         </p:spPr>
         <p:style>
@@ -6302,17 +6167,19 @@
       <p:cxnSp>
         <p:nvCxnSpPr>
           <p:cNvPr id="211" name="Elbow Connector 139"/>
-          <p:cNvCxnSpPr/>
+          <p:cNvCxnSpPr>
+            <a:endCxn id="47" idx="6"/>
+          </p:cNvCxnSpPr>
           <p:nvPr/>
         </p:nvCxnSpPr>
         <p:spPr>
           <a:xfrm rot="10800000">
-            <a:off x="2195736" y="2060848"/>
-            <a:ext cx="1440160" cy="1224136"/>
+            <a:off x="2195736" y="2471936"/>
+            <a:ext cx="1487766" cy="710818"/>
           </a:xfrm>
           <a:prstGeom prst="bentConnector3">
             <a:avLst>
-              <a:gd name="adj1" fmla="val 45370"/>
+              <a:gd name="adj1" fmla="val 50000"/>
             </a:avLst>
           </a:prstGeom>
           <a:ln>
@@ -6421,42 +6288,6 @@
           <a:xfrm>
             <a:off x="4644008" y="4149080"/>
             <a:ext cx="0" cy="720080"/>
-          </a:xfrm>
-          <a:prstGeom prst="straightConnector1">
-            <a:avLst/>
-          </a:prstGeom>
-          <a:ln>
-            <a:solidFill>
-              <a:schemeClr val="tx1"/>
-            </a:solidFill>
-            <a:tailEnd type="arrow"/>
-          </a:ln>
-        </p:spPr>
-        <p:style>
-          <a:lnRef idx="1">
-            <a:schemeClr val="accent1"/>
-          </a:lnRef>
-          <a:fillRef idx="0">
-            <a:schemeClr val="accent1"/>
-          </a:fillRef>
-          <a:effectRef idx="0">
-            <a:schemeClr val="accent1"/>
-          </a:effectRef>
-          <a:fontRef idx="minor">
-            <a:schemeClr val="tx1"/>
-          </a:fontRef>
-        </p:style>
-      </p:cxnSp>
-      <p:cxnSp>
-        <p:nvCxnSpPr>
-          <p:cNvPr id="245" name="Straight Arrow Connector 244"/>
-          <p:cNvCxnSpPr/>
-          <p:nvPr/>
-        </p:nvCxnSpPr>
-        <p:spPr>
-          <a:xfrm>
-            <a:off x="4343400" y="1600200"/>
-            <a:ext cx="0" cy="1296144"/>
           </a:xfrm>
           <a:prstGeom prst="straightConnector1">
             <a:avLst/>
@@ -6537,7 +6368,7 @@
           </a:xfrm>
           <a:prstGeom prst="bentConnector3">
             <a:avLst>
-              <a:gd name="adj1" fmla="val 36111"/>
+              <a:gd name="adj1" fmla="val 50000"/>
             </a:avLst>
           </a:prstGeom>
           <a:ln>
@@ -6565,54 +6396,21 @@
       <p:cxnSp>
         <p:nvCxnSpPr>
           <p:cNvPr id="256" name="Elbow Connector 139"/>
-          <p:cNvCxnSpPr/>
+          <p:cNvCxnSpPr>
+            <a:stCxn id="47" idx="7"/>
+            <a:endCxn id="67" idx="1"/>
+          </p:cNvCxnSpPr>
           <p:nvPr/>
         </p:nvCxnSpPr>
         <p:spPr>
-          <a:xfrm>
-            <a:off x="2051720" y="1772816"/>
-            <a:ext cx="1800200" cy="1260140"/>
+          <a:xfrm rot="16200000" flipH="1">
+            <a:off x="2417097" y="1590147"/>
+            <a:ext cx="978155" cy="1927054"/>
           </a:xfrm>
           <a:prstGeom prst="bentConnector3">
             <a:avLst>
-              <a:gd name="adj1" fmla="val 83806"/>
+              <a:gd name="adj1" fmla="val -40620"/>
             </a:avLst>
-          </a:prstGeom>
-          <a:ln>
-            <a:solidFill>
-              <a:schemeClr val="tx1"/>
-            </a:solidFill>
-            <a:tailEnd type="arrow"/>
-          </a:ln>
-        </p:spPr>
-        <p:style>
-          <a:lnRef idx="1">
-            <a:schemeClr val="accent1"/>
-          </a:lnRef>
-          <a:fillRef idx="0">
-            <a:schemeClr val="accent1"/>
-          </a:fillRef>
-          <a:effectRef idx="0">
-            <a:schemeClr val="accent1"/>
-          </a:effectRef>
-          <a:fontRef idx="minor">
-            <a:schemeClr val="tx1"/>
-          </a:fontRef>
-        </p:style>
-      </p:cxnSp>
-      <p:cxnSp>
-        <p:nvCxnSpPr>
-          <p:cNvPr id="266" name="Straight Arrow Connector 265"/>
-          <p:cNvCxnSpPr/>
-          <p:nvPr/>
-        </p:nvCxnSpPr>
-        <p:spPr>
-          <a:xfrm flipV="1">
-            <a:off x="1907704" y="2492896"/>
-            <a:ext cx="0" cy="648072"/>
-          </a:xfrm>
-          <a:prstGeom prst="straightConnector1">
-            <a:avLst/>
           </a:prstGeom>
           <a:ln>
             <a:solidFill>
@@ -6791,7 +6589,7 @@
         </p:nvSpPr>
         <p:spPr>
           <a:xfrm>
-            <a:off x="2209800" y="838200"/>
+            <a:off x="2288279" y="761063"/>
             <a:ext cx="987578" cy="276999"/>
           </a:xfrm>
           <a:prstGeom prst="rect">
@@ -6807,11 +6605,7 @@
           <a:p>
             <a:r>
               <a:rPr lang="en-US" sz="1200" dirty="0" smtClean="0"/>
-              <a:t>Product </a:t>
-            </a:r>
-            <a:r>
-              <a:rPr lang="en-US" sz="1200" dirty="0" smtClean="0"/>
-              <a:t> Info</a:t>
+              <a:t>Product  Info</a:t>
             </a:r>
             <a:endParaRPr lang="en-IN" sz="1200" dirty="0"/>
           </a:p>
@@ -6903,8 +6697,8 @@
         </p:nvCxnSpPr>
         <p:spPr>
           <a:xfrm flipV="1">
-            <a:off x="1259632" y="4293097"/>
-            <a:ext cx="0" cy="360039"/>
+            <a:off x="1259632" y="4105841"/>
+            <a:ext cx="27384" cy="547295"/>
           </a:xfrm>
           <a:prstGeom prst="straightConnector1">
             <a:avLst/>
@@ -6969,7 +6763,7 @@
         </p:nvSpPr>
         <p:spPr>
           <a:xfrm>
-            <a:off x="1259632" y="4293096"/>
+            <a:off x="304800" y="4293096"/>
             <a:ext cx="943400" cy="276999"/>
           </a:xfrm>
           <a:prstGeom prst="rect">
@@ -6987,7 +6781,6 @@
               <a:rPr lang="en-US" sz="1200" dirty="0" smtClean="0"/>
               <a:t>Shop details</a:t>
             </a:r>
-            <a:endParaRPr lang="en-US" sz="1200" dirty="0" smtClean="0"/>
           </a:p>
         </p:txBody>
       </p:sp>
@@ -6999,7 +6792,7 @@
         </p:nvSpPr>
         <p:spPr>
           <a:xfrm>
-            <a:off x="2627784" y="3501008"/>
+            <a:off x="2819400" y="4186535"/>
             <a:ext cx="609975" cy="461665"/>
           </a:xfrm>
           <a:prstGeom prst="rect">
@@ -7023,7 +6816,6 @@
               <a:rPr lang="en-US" sz="1200" dirty="0" smtClean="0"/>
               <a:t>Details</a:t>
             </a:r>
-            <a:endParaRPr lang="en-US" sz="1200" dirty="0" smtClean="0"/>
           </a:p>
         </p:txBody>
       </p:sp>
@@ -7059,7 +6851,6 @@
               <a:rPr lang="en-US" sz="1200" dirty="0" smtClean="0"/>
               <a:t>Details</a:t>
             </a:r>
-            <a:endParaRPr lang="en-US" sz="1200" dirty="0" smtClean="0"/>
           </a:p>
         </p:txBody>
       </p:sp>
@@ -7113,7 +6904,7 @@
         </p:nvSpPr>
         <p:spPr>
           <a:xfrm>
-            <a:off x="5638800" y="3124200"/>
+            <a:off x="5543077" y="3124200"/>
             <a:ext cx="1086323" cy="276999"/>
           </a:xfrm>
           <a:prstGeom prst="rect">
@@ -7201,11 +6992,7 @@
           <a:p>
             <a:r>
               <a:rPr lang="en-US" sz="1200" dirty="0" smtClean="0"/>
-              <a:t>Shop </a:t>
-            </a:r>
-            <a:r>
-              <a:rPr lang="en-US" sz="1200" dirty="0" smtClean="0"/>
-              <a:t>Info</a:t>
+              <a:t>Shop Info</a:t>
             </a:r>
             <a:endParaRPr lang="en-IN" sz="1200" dirty="0"/>
           </a:p>
@@ -7291,8 +7078,8 @@
         </p:nvSpPr>
         <p:spPr>
           <a:xfrm>
-            <a:off x="2133600" y="1295400"/>
-            <a:ext cx="1386855" cy="461665"/>
+            <a:off x="3009170" y="1903590"/>
+            <a:ext cx="951824" cy="646331"/>
           </a:xfrm>
           <a:prstGeom prst="rect">
             <a:avLst/>
@@ -7300,18 +7087,14 @@
           <a:noFill/>
         </p:spPr>
         <p:txBody>
-          <a:bodyPr wrap="none" rtlCol="0">
+          <a:bodyPr wrap="square" rtlCol="0">
             <a:spAutoFit/>
           </a:bodyPr>
           <a:lstStyle/>
           <a:p>
             <a:r>
               <a:rPr lang="en-US" sz="1200" dirty="0" smtClean="0"/>
-              <a:t>Provide </a:t>
-            </a:r>
-            <a:r>
-              <a:rPr lang="en-US" sz="1200" dirty="0" smtClean="0"/>
-              <a:t>All </a:t>
+              <a:t>Provide All </a:t>
             </a:r>
           </a:p>
           <a:p>
@@ -7331,7 +7114,7 @@
         </p:nvSpPr>
         <p:spPr>
           <a:xfrm>
-            <a:off x="2209800" y="2064603"/>
+            <a:off x="2209800" y="1839747"/>
             <a:ext cx="800219" cy="830997"/>
           </a:xfrm>
           <a:prstGeom prst="rect">
@@ -7376,8 +7159,8 @@
         </p:nvSpPr>
         <p:spPr>
           <a:xfrm>
-            <a:off x="251520" y="2667000"/>
-            <a:ext cx="1067921" cy="461665"/>
+            <a:off x="1337560" y="1193416"/>
+            <a:ext cx="825351" cy="646331"/>
           </a:xfrm>
           <a:prstGeom prst="rect">
             <a:avLst/>
@@ -7385,7 +7168,7 @@
           <a:noFill/>
         </p:spPr>
         <p:txBody>
-          <a:bodyPr wrap="none" rtlCol="0">
+          <a:bodyPr wrap="square" rtlCol="0">
             <a:spAutoFit/>
           </a:bodyPr>
           <a:lstStyle/>
@@ -7406,14 +7189,14 @@
       </p:sp>
       <p:sp>
         <p:nvSpPr>
-          <p:cNvPr id="213" name="TextBox 212"/>
+          <p:cNvPr id="214" name="TextBox 213"/>
           <p:cNvSpPr txBox="1"/>
           <p:nvPr/>
         </p:nvSpPr>
         <p:spPr>
           <a:xfrm>
-            <a:off x="1828800" y="2667000"/>
-            <a:ext cx="1067921" cy="461665"/>
+            <a:off x="7162800" y="3505200"/>
+            <a:ext cx="885792" cy="461665"/>
           </a:xfrm>
           <a:prstGeom prst="rect">
             <a:avLst/>
@@ -7421,42 +7204,6 @@
           <a:noFill/>
         </p:spPr>
         <p:txBody>
-          <a:bodyPr wrap="none" rtlCol="0">
-            <a:spAutoFit/>
-          </a:bodyPr>
-          <a:lstStyle/>
-          <a:p>
-            <a:r>
-              <a:rPr lang="en-US" sz="1200" dirty="0" smtClean="0"/>
-              <a:t>Shopping mall</a:t>
-            </a:r>
-          </a:p>
-          <a:p>
-            <a:r>
-              <a:rPr lang="en-US" sz="1200" dirty="0" smtClean="0"/>
-              <a:t>details</a:t>
-            </a:r>
-            <a:endParaRPr lang="en-IN" sz="1200" dirty="0"/>
-          </a:p>
-        </p:txBody>
-      </p:sp>
-      <p:sp>
-        <p:nvSpPr>
-          <p:cNvPr id="214" name="TextBox 213"/>
-          <p:cNvSpPr txBox="1"/>
-          <p:nvPr/>
-        </p:nvSpPr>
-        <p:spPr>
-          <a:xfrm>
-            <a:off x="8258208" y="3962400"/>
-            <a:ext cx="885792" cy="461665"/>
-          </a:xfrm>
-          <a:prstGeom prst="rect">
-            <a:avLst/>
-          </a:prstGeom>
-          <a:noFill/>
-        </p:spPr>
-        <p:txBody>
           <a:bodyPr wrap="square" rtlCol="0">
             <a:spAutoFit/>
           </a:bodyPr>
@@ -7466,7 +7213,6 @@
               <a:rPr lang="en-US" sz="1200" dirty="0" smtClean="0"/>
               <a:t>Review </a:t>
             </a:r>
-            <a:endParaRPr lang="en-US" sz="1200" dirty="0" smtClean="0"/>
           </a:p>
           <a:p>
             <a:r>
@@ -7485,7 +7231,7 @@
         </p:nvSpPr>
         <p:spPr>
           <a:xfrm>
-            <a:off x="8307553" y="2438400"/>
+            <a:off x="7887576" y="2463515"/>
             <a:ext cx="836447" cy="461665"/>
           </a:xfrm>
           <a:prstGeom prst="rect">
@@ -7518,14 +7264,14 @@
           <p:cNvPr id="135" name="Elbow Connector 139"/>
           <p:cNvCxnSpPr>
             <a:stCxn id="108" idx="2"/>
-            <a:endCxn id="48" idx="7"/>
+            <a:endCxn id="48" idx="0"/>
           </p:cNvCxnSpPr>
           <p:nvPr/>
         </p:nvCxnSpPr>
         <p:spPr>
-          <a:xfrm rot="16200000" flipH="1">
-            <a:off x="7611562" y="3722022"/>
-            <a:ext cx="913957" cy="421624"/>
+          <a:xfrm rot="5400000">
+            <a:off x="7314220" y="3829980"/>
+            <a:ext cx="745232" cy="36984"/>
           </a:xfrm>
           <a:prstGeom prst="bentConnector3">
             <a:avLst>
@@ -7563,7 +7309,7 @@
         <p:spPr>
           <a:xfrm flipH="1">
             <a:off x="5638800" y="3352800"/>
-            <a:ext cx="1066800" cy="0"/>
+            <a:ext cx="877416" cy="0"/>
           </a:xfrm>
           <a:prstGeom prst="straightConnector1">
             <a:avLst/>
@@ -7688,45 +7434,6 @@
           </a:p>
         </p:txBody>
       </p:sp>
-      <p:cxnSp>
-        <p:nvCxnSpPr>
-          <p:cNvPr id="200" name="Straight Arrow Connector 199"/>
-          <p:cNvCxnSpPr>
-            <a:stCxn id="48" idx="4"/>
-            <a:endCxn id="114" idx="0"/>
-          </p:cNvCxnSpPr>
-          <p:nvPr/>
-        </p:nvCxnSpPr>
-        <p:spPr>
-          <a:xfrm>
-            <a:off x="7668344" y="5373216"/>
-            <a:ext cx="18728" cy="494184"/>
-          </a:xfrm>
-          <a:prstGeom prst="straightConnector1">
-            <a:avLst/>
-          </a:prstGeom>
-          <a:ln>
-            <a:solidFill>
-              <a:schemeClr val="tx1"/>
-            </a:solidFill>
-            <a:tailEnd type="arrow"/>
-          </a:ln>
-        </p:spPr>
-        <p:style>
-          <a:lnRef idx="1">
-            <a:schemeClr val="accent1"/>
-          </a:lnRef>
-          <a:fillRef idx="0">
-            <a:schemeClr val="accent1"/>
-          </a:fillRef>
-          <a:effectRef idx="0">
-            <a:schemeClr val="accent1"/>
-          </a:effectRef>
-          <a:fontRef idx="minor">
-            <a:schemeClr val="tx1"/>
-          </a:fontRef>
-        </p:style>
-      </p:cxnSp>
       <p:grpSp>
         <p:nvGrpSpPr>
           <p:cNvPr id="217" name="Group 112"/>
@@ -8178,6 +7885,683 @@
           </a:p>
         </p:txBody>
       </p:sp>
+      <p:sp>
+        <p:nvSpPr>
+          <p:cNvPr id="105" name="Rectangle 104"/>
+          <p:cNvSpPr/>
+          <p:nvPr/>
+        </p:nvSpPr>
+        <p:spPr>
+          <a:xfrm>
+            <a:off x="236441" y="6096000"/>
+            <a:ext cx="794070" cy="504056"/>
+          </a:xfrm>
+          <a:prstGeom prst="rect">
+            <a:avLst/>
+          </a:prstGeom>
+          <a:noFill/>
+          <a:ln>
+            <a:solidFill>
+              <a:schemeClr val="tx1"/>
+            </a:solidFill>
+          </a:ln>
+        </p:spPr>
+        <p:style>
+          <a:lnRef idx="2">
+            <a:schemeClr val="accent1">
+              <a:shade val="50000"/>
+            </a:schemeClr>
+          </a:lnRef>
+          <a:fillRef idx="1">
+            <a:schemeClr val="accent1"/>
+          </a:fillRef>
+          <a:effectRef idx="0">
+            <a:schemeClr val="accent1"/>
+          </a:effectRef>
+          <a:fontRef idx="minor">
+            <a:schemeClr val="lt1"/>
+          </a:fontRef>
+        </p:style>
+        <p:txBody>
+          <a:bodyPr rtlCol="0" anchor="ctr"/>
+          <a:lstStyle/>
+          <a:p>
+            <a:pPr algn="ctr"/>
+            <a:r>
+              <a:rPr lang="en-IN" dirty="0" smtClean="0">
+                <a:solidFill>
+                  <a:schemeClr val="tx1"/>
+                </a:solidFill>
+              </a:rPr>
+              <a:t>Shop</a:t>
+            </a:r>
+            <a:endParaRPr lang="en-IN" dirty="0">
+              <a:solidFill>
+                <a:schemeClr val="tx1"/>
+              </a:solidFill>
+            </a:endParaRPr>
+          </a:p>
+        </p:txBody>
+      </p:sp>
+      <p:cxnSp>
+        <p:nvCxnSpPr>
+          <p:cNvPr id="4" name="Elbow Connector 3"/>
+          <p:cNvCxnSpPr>
+            <a:endCxn id="45" idx="2"/>
+          </p:cNvCxnSpPr>
+          <p:nvPr/>
+        </p:nvCxnSpPr>
+        <p:spPr>
+          <a:xfrm rot="16200000" flipV="1">
+            <a:off x="141506" y="5483230"/>
+            <a:ext cx="866800" cy="358740"/>
+          </a:xfrm>
+          <a:prstGeom prst="bentConnector4">
+            <a:avLst>
+              <a:gd name="adj1" fmla="val 16771"/>
+              <a:gd name="adj2" fmla="val 163723"/>
+            </a:avLst>
+          </a:prstGeom>
+          <a:ln>
+            <a:tailEnd type="triangle"/>
+          </a:ln>
+        </p:spPr>
+        <p:style>
+          <a:lnRef idx="1">
+            <a:schemeClr val="dk1"/>
+          </a:lnRef>
+          <a:fillRef idx="0">
+            <a:schemeClr val="dk1"/>
+          </a:fillRef>
+          <a:effectRef idx="0">
+            <a:schemeClr val="dk1"/>
+          </a:effectRef>
+          <a:fontRef idx="minor">
+            <a:schemeClr val="tx1"/>
+          </a:fontRef>
+        </p:style>
+      </p:cxnSp>
+      <p:sp>
+        <p:nvSpPr>
+          <p:cNvPr id="106" name="TextBox 105"/>
+          <p:cNvSpPr txBox="1"/>
+          <p:nvPr/>
+        </p:nvSpPr>
+        <p:spPr>
+          <a:xfrm>
+            <a:off x="125963" y="5675729"/>
+            <a:ext cx="943400" cy="276999"/>
+          </a:xfrm>
+          <a:prstGeom prst="rect">
+            <a:avLst/>
+          </a:prstGeom>
+          <a:noFill/>
+        </p:spPr>
+        <p:txBody>
+          <a:bodyPr wrap="none" rtlCol="0">
+            <a:spAutoFit/>
+          </a:bodyPr>
+          <a:lstStyle/>
+          <a:p>
+            <a:r>
+              <a:rPr lang="en-US" sz="1200" dirty="0" smtClean="0"/>
+              <a:t>Shop details</a:t>
+            </a:r>
+          </a:p>
+        </p:txBody>
+      </p:sp>
+      <p:sp>
+        <p:nvSpPr>
+          <p:cNvPr id="6" name="Rectangle 5"/>
+          <p:cNvSpPr/>
+          <p:nvPr/>
+        </p:nvSpPr>
+        <p:spPr>
+          <a:xfrm>
+            <a:off x="5115481" y="52322"/>
+            <a:ext cx="1699930" cy="609600"/>
+          </a:xfrm>
+          <a:prstGeom prst="rect">
+            <a:avLst/>
+          </a:prstGeom>
+        </p:spPr>
+        <p:style>
+          <a:lnRef idx="2">
+            <a:schemeClr val="accent6"/>
+          </a:lnRef>
+          <a:fillRef idx="1">
+            <a:schemeClr val="lt1"/>
+          </a:fillRef>
+          <a:effectRef idx="0">
+            <a:schemeClr val="accent6"/>
+          </a:effectRef>
+          <a:fontRef idx="minor">
+            <a:schemeClr val="dk1"/>
+          </a:fontRef>
+        </p:style>
+        <p:txBody>
+          <a:bodyPr rtlCol="0" anchor="ctr"/>
+          <a:lstStyle/>
+          <a:p>
+            <a:pPr algn="ctr"/>
+            <a:r>
+              <a:rPr lang="en-US" dirty="0" smtClean="0"/>
+              <a:t>Product</a:t>
+            </a:r>
+            <a:endParaRPr lang="en-US" dirty="0"/>
+          </a:p>
+        </p:txBody>
+      </p:sp>
+      <p:cxnSp>
+        <p:nvCxnSpPr>
+          <p:cNvPr id="8" name="Elbow Connector 7"/>
+          <p:cNvCxnSpPr>
+            <a:stCxn id="6" idx="1"/>
+            <a:endCxn id="70" idx="3"/>
+          </p:cNvCxnSpPr>
+          <p:nvPr/>
+        </p:nvCxnSpPr>
+        <p:spPr>
+          <a:xfrm rot="10800000" flipV="1">
+            <a:off x="3200401" y="357122"/>
+            <a:ext cx="1915081" cy="76650"/>
+          </a:xfrm>
+          <a:prstGeom prst="bentConnector3">
+            <a:avLst>
+              <a:gd name="adj1" fmla="val 50000"/>
+            </a:avLst>
+          </a:prstGeom>
+          <a:ln>
+            <a:tailEnd type="triangle"/>
+          </a:ln>
+        </p:spPr>
+        <p:style>
+          <a:lnRef idx="1">
+            <a:schemeClr val="dk1"/>
+          </a:lnRef>
+          <a:fillRef idx="0">
+            <a:schemeClr val="dk1"/>
+          </a:fillRef>
+          <a:effectRef idx="0">
+            <a:schemeClr val="dk1"/>
+          </a:effectRef>
+          <a:fontRef idx="minor">
+            <a:schemeClr val="tx1"/>
+          </a:fontRef>
+        </p:style>
+      </p:cxnSp>
+      <p:sp>
+        <p:nvSpPr>
+          <p:cNvPr id="111" name="TextBox 110"/>
+          <p:cNvSpPr txBox="1"/>
+          <p:nvPr/>
+        </p:nvSpPr>
+        <p:spPr>
+          <a:xfrm>
+            <a:off x="3608662" y="38202"/>
+            <a:ext cx="987578" cy="276999"/>
+          </a:xfrm>
+          <a:prstGeom prst="rect">
+            <a:avLst/>
+          </a:prstGeom>
+          <a:noFill/>
+        </p:spPr>
+        <p:txBody>
+          <a:bodyPr wrap="none" rtlCol="0">
+            <a:spAutoFit/>
+          </a:bodyPr>
+          <a:lstStyle/>
+          <a:p>
+            <a:r>
+              <a:rPr lang="en-US" sz="1200" dirty="0" smtClean="0"/>
+              <a:t>Product  Info</a:t>
+            </a:r>
+            <a:endParaRPr lang="en-IN" sz="1200" dirty="0"/>
+          </a:p>
+        </p:txBody>
+      </p:sp>
+      <p:cxnSp>
+        <p:nvCxnSpPr>
+          <p:cNvPr id="20" name="Elbow Connector 19"/>
+          <p:cNvCxnSpPr>
+            <a:stCxn id="44" idx="4"/>
+            <a:endCxn id="67" idx="0"/>
+          </p:cNvCxnSpPr>
+          <p:nvPr/>
+        </p:nvCxnSpPr>
+        <p:spPr>
+          <a:xfrm rot="16200000" flipH="1">
+            <a:off x="3875884" y="2120816"/>
+            <a:ext cx="1219944" cy="244295"/>
+          </a:xfrm>
+          <a:prstGeom prst="bentConnector3">
+            <a:avLst/>
+          </a:prstGeom>
+          <a:ln>
+            <a:tailEnd type="triangle"/>
+          </a:ln>
+        </p:spPr>
+        <p:style>
+          <a:lnRef idx="1">
+            <a:schemeClr val="dk1"/>
+          </a:lnRef>
+          <a:fillRef idx="0">
+            <a:schemeClr val="dk1"/>
+          </a:fillRef>
+          <a:effectRef idx="0">
+            <a:schemeClr val="dk1"/>
+          </a:effectRef>
+          <a:fontRef idx="minor">
+            <a:schemeClr val="tx1"/>
+          </a:fontRef>
+        </p:style>
+      </p:cxnSp>
+      <p:cxnSp>
+        <p:nvCxnSpPr>
+          <p:cNvPr id="126" name="Elbow Connector 139"/>
+          <p:cNvCxnSpPr>
+            <a:stCxn id="121" idx="3"/>
+            <a:endCxn id="45" idx="7"/>
+          </p:cNvCxnSpPr>
+          <p:nvPr/>
+        </p:nvCxnSpPr>
+        <p:spPr>
+          <a:xfrm flipH="1">
+            <a:off x="1870640" y="3898776"/>
+            <a:ext cx="339160" cy="923085"/>
+          </a:xfrm>
+          <a:prstGeom prst="bentConnector4">
+            <a:avLst>
+              <a:gd name="adj1" fmla="val -67402"/>
+              <a:gd name="adj2" fmla="val 52562"/>
+            </a:avLst>
+          </a:prstGeom>
+          <a:ln>
+            <a:solidFill>
+              <a:schemeClr val="tx1"/>
+            </a:solidFill>
+            <a:tailEnd type="arrow"/>
+          </a:ln>
+        </p:spPr>
+        <p:style>
+          <a:lnRef idx="1">
+            <a:schemeClr val="accent1"/>
+          </a:lnRef>
+          <a:fillRef idx="0">
+            <a:schemeClr val="accent1"/>
+          </a:fillRef>
+          <a:effectRef idx="0">
+            <a:schemeClr val="accent1"/>
+          </a:effectRef>
+          <a:fontRef idx="minor">
+            <a:schemeClr val="tx1"/>
+          </a:fontRef>
+        </p:style>
+      </p:cxnSp>
+      <p:sp>
+        <p:nvSpPr>
+          <p:cNvPr id="128" name="TextBox 127"/>
+          <p:cNvSpPr txBox="1"/>
+          <p:nvPr/>
+        </p:nvSpPr>
+        <p:spPr>
+          <a:xfrm>
+            <a:off x="1569225" y="4114158"/>
+            <a:ext cx="943400" cy="276999"/>
+          </a:xfrm>
+          <a:prstGeom prst="rect">
+            <a:avLst/>
+          </a:prstGeom>
+          <a:noFill/>
+        </p:spPr>
+        <p:txBody>
+          <a:bodyPr wrap="none" rtlCol="0">
+            <a:spAutoFit/>
+          </a:bodyPr>
+          <a:lstStyle/>
+          <a:p>
+            <a:r>
+              <a:rPr lang="en-US" sz="1200" dirty="0" smtClean="0"/>
+              <a:t>Shop details</a:t>
+            </a:r>
+          </a:p>
+        </p:txBody>
+      </p:sp>
+      <p:sp>
+        <p:nvSpPr>
+          <p:cNvPr id="35" name="Rectangle 34"/>
+          <p:cNvSpPr/>
+          <p:nvPr/>
+        </p:nvSpPr>
+        <p:spPr>
+          <a:xfrm>
+            <a:off x="76200" y="2971801"/>
+            <a:ext cx="700300" cy="420216"/>
+          </a:xfrm>
+          <a:prstGeom prst="rect">
+            <a:avLst/>
+          </a:prstGeom>
+        </p:spPr>
+        <p:style>
+          <a:lnRef idx="2">
+            <a:schemeClr val="accent6"/>
+          </a:lnRef>
+          <a:fillRef idx="1">
+            <a:schemeClr val="lt1"/>
+          </a:fillRef>
+          <a:effectRef idx="0">
+            <a:schemeClr val="accent6"/>
+          </a:effectRef>
+          <a:fontRef idx="minor">
+            <a:schemeClr val="dk1"/>
+          </a:fontRef>
+        </p:style>
+        <p:txBody>
+          <a:bodyPr rtlCol="0" anchor="ctr"/>
+          <a:lstStyle/>
+          <a:p>
+            <a:pPr algn="ctr"/>
+            <a:r>
+              <a:rPr lang="en-US" sz="1200" dirty="0" smtClean="0"/>
+              <a:t>Web</a:t>
+            </a:r>
+            <a:endParaRPr lang="en-US" sz="1200" dirty="0"/>
+          </a:p>
+        </p:txBody>
+      </p:sp>
+      <p:cxnSp>
+        <p:nvCxnSpPr>
+          <p:cNvPr id="136" name="Elbow Connector 139"/>
+          <p:cNvCxnSpPr>
+            <a:stCxn id="35" idx="0"/>
+            <a:endCxn id="131" idx="1"/>
+          </p:cNvCxnSpPr>
+          <p:nvPr/>
+        </p:nvCxnSpPr>
+        <p:spPr>
+          <a:xfrm rot="16200000" flipV="1">
+            <a:off x="-644371" y="1901080"/>
+            <a:ext cx="2019893" cy="121550"/>
+          </a:xfrm>
+          <a:prstGeom prst="bentConnector4">
+            <a:avLst>
+              <a:gd name="adj1" fmla="val 46572"/>
+              <a:gd name="adj2" fmla="val 258088"/>
+            </a:avLst>
+          </a:prstGeom>
+          <a:ln>
+            <a:solidFill>
+              <a:schemeClr val="tx1"/>
+            </a:solidFill>
+            <a:headEnd type="none"/>
+            <a:tailEnd type="triangle"/>
+          </a:ln>
+        </p:spPr>
+        <p:style>
+          <a:lnRef idx="1">
+            <a:schemeClr val="accent1"/>
+          </a:lnRef>
+          <a:fillRef idx="0">
+            <a:schemeClr val="accent1"/>
+          </a:fillRef>
+          <a:effectRef idx="0">
+            <a:schemeClr val="accent1"/>
+          </a:effectRef>
+          <a:fontRef idx="minor">
+            <a:schemeClr val="tx1"/>
+          </a:fontRef>
+        </p:style>
+      </p:cxnSp>
+      <p:sp>
+        <p:nvSpPr>
+          <p:cNvPr id="140" name="TextBox 139"/>
+          <p:cNvSpPr txBox="1"/>
+          <p:nvPr/>
+        </p:nvSpPr>
+        <p:spPr>
+          <a:xfrm>
+            <a:off x="137295" y="1305577"/>
+            <a:ext cx="825351" cy="646331"/>
+          </a:xfrm>
+          <a:prstGeom prst="rect">
+            <a:avLst/>
+          </a:prstGeom>
+          <a:noFill/>
+        </p:spPr>
+        <p:txBody>
+          <a:bodyPr wrap="square" rtlCol="0">
+            <a:spAutoFit/>
+          </a:bodyPr>
+          <a:lstStyle/>
+          <a:p>
+            <a:r>
+              <a:rPr lang="en-US" sz="1200" dirty="0" smtClean="0"/>
+              <a:t>Shopping mall</a:t>
+            </a:r>
+          </a:p>
+          <a:p>
+            <a:r>
+              <a:rPr lang="en-US" sz="1200" dirty="0" smtClean="0"/>
+              <a:t>details</a:t>
+            </a:r>
+            <a:endParaRPr lang="en-IN" sz="1200" dirty="0"/>
+          </a:p>
+        </p:txBody>
+      </p:sp>
+      <p:cxnSp>
+        <p:nvCxnSpPr>
+          <p:cNvPr id="42" name="Elbow Connector 41"/>
+          <p:cNvCxnSpPr>
+            <a:stCxn id="48" idx="4"/>
+            <a:endCxn id="114" idx="0"/>
+          </p:cNvCxnSpPr>
+          <p:nvPr/>
+        </p:nvCxnSpPr>
+        <p:spPr>
+          <a:xfrm rot="5400000">
+            <a:off x="7158372" y="5539172"/>
+            <a:ext cx="675928" cy="344016"/>
+          </a:xfrm>
+          <a:prstGeom prst="bentConnector3">
+            <a:avLst/>
+          </a:prstGeom>
+          <a:ln>
+            <a:headEnd type="triangle"/>
+            <a:tailEnd type="triangle"/>
+          </a:ln>
+        </p:spPr>
+        <p:style>
+          <a:lnRef idx="1">
+            <a:schemeClr val="dk1"/>
+          </a:lnRef>
+          <a:fillRef idx="0">
+            <a:schemeClr val="dk1"/>
+          </a:fillRef>
+          <a:effectRef idx="0">
+            <a:schemeClr val="dk1"/>
+          </a:effectRef>
+          <a:fontRef idx="minor">
+            <a:schemeClr val="tx1"/>
+          </a:fontRef>
+        </p:style>
+      </p:cxnSp>
+      <p:sp>
+        <p:nvSpPr>
+          <p:cNvPr id="43" name="Rectangle 42"/>
+          <p:cNvSpPr/>
+          <p:nvPr/>
+        </p:nvSpPr>
+        <p:spPr>
+          <a:xfrm>
+            <a:off x="8214134" y="5324817"/>
+            <a:ext cx="929866" cy="390183"/>
+          </a:xfrm>
+          <a:prstGeom prst="rect">
+            <a:avLst/>
+          </a:prstGeom>
+        </p:spPr>
+        <p:style>
+          <a:lnRef idx="2">
+            <a:schemeClr val="accent6"/>
+          </a:lnRef>
+          <a:fillRef idx="1">
+            <a:schemeClr val="lt1"/>
+          </a:fillRef>
+          <a:effectRef idx="0">
+            <a:schemeClr val="accent6"/>
+          </a:effectRef>
+          <a:fontRef idx="minor">
+            <a:schemeClr val="dk1"/>
+          </a:fontRef>
+        </p:style>
+        <p:txBody>
+          <a:bodyPr rtlCol="0" anchor="ctr"/>
+          <a:lstStyle/>
+          <a:p>
+            <a:pPr algn="ctr"/>
+            <a:r>
+              <a:rPr lang="en-US" sz="1400" dirty="0" smtClean="0"/>
+              <a:t>Customer</a:t>
+            </a:r>
+            <a:endParaRPr lang="en-US" sz="1400" dirty="0"/>
+          </a:p>
+        </p:txBody>
+      </p:sp>
+      <p:cxnSp>
+        <p:nvCxnSpPr>
+          <p:cNvPr id="51" name="Elbow Connector 50"/>
+          <p:cNvCxnSpPr>
+            <a:stCxn id="43" idx="2"/>
+            <a:endCxn id="114" idx="3"/>
+          </p:cNvCxnSpPr>
+          <p:nvPr/>
+        </p:nvCxnSpPr>
+        <p:spPr>
+          <a:xfrm rot="5400000">
+            <a:off x="8284676" y="5906781"/>
+            <a:ext cx="586172" cy="202611"/>
+          </a:xfrm>
+          <a:prstGeom prst="bentConnector2">
+            <a:avLst/>
+          </a:prstGeom>
+          <a:ln>
+            <a:tailEnd type="triangle"/>
+          </a:ln>
+        </p:spPr>
+        <p:style>
+          <a:lnRef idx="1">
+            <a:schemeClr val="dk1"/>
+          </a:lnRef>
+          <a:fillRef idx="0">
+            <a:schemeClr val="dk1"/>
+          </a:fillRef>
+          <a:effectRef idx="0">
+            <a:schemeClr val="dk1"/>
+          </a:effectRef>
+          <a:fontRef idx="minor">
+            <a:schemeClr val="tx1"/>
+          </a:fontRef>
+        </p:style>
+      </p:cxnSp>
+      <p:sp>
+        <p:nvSpPr>
+          <p:cNvPr id="148" name="TextBox 147"/>
+          <p:cNvSpPr txBox="1"/>
+          <p:nvPr/>
+        </p:nvSpPr>
+        <p:spPr>
+          <a:xfrm>
+            <a:off x="7696200" y="5666601"/>
+            <a:ext cx="1068626" cy="276999"/>
+          </a:xfrm>
+          <a:prstGeom prst="rect">
+            <a:avLst/>
+          </a:prstGeom>
+          <a:noFill/>
+        </p:spPr>
+        <p:txBody>
+          <a:bodyPr wrap="none" rtlCol="0">
+            <a:spAutoFit/>
+          </a:bodyPr>
+          <a:lstStyle/>
+          <a:p>
+            <a:r>
+              <a:rPr lang="en-US" sz="1200" dirty="0" smtClean="0"/>
+              <a:t>Customer Info</a:t>
+            </a:r>
+            <a:endParaRPr lang="en-IN" sz="1200" dirty="0"/>
+          </a:p>
+        </p:txBody>
+      </p:sp>
+      <p:cxnSp>
+        <p:nvCxnSpPr>
+          <p:cNvPr id="150" name="Elbow Connector 149"/>
+          <p:cNvCxnSpPr>
+            <a:stCxn id="43" idx="0"/>
+            <a:endCxn id="108" idx="3"/>
+          </p:cNvCxnSpPr>
+          <p:nvPr/>
+        </p:nvCxnSpPr>
+        <p:spPr>
+          <a:xfrm rot="5400000" flipH="1" flipV="1">
+            <a:off x="7717767" y="4185129"/>
+            <a:ext cx="2100989" cy="178389"/>
+          </a:xfrm>
+          <a:prstGeom prst="bentConnector4">
+            <a:avLst>
+              <a:gd name="adj1" fmla="val 44002"/>
+              <a:gd name="adj2" fmla="val 228147"/>
+            </a:avLst>
+          </a:prstGeom>
+          <a:ln>
+            <a:tailEnd type="triangle"/>
+          </a:ln>
+        </p:spPr>
+        <p:style>
+          <a:lnRef idx="1">
+            <a:schemeClr val="dk1"/>
+          </a:lnRef>
+          <a:fillRef idx="0">
+            <a:schemeClr val="dk1"/>
+          </a:fillRef>
+          <a:effectRef idx="0">
+            <a:schemeClr val="dk1"/>
+          </a:effectRef>
+          <a:fontRef idx="minor">
+            <a:schemeClr val="tx1"/>
+          </a:fontRef>
+        </p:style>
+      </p:cxnSp>
+      <p:sp>
+        <p:nvSpPr>
+          <p:cNvPr id="156" name="TextBox 155"/>
+          <p:cNvSpPr txBox="1"/>
+          <p:nvPr/>
+        </p:nvSpPr>
+        <p:spPr>
+          <a:xfrm>
+            <a:off x="8077200" y="3533001"/>
+            <a:ext cx="1086323" cy="276999"/>
+          </a:xfrm>
+          <a:prstGeom prst="rect">
+            <a:avLst/>
+          </a:prstGeom>
+          <a:noFill/>
+        </p:spPr>
+        <p:txBody>
+          <a:bodyPr wrap="none" rtlCol="0">
+            <a:spAutoFit/>
+          </a:bodyPr>
+          <a:lstStyle/>
+          <a:p>
+            <a:r>
+              <a:rPr lang="en-US" sz="1200" dirty="0" smtClean="0"/>
+              <a:t>Review/Rating</a:t>
+            </a:r>
+            <a:endParaRPr lang="en-IN" sz="1200" dirty="0"/>
+          </a:p>
+        </p:txBody>
+      </p:sp>
     </p:spTree>
   </p:cSld>
   <p:clrMapOvr>
@@ -8189,7 +8573,7 @@
 <file path=ppt/theme/theme1.xml><?xml version="1.0" encoding="utf-8"?>
 <a:theme xmlns:a="http://schemas.openxmlformats.org/drawingml/2006/main" name="Office Theme">
   <a:themeElements>
-    <a:clrScheme name="Office">
+    <a:clrScheme name="Grayscale">
       <a:dk1>
         <a:sysClr val="windowText" lastClr="000000"/>
       </a:dk1>
@@ -8197,39 +8581,39 @@
         <a:sysClr val="window" lastClr="FFFFFF"/>
       </a:lt1>
       <a:dk2>
-        <a:srgbClr val="1F497D"/>
+        <a:srgbClr val="000000"/>
       </a:dk2>
       <a:lt2>
-        <a:srgbClr val="EEECE1"/>
+        <a:srgbClr val="F8F8F8"/>
       </a:lt2>
       <a:accent1>
-        <a:srgbClr val="4F81BD"/>
+        <a:srgbClr val="DDDDDD"/>
       </a:accent1>
       <a:accent2>
-        <a:srgbClr val="C0504D"/>
+        <a:srgbClr val="B2B2B2"/>
       </a:accent2>
       <a:accent3>
-        <a:srgbClr val="9BBB59"/>
+        <a:srgbClr val="969696"/>
       </a:accent3>
       <a:accent4>
-        <a:srgbClr val="8064A2"/>
+        <a:srgbClr val="808080"/>
       </a:accent4>
       <a:accent5>
-        <a:srgbClr val="4BACC6"/>
+        <a:srgbClr val="5F5F5F"/>
       </a:accent5>
       <a:accent6>
-        <a:srgbClr val="F79646"/>
+        <a:srgbClr val="4D4D4D"/>
       </a:accent6>
       <a:hlink>
-        <a:srgbClr val="0000FF"/>
+        <a:srgbClr val="5F5F5F"/>
       </a:hlink>
       <a:folHlink>
-        <a:srgbClr val="800080"/>
+        <a:srgbClr val="919191"/>
       </a:folHlink>
     </a:clrScheme>
     <a:fontScheme name="Office">
       <a:majorFont>
-        <a:latin typeface="Calibri"/>
+        <a:latin typeface="Calibri Light" panose="020F0302020204030204"/>
         <a:ea typeface=""/>
         <a:cs typeface=""/>
         <a:font script="Jpan" typeface="ＭＳ Ｐゴシック"/>
@@ -8261,9 +8645,10 @@
         <a:font script="Mong" typeface="Mongolian Baiti"/>
         <a:font script="Viet" typeface="Times New Roman"/>
         <a:font script="Uigh" typeface="Microsoft Uighur"/>
+        <a:font script="Geor" typeface="Sylfaen"/>
       </a:majorFont>
       <a:minorFont>
-        <a:latin typeface="Calibri"/>
+        <a:latin typeface="Calibri" panose="020F0502020204030204"/>
         <a:ea typeface=""/>
         <a:cs typeface=""/>
         <a:font script="Jpan" typeface="ＭＳ Ｐゴシック"/>
@@ -8295,6 +8680,7 @@
         <a:font script="Mong" typeface="Mongolian Baiti"/>
         <a:font script="Viet" typeface="Arial"/>
         <a:font script="Uigh" typeface="Microsoft Uighur"/>
+        <a:font script="Geor" typeface="Sylfaen"/>
       </a:minorFont>
     </a:fontScheme>
     <a:fmtScheme name="Office">
@@ -8306,165 +8692,141 @@
           <a:gsLst>
             <a:gs pos="0">
               <a:schemeClr val="phClr">
-                <a:tint val="50000"/>
-                <a:satMod val="300000"/>
+                <a:lumMod val="110000"/>
+                <a:satMod val="105000"/>
+                <a:tint val="67000"/>
               </a:schemeClr>
             </a:gs>
-            <a:gs pos="35000">
+            <a:gs pos="50000">
               <a:schemeClr val="phClr">
-                <a:tint val="37000"/>
-                <a:satMod val="300000"/>
+                <a:lumMod val="105000"/>
+                <a:satMod val="103000"/>
+                <a:tint val="73000"/>
               </a:schemeClr>
             </a:gs>
             <a:gs pos="100000">
               <a:schemeClr val="phClr">
-                <a:tint val="15000"/>
-                <a:satMod val="350000"/>
+                <a:lumMod val="105000"/>
+                <a:satMod val="109000"/>
+                <a:tint val="81000"/>
               </a:schemeClr>
             </a:gs>
           </a:gsLst>
-          <a:lin ang="16200000" scaled="1"/>
+          <a:lin ang="5400000" scaled="0"/>
         </a:gradFill>
         <a:gradFill rotWithShape="1">
           <a:gsLst>
             <a:gs pos="0">
               <a:schemeClr val="phClr">
-                <a:shade val="51000"/>
-                <a:satMod val="130000"/>
+                <a:satMod val="103000"/>
+                <a:lumMod val="102000"/>
+                <a:tint val="94000"/>
               </a:schemeClr>
             </a:gs>
-            <a:gs pos="80000">
+            <a:gs pos="50000">
               <a:schemeClr val="phClr">
-                <a:shade val="93000"/>
-                <a:satMod val="130000"/>
+                <a:satMod val="110000"/>
+                <a:lumMod val="100000"/>
+                <a:shade val="100000"/>
               </a:schemeClr>
             </a:gs>
             <a:gs pos="100000">
               <a:schemeClr val="phClr">
-                <a:shade val="94000"/>
-                <a:satMod val="135000"/>
+                <a:lumMod val="99000"/>
+                <a:satMod val="120000"/>
+                <a:shade val="78000"/>
               </a:schemeClr>
             </a:gs>
           </a:gsLst>
-          <a:lin ang="16200000" scaled="0"/>
+          <a:lin ang="5400000" scaled="0"/>
         </a:gradFill>
       </a:fillStyleLst>
       <a:lnStyleLst>
-        <a:ln w="9525" cap="flat" cmpd="sng" algn="ctr">
-          <a:solidFill>
-            <a:schemeClr val="phClr">
-              <a:shade val="95000"/>
-              <a:satMod val="105000"/>
-            </a:schemeClr>
-          </a:solidFill>
-          <a:prstDash val="solid"/>
-        </a:ln>
-        <a:ln w="25400" cap="flat" cmpd="sng" algn="ctr">
+        <a:ln w="6350" cap="flat" cmpd="sng" algn="ctr">
           <a:solidFill>
             <a:schemeClr val="phClr"/>
           </a:solidFill>
           <a:prstDash val="solid"/>
+          <a:miter lim="800000"/>
         </a:ln>
-        <a:ln w="38100" cap="flat" cmpd="sng" algn="ctr">
+        <a:ln w="12700" cap="flat" cmpd="sng" algn="ctr">
           <a:solidFill>
             <a:schemeClr val="phClr"/>
           </a:solidFill>
           <a:prstDash val="solid"/>
+          <a:miter lim="800000"/>
+        </a:ln>
+        <a:ln w="19050" cap="flat" cmpd="sng" algn="ctr">
+          <a:solidFill>
+            <a:schemeClr val="phClr"/>
+          </a:solidFill>
+          <a:prstDash val="solid"/>
+          <a:miter lim="800000"/>
         </a:ln>
       </a:lnStyleLst>
       <a:effectStyleLst>
         <a:effectStyle>
+          <a:effectLst/>
+        </a:effectStyle>
+        <a:effectStyle>
+          <a:effectLst/>
+        </a:effectStyle>
+        <a:effectStyle>
           <a:effectLst>
-            <a:outerShdw blurRad="40000" dist="20000" dir="5400000" rotWithShape="0">
+            <a:outerShdw blurRad="57150" dist="19050" dir="5400000" algn="ctr" rotWithShape="0">
               <a:srgbClr val="000000">
-                <a:alpha val="38000"/>
+                <a:alpha val="63000"/>
               </a:srgbClr>
             </a:outerShdw>
           </a:effectLst>
-        </a:effectStyle>
-        <a:effectStyle>
-          <a:effectLst>
-            <a:outerShdw blurRad="40000" dist="23000" dir="5400000" rotWithShape="0">
-              <a:srgbClr val="000000">
-                <a:alpha val="35000"/>
-              </a:srgbClr>
-            </a:outerShdw>
-          </a:effectLst>
-        </a:effectStyle>
-        <a:effectStyle>
-          <a:effectLst>
-            <a:outerShdw blurRad="40000" dist="23000" dir="5400000" rotWithShape="0">
-              <a:srgbClr val="000000">
-                <a:alpha val="35000"/>
-              </a:srgbClr>
-            </a:outerShdw>
-          </a:effectLst>
-          <a:scene3d>
-            <a:camera prst="orthographicFront">
-              <a:rot lat="0" lon="0" rev="0"/>
-            </a:camera>
-            <a:lightRig rig="threePt" dir="t">
-              <a:rot lat="0" lon="0" rev="1200000"/>
-            </a:lightRig>
-          </a:scene3d>
-          <a:sp3d>
-            <a:bevelT w="63500" h="25400"/>
-          </a:sp3d>
         </a:effectStyle>
       </a:effectStyleLst>
       <a:bgFillStyleLst>
         <a:solidFill>
           <a:schemeClr val="phClr"/>
         </a:solidFill>
+        <a:solidFill>
+          <a:schemeClr val="phClr">
+            <a:tint val="95000"/>
+            <a:satMod val="170000"/>
+          </a:schemeClr>
+        </a:solidFill>
         <a:gradFill rotWithShape="1">
           <a:gsLst>
             <a:gs pos="0">
               <a:schemeClr val="phClr">
-                <a:tint val="40000"/>
-                <a:satMod val="350000"/>
+                <a:tint val="93000"/>
+                <a:satMod val="150000"/>
+                <a:shade val="98000"/>
+                <a:lumMod val="102000"/>
               </a:schemeClr>
             </a:gs>
-            <a:gs pos="40000">
+            <a:gs pos="50000">
               <a:schemeClr val="phClr">
-                <a:tint val="45000"/>
-                <a:shade val="99000"/>
-                <a:satMod val="350000"/>
+                <a:tint val="98000"/>
+                <a:satMod val="130000"/>
+                <a:shade val="90000"/>
+                <a:lumMod val="103000"/>
               </a:schemeClr>
             </a:gs>
             <a:gs pos="100000">
               <a:schemeClr val="phClr">
-                <a:shade val="20000"/>
-                <a:satMod val="255000"/>
+                <a:shade val="63000"/>
+                <a:satMod val="120000"/>
               </a:schemeClr>
             </a:gs>
           </a:gsLst>
-          <a:path path="circle">
-            <a:fillToRect l="50000" t="-80000" r="50000" b="180000"/>
-          </a:path>
-        </a:gradFill>
-        <a:gradFill rotWithShape="1">
-          <a:gsLst>
-            <a:gs pos="0">
-              <a:schemeClr val="phClr">
-                <a:tint val="80000"/>
-                <a:satMod val="300000"/>
-              </a:schemeClr>
-            </a:gs>
-            <a:gs pos="100000">
-              <a:schemeClr val="phClr">
-                <a:shade val="30000"/>
-                <a:satMod val="200000"/>
-              </a:schemeClr>
-            </a:gs>
-          </a:gsLst>
-          <a:path path="circle">
-            <a:fillToRect l="50000" t="50000" r="50000" b="50000"/>
-          </a:path>
+          <a:lin ang="5400000" scaled="0"/>
         </a:gradFill>
       </a:bgFillStyleLst>
     </a:fmtScheme>
   </a:themeElements>
   <a:objectDefaults/>
   <a:extraClrSchemeLst/>
+  <a:extLst>
+    <a:ext uri="{05A4C25C-085E-4340-85A3-A5531E510DB2}">
+      <thm15:themeFamily xmlns:thm15="http://schemas.microsoft.com/office/thememl/2012/main" name="Office Theme" id="{62F939B6-93AF-4DB8-9C6B-D6C7DFDC589F}" vid="{4A3C46E8-61CC-4603-A589-7422A47A8E4A}"/>
+    </a:ext>
+  </a:extLst>
 </a:theme>
 </file>
--- a/code/arif/diagrams/SMMSDFD (1).pptx
+++ b/code/arif/diagrams/SMMSDFD (1).pptx
@@ -107,7 +107,7 @@
   </p:defaultTextStyle>
   <p:extLst>
     <p:ext uri="{EFAFB233-063F-42B5-8137-9DF3F51BA10A}">
-      <p15:sldGuideLst xmlns:p15="http://schemas.microsoft.com/office/powerpoint/2012/main">
+      <p15:sldGuideLst xmlns:p15="http://schemas.microsoft.com/office/powerpoint/2012/main" xmlns="">
         <p15:guide id="1" orient="horz" pos="2160">
           <p15:clr>
             <a:srgbClr val="A4A3A4"/>
@@ -308,7 +308,7 @@
     </p:spTree>
     <p:extLst>
       <p:ext uri="{BB962C8B-B14F-4D97-AF65-F5344CB8AC3E}">
-        <p14:creationId xmlns:p14="http://schemas.microsoft.com/office/powerpoint/2010/main" val="3909573272"/>
+        <p14:creationId xmlns:p14="http://schemas.microsoft.com/office/powerpoint/2010/main" xmlns="" val="3909573272"/>
       </p:ext>
     </p:extLst>
   </p:cSld>
@@ -480,7 +480,7 @@
     </p:spTree>
     <p:extLst>
       <p:ext uri="{BB962C8B-B14F-4D97-AF65-F5344CB8AC3E}">
-        <p14:creationId xmlns:p14="http://schemas.microsoft.com/office/powerpoint/2010/main" val="2411424216"/>
+        <p14:creationId xmlns:p14="http://schemas.microsoft.com/office/powerpoint/2010/main" xmlns="" val="2411424216"/>
       </p:ext>
     </p:extLst>
   </p:cSld>
@@ -662,7 +662,7 @@
     </p:spTree>
     <p:extLst>
       <p:ext uri="{BB962C8B-B14F-4D97-AF65-F5344CB8AC3E}">
-        <p14:creationId xmlns:p14="http://schemas.microsoft.com/office/powerpoint/2010/main" val="1035180329"/>
+        <p14:creationId xmlns:p14="http://schemas.microsoft.com/office/powerpoint/2010/main" xmlns="" val="1035180329"/>
       </p:ext>
     </p:extLst>
   </p:cSld>
@@ -834,7 +834,7 @@
     </p:spTree>
     <p:extLst>
       <p:ext uri="{BB962C8B-B14F-4D97-AF65-F5344CB8AC3E}">
-        <p14:creationId xmlns:p14="http://schemas.microsoft.com/office/powerpoint/2010/main" val="569637175"/>
+        <p14:creationId xmlns:p14="http://schemas.microsoft.com/office/powerpoint/2010/main" xmlns="" val="569637175"/>
       </p:ext>
     </p:extLst>
   </p:cSld>
@@ -1082,7 +1082,7 @@
     </p:spTree>
     <p:extLst>
       <p:ext uri="{BB962C8B-B14F-4D97-AF65-F5344CB8AC3E}">
-        <p14:creationId xmlns:p14="http://schemas.microsoft.com/office/powerpoint/2010/main" val="88948954"/>
+        <p14:creationId xmlns:p14="http://schemas.microsoft.com/office/powerpoint/2010/main" xmlns="" val="88948954"/>
       </p:ext>
     </p:extLst>
   </p:cSld>
@@ -1316,7 +1316,7 @@
     </p:spTree>
     <p:extLst>
       <p:ext uri="{BB962C8B-B14F-4D97-AF65-F5344CB8AC3E}">
-        <p14:creationId xmlns:p14="http://schemas.microsoft.com/office/powerpoint/2010/main" val="3843180464"/>
+        <p14:creationId xmlns:p14="http://schemas.microsoft.com/office/powerpoint/2010/main" xmlns="" val="3843180464"/>
       </p:ext>
     </p:extLst>
   </p:cSld>
@@ -1685,7 +1685,7 @@
     </p:spTree>
     <p:extLst>
       <p:ext uri="{BB962C8B-B14F-4D97-AF65-F5344CB8AC3E}">
-        <p14:creationId xmlns:p14="http://schemas.microsoft.com/office/powerpoint/2010/main" val="730252627"/>
+        <p14:creationId xmlns:p14="http://schemas.microsoft.com/office/powerpoint/2010/main" xmlns="" val="730252627"/>
       </p:ext>
     </p:extLst>
   </p:cSld>
@@ -1805,7 +1805,7 @@
     </p:spTree>
     <p:extLst>
       <p:ext uri="{BB962C8B-B14F-4D97-AF65-F5344CB8AC3E}">
-        <p14:creationId xmlns:p14="http://schemas.microsoft.com/office/powerpoint/2010/main" val="2352558110"/>
+        <p14:creationId xmlns:p14="http://schemas.microsoft.com/office/powerpoint/2010/main" xmlns="" val="2352558110"/>
       </p:ext>
     </p:extLst>
   </p:cSld>
@@ -1902,7 +1902,7 @@
     </p:spTree>
     <p:extLst>
       <p:ext uri="{BB962C8B-B14F-4D97-AF65-F5344CB8AC3E}">
-        <p14:creationId xmlns:p14="http://schemas.microsoft.com/office/powerpoint/2010/main" val="2974611636"/>
+        <p14:creationId xmlns:p14="http://schemas.microsoft.com/office/powerpoint/2010/main" xmlns="" val="2974611636"/>
       </p:ext>
     </p:extLst>
   </p:cSld>
@@ -2181,7 +2181,7 @@
     </p:spTree>
     <p:extLst>
       <p:ext uri="{BB962C8B-B14F-4D97-AF65-F5344CB8AC3E}">
-        <p14:creationId xmlns:p14="http://schemas.microsoft.com/office/powerpoint/2010/main" val="747845270"/>
+        <p14:creationId xmlns:p14="http://schemas.microsoft.com/office/powerpoint/2010/main" xmlns="" val="747845270"/>
       </p:ext>
     </p:extLst>
   </p:cSld>
@@ -2436,7 +2436,7 @@
     </p:spTree>
     <p:extLst>
       <p:ext uri="{BB962C8B-B14F-4D97-AF65-F5344CB8AC3E}">
-        <p14:creationId xmlns:p14="http://schemas.microsoft.com/office/powerpoint/2010/main" val="4127440860"/>
+        <p14:creationId xmlns:p14="http://schemas.microsoft.com/office/powerpoint/2010/main" xmlns="" val="4127440860"/>
       </p:ext>
     </p:extLst>
   </p:cSld>
@@ -2687,7 +2687,7 @@
     </p:spTree>
     <p:extLst>
       <p:ext uri="{BB962C8B-B14F-4D97-AF65-F5344CB8AC3E}">
-        <p14:creationId xmlns:p14="http://schemas.microsoft.com/office/powerpoint/2010/main" val="3176370633"/>
+        <p14:creationId xmlns:p14="http://schemas.microsoft.com/office/powerpoint/2010/main" xmlns="" val="3176370633"/>
       </p:ext>
     </p:extLst>
   </p:cSld>
@@ -3149,11 +3149,6 @@
                 </a:rPr>
                 <a:t>System</a:t>
               </a:r>
-              <a:endParaRPr lang="en-IN" dirty="0">
-                <a:solidFill>
-                  <a:schemeClr val="tx1"/>
-                </a:solidFill>
-              </a:endParaRPr>
             </a:p>
           </p:txBody>
         </p:sp>
@@ -3323,11 +3318,6 @@
                 </a:rPr>
                 <a:t>Review/Rating</a:t>
               </a:r>
-              <a:endParaRPr lang="en-IN" dirty="0">
-                <a:solidFill>
-                  <a:schemeClr val="tx1"/>
-                </a:solidFill>
-              </a:endParaRPr>
             </a:p>
           </p:txBody>
         </p:sp>
@@ -4289,11 +4279,7 @@
             <a:p>
               <a:r>
                 <a:rPr lang="en-US" dirty="0" smtClean="0"/>
-                <a:t>review</a:t>
-              </a:r>
-              <a:r>
-                <a:rPr lang="en-US" dirty="0" smtClean="0"/>
-                <a:t>/</a:t>
+                <a:t>review/</a:t>
               </a:r>
             </a:p>
             <a:p>
@@ -8393,7 +8379,7 @@
         </p:nvSpPr>
         <p:spPr>
           <a:xfrm>
-            <a:off x="8214134" y="5324817"/>
+            <a:off x="8153400" y="5324817"/>
             <a:ext cx="929866" cy="390183"/>
           </a:xfrm>
           <a:prstGeom prst="rect">
@@ -8438,8 +8424,8 @@
         </p:nvCxnSpPr>
         <p:spPr>
           <a:xfrm rot="5400000">
-            <a:off x="8284676" y="5906781"/>
-            <a:ext cx="586172" cy="202611"/>
+            <a:off x="8254309" y="5937148"/>
+            <a:ext cx="586172" cy="141877"/>
           </a:xfrm>
           <a:prstGeom prst="bentConnector2">
             <a:avLst/>
@@ -8504,13 +8490,13 @@
         </p:nvCxnSpPr>
         <p:spPr>
           <a:xfrm rot="5400000" flipH="1" flipV="1">
-            <a:off x="7717767" y="4185129"/>
-            <a:ext cx="2100989" cy="178389"/>
+            <a:off x="7687400" y="4154762"/>
+            <a:ext cx="2100989" cy="239123"/>
           </a:xfrm>
           <a:prstGeom prst="bentConnector4">
             <a:avLst>
               <a:gd name="adj1" fmla="val 44002"/>
-              <a:gd name="adj2" fmla="val 228147"/>
+              <a:gd name="adj2" fmla="val 195599"/>
             </a:avLst>
           </a:prstGeom>
           <a:ln>
@@ -8613,7 +8599,7 @@
     </a:clrScheme>
     <a:fontScheme name="Office">
       <a:majorFont>
-        <a:latin typeface="Calibri Light" panose="020F0302020204030204"/>
+        <a:latin typeface="Calibri Light"/>
         <a:ea typeface=""/>
         <a:cs typeface=""/>
         <a:font script="Jpan" typeface="ＭＳ Ｐゴシック"/>
@@ -8648,7 +8634,7 @@
         <a:font script="Geor" typeface="Sylfaen"/>
       </a:majorFont>
       <a:minorFont>
-        <a:latin typeface="Calibri" panose="020F0502020204030204"/>
+        <a:latin typeface="Calibri"/>
         <a:ea typeface=""/>
         <a:cs typeface=""/>
         <a:font script="Jpan" typeface="ＭＳ Ｐゴシック"/>
@@ -8825,7 +8811,7 @@
   <a:extraClrSchemeLst/>
   <a:extLst>
     <a:ext uri="{05A4C25C-085E-4340-85A3-A5531E510DB2}">
-      <thm15:themeFamily xmlns:thm15="http://schemas.microsoft.com/office/thememl/2012/main" name="Office Theme" id="{62F939B6-93AF-4DB8-9C6B-D6C7DFDC589F}" vid="{4A3C46E8-61CC-4603-A589-7422A47A8E4A}"/>
+      <thm15:themeFamily xmlns:thm15="http://schemas.microsoft.com/office/thememl/2012/main" xmlns="" name="Office Theme" id="{62F939B6-93AF-4DB8-9C6B-D6C7DFDC589F}" vid="{4A3C46E8-61CC-4603-A589-7422A47A8E4A}"/>
     </a:ext>
   </a:extLst>
 </a:theme>
